--- a/poster.pptx
+++ b/poster.pptx
@@ -165,1154 +165,6 @@
 <p188:authorLst xmlns:a="http://schemas.openxmlformats.org/drawingml/2006/main" xmlns:r="http://schemas.openxmlformats.org/officeDocument/2006/relationships" xmlns:p188="http://schemas.microsoft.com/office/powerpoint/2018/8/main">
   <p188:author id="{9951396D-9205-89EB-63B6-F6AFDC7C1E86}" name="Birklbauer Micha" initials="BM" userId="S::p42587@fhooe.at::6a0b40f6-2383-4485-9746-453049b1349c" providerId="AD"/>
 </p188:authorLst>
-</file>
-
-<file path=ppt/ink/ink1.xml><?xml version="1.0" encoding="utf-8"?>
-<inkml:ink xmlns:inkml="http://www.w3.org/2003/InkML">
-  <inkml:definitions>
-    <inkml:context xml:id="ctx0">
-      <inkml:inkSource xml:id="inkSrc0">
-        <inkml:traceFormat>
-          <inkml:channel name="X" type="integer" min="-2.14748E9" max="2.14748E9" units="cm"/>
-          <inkml:channel name="Y" type="integer" min="-2.14748E9" max="2.14748E9" units="cm"/>
-        </inkml:traceFormat>
-        <inkml:channelProperties>
-          <inkml:channelProperty channel="X" name="resolution" value="1000" units="1/cm"/>
-          <inkml:channelProperty channel="Y" name="resolution" value="1000" units="1/cm"/>
-        </inkml:channelProperties>
-      </inkml:inkSource>
-      <inkml:timestamp xml:id="ts0" timeString="2022-11-18T15:22:11.239"/>
-    </inkml:context>
-    <inkml:brush xml:id="br0">
-      <inkml:brushProperty name="width" value="0.1" units="cm"/>
-      <inkml:brushProperty name="height" value="0.1" units="cm"/>
-      <inkml:brushProperty name="ignorePressure" value="1"/>
-    </inkml:brush>
-  </inkml:definitions>
-  <inkml:trace contextRef="#ctx0" brushRef="#br0">0 1,'10383'0,"-10361"0</inkml:trace>
-</inkml:ink>
-</file>
-
-<file path=ppt/ink/ink10.xml><?xml version="1.0" encoding="utf-8"?>
-<inkml:ink xmlns:inkml="http://www.w3.org/2003/InkML">
-  <inkml:definitions>
-    <inkml:context xml:id="ctx0">
-      <inkml:inkSource xml:id="inkSrc0">
-        <inkml:traceFormat>
-          <inkml:channel name="X" type="integer" min="-2.14748E9" max="2.14748E9" units="cm"/>
-          <inkml:channel name="Y" type="integer" min="-2.14748E9" max="2.14748E9" units="cm"/>
-        </inkml:traceFormat>
-        <inkml:channelProperties>
-          <inkml:channelProperty channel="X" name="resolution" value="1000" units="1/cm"/>
-          <inkml:channelProperty channel="Y" name="resolution" value="1000" units="1/cm"/>
-        </inkml:channelProperties>
-      </inkml:inkSource>
-      <inkml:timestamp xml:id="ts0" timeString="2022-11-18T15:22:11.248"/>
-    </inkml:context>
-    <inkml:brush xml:id="br0">
-      <inkml:brushProperty name="width" value="0.1" units="cm"/>
-      <inkml:brushProperty name="height" value="0.1" units="cm"/>
-      <inkml:brushProperty name="color" value="#849398"/>
-      <inkml:brushProperty name="ignorePressure" value="1"/>
-    </inkml:brush>
-  </inkml:definitions>
-  <inkml:trace contextRef="#ctx0" brushRef="#br0">1 1,'0'1841,"0"-1815</inkml:trace>
-</inkml:ink>
-</file>
-
-<file path=ppt/ink/ink11.xml><?xml version="1.0" encoding="utf-8"?>
-<inkml:ink xmlns:inkml="http://www.w3.org/2003/InkML">
-  <inkml:definitions>
-    <inkml:context xml:id="ctx0">
-      <inkml:inkSource xml:id="inkSrc0">
-        <inkml:traceFormat>
-          <inkml:channel name="X" type="integer" min="-2.14748E9" max="2.14748E9" units="cm"/>
-          <inkml:channel name="Y" type="integer" min="-2.14748E9" max="2.14748E9" units="cm"/>
-        </inkml:traceFormat>
-        <inkml:channelProperties>
-          <inkml:channelProperty channel="X" name="resolution" value="1000" units="1/cm"/>
-          <inkml:channelProperty channel="Y" name="resolution" value="1000" units="1/cm"/>
-        </inkml:channelProperties>
-      </inkml:inkSource>
-      <inkml:timestamp xml:id="ts0" timeString="2022-11-18T15:22:54.324"/>
-    </inkml:context>
-    <inkml:brush xml:id="br0">
-      <inkml:brushProperty name="width" value="0.1" units="cm"/>
-      <inkml:brushProperty name="height" value="0.1" units="cm"/>
-      <inkml:brushProperty name="ignorePressure" value="1"/>
-    </inkml:brush>
-  </inkml:definitions>
-  <inkml:trace contextRef="#ctx0" brushRef="#br0">0 1,'10383'0,"-10361"0</inkml:trace>
-</inkml:ink>
-</file>
-
-<file path=ppt/ink/ink12.xml><?xml version="1.0" encoding="utf-8"?>
-<inkml:ink xmlns:inkml="http://www.w3.org/2003/InkML">
-  <inkml:definitions>
-    <inkml:context xml:id="ctx0">
-      <inkml:inkSource xml:id="inkSrc0">
-        <inkml:traceFormat>
-          <inkml:channel name="X" type="integer" min="-2.14748E9" max="2.14748E9" units="cm"/>
-          <inkml:channel name="Y" type="integer" min="-2.14748E9" max="2.14748E9" units="cm"/>
-        </inkml:traceFormat>
-        <inkml:channelProperties>
-          <inkml:channelProperty channel="X" name="resolution" value="1000" units="1/cm"/>
-          <inkml:channelProperty channel="Y" name="resolution" value="1000" units="1/cm"/>
-        </inkml:channelProperties>
-      </inkml:inkSource>
-      <inkml:timestamp xml:id="ts0" timeString="2022-11-18T15:22:54.325"/>
-    </inkml:context>
-    <inkml:brush xml:id="br0">
-      <inkml:brushProperty name="width" value="0.1" units="cm"/>
-      <inkml:brushProperty name="height" value="0.1" units="cm"/>
-      <inkml:brushProperty name="ignorePressure" value="1"/>
-    </inkml:brush>
-  </inkml:definitions>
-  <inkml:trace contextRef="#ctx0" brushRef="#br0">0 1,'0'4767,"0"-4730</inkml:trace>
-</inkml:ink>
-</file>
-
-<file path=ppt/ink/ink13.xml><?xml version="1.0" encoding="utf-8"?>
-<inkml:ink xmlns:inkml="http://www.w3.org/2003/InkML">
-  <inkml:definitions>
-    <inkml:context xml:id="ctx0">
-      <inkml:inkSource xml:id="inkSrc0">
-        <inkml:traceFormat>
-          <inkml:channel name="X" type="integer" min="-2.14748E9" max="2.14748E9" units="cm"/>
-          <inkml:channel name="Y" type="integer" min="-2.14748E9" max="2.14748E9" units="cm"/>
-        </inkml:traceFormat>
-        <inkml:channelProperties>
-          <inkml:channelProperty channel="X" name="resolution" value="1000" units="1/cm"/>
-          <inkml:channelProperty channel="Y" name="resolution" value="1000" units="1/cm"/>
-        </inkml:channelProperties>
-      </inkml:inkSource>
-      <inkml:timestamp xml:id="ts0" timeString="2022-11-18T15:22:54.326"/>
-    </inkml:context>
-    <inkml:brush xml:id="br0">
-      <inkml:brushProperty name="width" value="0.1" units="cm"/>
-      <inkml:brushProperty name="height" value="0.1" units="cm"/>
-      <inkml:brushProperty name="color" value="#1168B2"/>
-      <inkml:brushProperty name="ignorePressure" value="1"/>
-    </inkml:brush>
-  </inkml:definitions>
-  <inkml:trace contextRef="#ctx0" brushRef="#br0">0 1,'0'2180,"0"-2148</inkml:trace>
-</inkml:ink>
-</file>
-
-<file path=ppt/ink/ink14.xml><?xml version="1.0" encoding="utf-8"?>
-<inkml:ink xmlns:inkml="http://www.w3.org/2003/InkML">
-  <inkml:definitions>
-    <inkml:context xml:id="ctx0">
-      <inkml:inkSource xml:id="inkSrc0">
-        <inkml:traceFormat>
-          <inkml:channel name="X" type="integer" min="-2.14748E9" max="2.14748E9" units="cm"/>
-          <inkml:channel name="Y" type="integer" min="-2.14748E9" max="2.14748E9" units="cm"/>
-        </inkml:traceFormat>
-        <inkml:channelProperties>
-          <inkml:channelProperty channel="X" name="resolution" value="1000" units="1/cm"/>
-          <inkml:channelProperty channel="Y" name="resolution" value="1000" units="1/cm"/>
-        </inkml:channelProperties>
-      </inkml:inkSource>
-      <inkml:timestamp xml:id="ts0" timeString="2022-11-18T15:22:54.327"/>
-    </inkml:context>
-    <inkml:brush xml:id="br0">
-      <inkml:brushProperty name="width" value="0.1" units="cm"/>
-      <inkml:brushProperty name="height" value="0.1" units="cm"/>
-      <inkml:brushProperty name="ignorePressure" value="1"/>
-    </inkml:brush>
-  </inkml:definitions>
-  <inkml:trace contextRef="#ctx0" brushRef="#br0">0 1,'0'9,"0"9,0 6,0-1,0 0,0 2,0 6,0 2,0-4,0-2,0 0,0-1,0 0,0 2,0 0,0 0,0-4</inkml:trace>
-</inkml:ink>
-</file>
-
-<file path=ppt/ink/ink15.xml><?xml version="1.0" encoding="utf-8"?>
-<inkml:ink xmlns:inkml="http://www.w3.org/2003/InkML">
-  <inkml:definitions>
-    <inkml:context xml:id="ctx0">
-      <inkml:inkSource xml:id="inkSrc0">
-        <inkml:traceFormat>
-          <inkml:channel name="X" type="integer" min="-2.14748E9" max="2.14748E9" units="cm"/>
-          <inkml:channel name="Y" type="integer" min="-2.14748E9" max="2.14748E9" units="cm"/>
-        </inkml:traceFormat>
-        <inkml:channelProperties>
-          <inkml:channelProperty channel="X" name="resolution" value="1000" units="1/cm"/>
-          <inkml:channelProperty channel="Y" name="resolution" value="1000" units="1/cm"/>
-        </inkml:channelProperties>
-      </inkml:inkSource>
-      <inkml:timestamp xml:id="ts0" timeString="2022-11-18T15:22:54.328"/>
-    </inkml:context>
-    <inkml:brush xml:id="br0">
-      <inkml:brushProperty name="width" value="0.1" units="cm"/>
-      <inkml:brushProperty name="height" value="0.1" units="cm"/>
-      <inkml:brushProperty name="color" value="#1168B2"/>
-      <inkml:brushProperty name="ignorePressure" value="1"/>
-    </inkml:brush>
-  </inkml:definitions>
-  <inkml:trace contextRef="#ctx0" brushRef="#br0">1 0,'0'3461,"0"-3442</inkml:trace>
-</inkml:ink>
-</file>
-
-<file path=ppt/ink/ink16.xml><?xml version="1.0" encoding="utf-8"?>
-<inkml:ink xmlns:inkml="http://www.w3.org/2003/InkML">
-  <inkml:definitions>
-    <inkml:context xml:id="ctx0">
-      <inkml:inkSource xml:id="inkSrc0">
-        <inkml:traceFormat>
-          <inkml:channel name="X" type="integer" min="-2.14748E9" max="2.14748E9" units="cm"/>
-          <inkml:channel name="Y" type="integer" min="-2.14748E9" max="2.14748E9" units="cm"/>
-        </inkml:traceFormat>
-        <inkml:channelProperties>
-          <inkml:channelProperty channel="X" name="resolution" value="1000" units="1/cm"/>
-          <inkml:channelProperty channel="Y" name="resolution" value="1000" units="1/cm"/>
-        </inkml:channelProperties>
-      </inkml:inkSource>
-      <inkml:timestamp xml:id="ts0" timeString="2022-11-18T15:22:54.329"/>
-    </inkml:context>
-    <inkml:brush xml:id="br0">
-      <inkml:brushProperty name="width" value="0.1" units="cm"/>
-      <inkml:brushProperty name="height" value="0.1" units="cm"/>
-      <inkml:brushProperty name="ignorePressure" value="1"/>
-    </inkml:brush>
-  </inkml:definitions>
-  <inkml:trace contextRef="#ctx0" brushRef="#br0">1 1,'0'894,"0"-867</inkml:trace>
-</inkml:ink>
-</file>
-
-<file path=ppt/ink/ink17.xml><?xml version="1.0" encoding="utf-8"?>
-<inkml:ink xmlns:inkml="http://www.w3.org/2003/InkML">
-  <inkml:definitions>
-    <inkml:context xml:id="ctx0">
-      <inkml:inkSource xml:id="inkSrc0">
-        <inkml:traceFormat>
-          <inkml:channel name="X" type="integer" min="-2.14748E9" max="2.14748E9" units="cm"/>
-          <inkml:channel name="Y" type="integer" min="-2.14748E9" max="2.14748E9" units="cm"/>
-        </inkml:traceFormat>
-        <inkml:channelProperties>
-          <inkml:channelProperty channel="X" name="resolution" value="1000" units="1/cm"/>
-          <inkml:channelProperty channel="Y" name="resolution" value="1000" units="1/cm"/>
-        </inkml:channelProperties>
-      </inkml:inkSource>
-      <inkml:timestamp xml:id="ts0" timeString="2022-11-18T15:22:54.330"/>
-    </inkml:context>
-    <inkml:brush xml:id="br0">
-      <inkml:brushProperty name="width" value="0.1" units="cm"/>
-      <inkml:brushProperty name="height" value="0.1" units="cm"/>
-      <inkml:brushProperty name="color" value="#E71224"/>
-      <inkml:brushProperty name="ignorePressure" value="1"/>
-    </inkml:brush>
-  </inkml:definitions>
-  <inkml:trace contextRef="#ctx0" brushRef="#br0">1 1,'0'2564,"0"-2543</inkml:trace>
-</inkml:ink>
-</file>
-
-<file path=ppt/ink/ink18.xml><?xml version="1.0" encoding="utf-8"?>
-<inkml:ink xmlns:inkml="http://www.w3.org/2003/InkML">
-  <inkml:definitions>
-    <inkml:context xml:id="ctx0">
-      <inkml:inkSource xml:id="inkSrc0">
-        <inkml:traceFormat>
-          <inkml:channel name="X" type="integer" min="-2.14748E9" max="2.14748E9" units="cm"/>
-          <inkml:channel name="Y" type="integer" min="-2.14748E9" max="2.14748E9" units="cm"/>
-        </inkml:traceFormat>
-        <inkml:channelProperties>
-          <inkml:channelProperty channel="X" name="resolution" value="1000" units="1/cm"/>
-          <inkml:channelProperty channel="Y" name="resolution" value="1000" units="1/cm"/>
-        </inkml:channelProperties>
-      </inkml:inkSource>
-      <inkml:timestamp xml:id="ts0" timeString="2022-11-18T15:22:54.331"/>
-    </inkml:context>
-    <inkml:brush xml:id="br0">
-      <inkml:brushProperty name="width" value="0.1" units="cm"/>
-      <inkml:brushProperty name="height" value="0.1" units="cm"/>
-      <inkml:brushProperty name="ignorePressure" value="1"/>
-    </inkml:brush>
-  </inkml:definitions>
-  <inkml:trace contextRef="#ctx0" brushRef="#br0">1 0,'0'525,"0"-502</inkml:trace>
-</inkml:ink>
-</file>
-
-<file path=ppt/ink/ink19.xml><?xml version="1.0" encoding="utf-8"?>
-<inkml:ink xmlns:inkml="http://www.w3.org/2003/InkML">
-  <inkml:definitions>
-    <inkml:context xml:id="ctx0">
-      <inkml:inkSource xml:id="inkSrc0">
-        <inkml:traceFormat>
-          <inkml:channel name="X" type="integer" min="-2.14748E9" max="2.14748E9" units="cm"/>
-          <inkml:channel name="Y" type="integer" min="-2.14748E9" max="2.14748E9" units="cm"/>
-        </inkml:traceFormat>
-        <inkml:channelProperties>
-          <inkml:channelProperty channel="X" name="resolution" value="1000" units="1/cm"/>
-          <inkml:channelProperty channel="Y" name="resolution" value="1000" units="1/cm"/>
-        </inkml:channelProperties>
-      </inkml:inkSource>
-      <inkml:timestamp xml:id="ts0" timeString="2022-11-18T15:22:54.332"/>
-    </inkml:context>
-    <inkml:brush xml:id="br0">
-      <inkml:brushProperty name="width" value="0.1" units="cm"/>
-      <inkml:brushProperty name="height" value="0.1" units="cm"/>
-      <inkml:brushProperty name="color" value="#E71224"/>
-      <inkml:brushProperty name="ignorePressure" value="1"/>
-    </inkml:brush>
-  </inkml:definitions>
-  <inkml:trace contextRef="#ctx0" brushRef="#br0">0 1,'0'824,"0"-803</inkml:trace>
-</inkml:ink>
-</file>
-
-<file path=ppt/ink/ink2.xml><?xml version="1.0" encoding="utf-8"?>
-<inkml:ink xmlns:inkml="http://www.w3.org/2003/InkML">
-  <inkml:definitions>
-    <inkml:context xml:id="ctx0">
-      <inkml:inkSource xml:id="inkSrc0">
-        <inkml:traceFormat>
-          <inkml:channel name="X" type="integer" min="-2.14748E9" max="2.14748E9" units="cm"/>
-          <inkml:channel name="Y" type="integer" min="-2.14748E9" max="2.14748E9" units="cm"/>
-        </inkml:traceFormat>
-        <inkml:channelProperties>
-          <inkml:channelProperty channel="X" name="resolution" value="1000" units="1/cm"/>
-          <inkml:channelProperty channel="Y" name="resolution" value="1000" units="1/cm"/>
-        </inkml:channelProperties>
-      </inkml:inkSource>
-      <inkml:timestamp xml:id="ts0" timeString="2022-11-18T15:22:11.240"/>
-    </inkml:context>
-    <inkml:brush xml:id="br0">
-      <inkml:brushProperty name="width" value="0.1" units="cm"/>
-      <inkml:brushProperty name="height" value="0.1" units="cm"/>
-      <inkml:brushProperty name="ignorePressure" value="1"/>
-    </inkml:brush>
-  </inkml:definitions>
-  <inkml:trace contextRef="#ctx0" brushRef="#br0">0 1,'0'4767,"0"-4730</inkml:trace>
-</inkml:ink>
-</file>
-
-<file path=ppt/ink/ink20.xml><?xml version="1.0" encoding="utf-8"?>
-<inkml:ink xmlns:inkml="http://www.w3.org/2003/InkML">
-  <inkml:definitions>
-    <inkml:context xml:id="ctx0">
-      <inkml:inkSource xml:id="inkSrc0">
-        <inkml:traceFormat>
-          <inkml:channel name="X" type="integer" min="-2.14748E9" max="2.14748E9" units="cm"/>
-          <inkml:channel name="Y" type="integer" min="-2.14748E9" max="2.14748E9" units="cm"/>
-        </inkml:traceFormat>
-        <inkml:channelProperties>
-          <inkml:channelProperty channel="X" name="resolution" value="1000" units="1/cm"/>
-          <inkml:channelProperty channel="Y" name="resolution" value="1000" units="1/cm"/>
-        </inkml:channelProperties>
-      </inkml:inkSource>
-      <inkml:timestamp xml:id="ts0" timeString="2022-11-18T15:22:54.333"/>
-    </inkml:context>
-    <inkml:brush xml:id="br0">
-      <inkml:brushProperty name="width" value="0.1" units="cm"/>
-      <inkml:brushProperty name="height" value="0.1" units="cm"/>
-      <inkml:brushProperty name="ignorePressure" value="1"/>
-    </inkml:brush>
-  </inkml:definitions>
-  <inkml:trace contextRef="#ctx0" brushRef="#br0">0 1,'0'721,"0"-696</inkml:trace>
-</inkml:ink>
-</file>
-
-<file path=ppt/ink/ink21.xml><?xml version="1.0" encoding="utf-8"?>
-<inkml:ink xmlns:inkml="http://www.w3.org/2003/InkML">
-  <inkml:definitions>
-    <inkml:context xml:id="ctx0">
-      <inkml:inkSource xml:id="inkSrc0">
-        <inkml:traceFormat>
-          <inkml:channel name="X" type="integer" min="-2.14748E9" max="2.14748E9" units="cm"/>
-          <inkml:channel name="Y" type="integer" min="-2.14748E9" max="2.14748E9" units="cm"/>
-        </inkml:traceFormat>
-        <inkml:channelProperties>
-          <inkml:channelProperty channel="X" name="resolution" value="1000" units="1/cm"/>
-          <inkml:channelProperty channel="Y" name="resolution" value="1000" units="1/cm"/>
-        </inkml:channelProperties>
-      </inkml:inkSource>
-      <inkml:timestamp xml:id="ts0" timeString="2022-11-18T15:22:54.334"/>
-    </inkml:context>
-    <inkml:brush xml:id="br0">
-      <inkml:brushProperty name="width" value="0.1" units="cm"/>
-      <inkml:brushProperty name="height" value="0.1" units="cm"/>
-      <inkml:brushProperty name="color" value="#849398"/>
-      <inkml:brushProperty name="ignorePressure" value="1"/>
-    </inkml:brush>
-  </inkml:definitions>
-  <inkml:trace contextRef="#ctx0" brushRef="#br0">1 0,'0'1756,"0"-1728</inkml:trace>
-</inkml:ink>
-</file>
-
-<file path=ppt/ink/ink22.xml><?xml version="1.0" encoding="utf-8"?>
-<inkml:ink xmlns:inkml="http://www.w3.org/2003/InkML">
-  <inkml:definitions>
-    <inkml:context xml:id="ctx0">
-      <inkml:inkSource xml:id="inkSrc0">
-        <inkml:traceFormat>
-          <inkml:channel name="X" type="integer" min="-2.14748E9" max="2.14748E9" units="cm"/>
-          <inkml:channel name="Y" type="integer" min="-2.14748E9" max="2.14748E9" units="cm"/>
-        </inkml:traceFormat>
-        <inkml:channelProperties>
-          <inkml:channelProperty channel="X" name="resolution" value="1000" units="1/cm"/>
-          <inkml:channelProperty channel="Y" name="resolution" value="1000" units="1/cm"/>
-        </inkml:channelProperties>
-      </inkml:inkSource>
-      <inkml:timestamp xml:id="ts0" timeString="2022-11-18T15:22:54.335"/>
-    </inkml:context>
-    <inkml:brush xml:id="br0">
-      <inkml:brushProperty name="width" value="0.1" units="cm"/>
-      <inkml:brushProperty name="height" value="0.1" units="cm"/>
-      <inkml:brushProperty name="color" value="#849398"/>
-      <inkml:brushProperty name="ignorePressure" value="1"/>
-    </inkml:brush>
-  </inkml:definitions>
-  <inkml:trace contextRef="#ctx0" brushRef="#br0">1 1,'0'747,"0"-728</inkml:trace>
-</inkml:ink>
-</file>
-
-<file path=ppt/ink/ink23.xml><?xml version="1.0" encoding="utf-8"?>
-<inkml:ink xmlns:inkml="http://www.w3.org/2003/InkML">
-  <inkml:definitions>
-    <inkml:context xml:id="ctx0">
-      <inkml:inkSource xml:id="inkSrc0">
-        <inkml:traceFormat>
-          <inkml:channel name="X" type="integer" min="-2.14748E9" max="2.14748E9" units="cm"/>
-          <inkml:channel name="Y" type="integer" min="-2.14748E9" max="2.14748E9" units="cm"/>
-        </inkml:traceFormat>
-        <inkml:channelProperties>
-          <inkml:channelProperty channel="X" name="resolution" value="1000" units="1/cm"/>
-          <inkml:channelProperty channel="Y" name="resolution" value="1000" units="1/cm"/>
-        </inkml:channelProperties>
-      </inkml:inkSource>
-      <inkml:timestamp xml:id="ts0" timeString="2022-11-18T15:22:54.336"/>
-    </inkml:context>
-    <inkml:brush xml:id="br0">
-      <inkml:brushProperty name="width" value="0.1" units="cm"/>
-      <inkml:brushProperty name="height" value="0.1" units="cm"/>
-      <inkml:brushProperty name="color" value="#849398"/>
-      <inkml:brushProperty name="ignorePressure" value="1"/>
-    </inkml:brush>
-  </inkml:definitions>
-  <inkml:trace contextRef="#ctx0" brushRef="#br0">0 1,'0'765,"0"-747</inkml:trace>
-</inkml:ink>
-</file>
-
-<file path=ppt/ink/ink24.xml><?xml version="1.0" encoding="utf-8"?>
-<inkml:ink xmlns:inkml="http://www.w3.org/2003/InkML">
-  <inkml:definitions>
-    <inkml:context xml:id="ctx0">
-      <inkml:inkSource xml:id="inkSrc0">
-        <inkml:traceFormat>
-          <inkml:channel name="X" type="integer" min="-2.14748E9" max="2.14748E9" units="cm"/>
-          <inkml:channel name="Y" type="integer" min="-2.14748E9" max="2.14748E9" units="cm"/>
-        </inkml:traceFormat>
-        <inkml:channelProperties>
-          <inkml:channelProperty channel="X" name="resolution" value="1000" units="1/cm"/>
-          <inkml:channelProperty channel="Y" name="resolution" value="1000" units="1/cm"/>
-        </inkml:channelProperties>
-      </inkml:inkSource>
-      <inkml:timestamp xml:id="ts0" timeString="2022-11-18T15:22:54.337"/>
-    </inkml:context>
-    <inkml:brush xml:id="br0">
-      <inkml:brushProperty name="width" value="0.1" units="cm"/>
-      <inkml:brushProperty name="height" value="0.1" units="cm"/>
-      <inkml:brushProperty name="color" value="#849398"/>
-      <inkml:brushProperty name="ignorePressure" value="1"/>
-    </inkml:brush>
-  </inkml:definitions>
-  <inkml:trace contextRef="#ctx0" brushRef="#br0">0 1,'0'2618,"0"-2595</inkml:trace>
-</inkml:ink>
-</file>
-
-<file path=ppt/ink/ink25.xml><?xml version="1.0" encoding="utf-8"?>
-<inkml:ink xmlns:inkml="http://www.w3.org/2003/InkML">
-  <inkml:definitions>
-    <inkml:context xml:id="ctx0">
-      <inkml:inkSource xml:id="inkSrc0">
-        <inkml:traceFormat>
-          <inkml:channel name="X" type="integer" min="-2.14748E9" max="2.14748E9" units="cm"/>
-          <inkml:channel name="Y" type="integer" min="-2.14748E9" max="2.14748E9" units="cm"/>
-        </inkml:traceFormat>
-        <inkml:channelProperties>
-          <inkml:channelProperty channel="X" name="resolution" value="1000" units="1/cm"/>
-          <inkml:channelProperty channel="Y" name="resolution" value="1000" units="1/cm"/>
-        </inkml:channelProperties>
-      </inkml:inkSource>
-      <inkml:timestamp xml:id="ts0" timeString="2022-11-18T15:22:54.338"/>
-    </inkml:context>
-    <inkml:brush xml:id="br0">
-      <inkml:brushProperty name="width" value="0.1" units="cm"/>
-      <inkml:brushProperty name="height" value="0.1" units="cm"/>
-      <inkml:brushProperty name="color" value="#849398"/>
-      <inkml:brushProperty name="ignorePressure" value="1"/>
-    </inkml:brush>
-  </inkml:definitions>
-  <inkml:trace contextRef="#ctx0" brushRef="#br0">1 0,'0'1910,"0"-1877</inkml:trace>
-</inkml:ink>
-</file>
-
-<file path=ppt/ink/ink26.xml><?xml version="1.0" encoding="utf-8"?>
-<inkml:ink xmlns:inkml="http://www.w3.org/2003/InkML">
-  <inkml:definitions>
-    <inkml:context xml:id="ctx0">
-      <inkml:inkSource xml:id="inkSrc0">
-        <inkml:traceFormat>
-          <inkml:channel name="X" type="integer" min="-2.14748E9" max="2.14748E9" units="cm"/>
-          <inkml:channel name="Y" type="integer" min="-2.14748E9" max="2.14748E9" units="cm"/>
-        </inkml:traceFormat>
-        <inkml:channelProperties>
-          <inkml:channelProperty channel="X" name="resolution" value="1000" units="1/cm"/>
-          <inkml:channelProperty channel="Y" name="resolution" value="1000" units="1/cm"/>
-        </inkml:channelProperties>
-      </inkml:inkSource>
-      <inkml:timestamp xml:id="ts0" timeString="2022-11-18T15:22:54.339"/>
-    </inkml:context>
-    <inkml:brush xml:id="br0">
-      <inkml:brushProperty name="width" value="0.1" units="cm"/>
-      <inkml:brushProperty name="height" value="0.1" units="cm"/>
-      <inkml:brushProperty name="color" value="#849398"/>
-      <inkml:brushProperty name="ignorePressure" value="1"/>
-    </inkml:brush>
-  </inkml:definitions>
-  <inkml:trace contextRef="#ctx0" brushRef="#br0">1 0,'0'2566,"0"-2543</inkml:trace>
-</inkml:ink>
-</file>
-
-<file path=ppt/ink/ink27.xml><?xml version="1.0" encoding="utf-8"?>
-<inkml:ink xmlns:inkml="http://www.w3.org/2003/InkML">
-  <inkml:definitions>
-    <inkml:context xml:id="ctx0">
-      <inkml:inkSource xml:id="inkSrc0">
-        <inkml:traceFormat>
-          <inkml:channel name="X" type="integer" min="-2.14748E9" max="2.14748E9" units="cm"/>
-          <inkml:channel name="Y" type="integer" min="-2.14748E9" max="2.14748E9" units="cm"/>
-        </inkml:traceFormat>
-        <inkml:channelProperties>
-          <inkml:channelProperty channel="X" name="resolution" value="1000" units="1/cm"/>
-          <inkml:channelProperty channel="Y" name="resolution" value="1000" units="1/cm"/>
-        </inkml:channelProperties>
-      </inkml:inkSource>
-      <inkml:timestamp xml:id="ts0" timeString="2022-11-18T15:22:54.340"/>
-    </inkml:context>
-    <inkml:brush xml:id="br0">
-      <inkml:brushProperty name="width" value="0.1" units="cm"/>
-      <inkml:brushProperty name="height" value="0.1" units="cm"/>
-      <inkml:brushProperty name="color" value="#849398"/>
-      <inkml:brushProperty name="ignorePressure" value="1"/>
-    </inkml:brush>
-  </inkml:definitions>
-  <inkml:trace contextRef="#ctx0" brushRef="#br0">0 1,'0'5,"0"6,0 7,0 10,0 10,0 3,0 0,0 2,0 0,0-4,0-8,0-4,0-2,0 0,0-4,0-2,0-3,0-5</inkml:trace>
-</inkml:ink>
-</file>
-
-<file path=ppt/ink/ink28.xml><?xml version="1.0" encoding="utf-8"?>
-<inkml:ink xmlns:inkml="http://www.w3.org/2003/InkML">
-  <inkml:definitions>
-    <inkml:context xml:id="ctx0">
-      <inkml:inkSource xml:id="inkSrc0">
-        <inkml:traceFormat>
-          <inkml:channel name="X" type="integer" min="-2.14748E9" max="2.14748E9" units="cm"/>
-          <inkml:channel name="Y" type="integer" min="-2.14748E9" max="2.14748E9" units="cm"/>
-        </inkml:traceFormat>
-        <inkml:channelProperties>
-          <inkml:channelProperty channel="X" name="resolution" value="1000" units="1/cm"/>
-          <inkml:channelProperty channel="Y" name="resolution" value="1000" units="1/cm"/>
-        </inkml:channelProperties>
-      </inkml:inkSource>
-      <inkml:timestamp xml:id="ts0" timeString="2022-11-18T15:22:54.341"/>
-    </inkml:context>
-    <inkml:brush xml:id="br0">
-      <inkml:brushProperty name="width" value="0.1" units="cm"/>
-      <inkml:brushProperty name="height" value="0.1" units="cm"/>
-      <inkml:brushProperty name="color" value="#849398"/>
-      <inkml:brushProperty name="ignorePressure" value="1"/>
-    </inkml:brush>
-  </inkml:definitions>
-  <inkml:trace contextRef="#ctx0" brushRef="#br0">1 1,'0'504,"0"-476</inkml:trace>
-</inkml:ink>
-</file>
-
-<file path=ppt/ink/ink29.xml><?xml version="1.0" encoding="utf-8"?>
-<inkml:ink xmlns:inkml="http://www.w3.org/2003/InkML">
-  <inkml:definitions>
-    <inkml:context xml:id="ctx0">
-      <inkml:inkSource xml:id="inkSrc0">
-        <inkml:traceFormat>
-          <inkml:channel name="X" type="integer" min="-2.14748E9" max="2.14748E9" units="cm"/>
-          <inkml:channel name="Y" type="integer" min="-2.14748E9" max="2.14748E9" units="cm"/>
-        </inkml:traceFormat>
-        <inkml:channelProperties>
-          <inkml:channelProperty channel="X" name="resolution" value="1000" units="1/cm"/>
-          <inkml:channelProperty channel="Y" name="resolution" value="1000" units="1/cm"/>
-        </inkml:channelProperties>
-      </inkml:inkSource>
-      <inkml:timestamp xml:id="ts0" timeString="2022-11-18T15:23:50.722"/>
-    </inkml:context>
-    <inkml:brush xml:id="br0">
-      <inkml:brushProperty name="width" value="0.1" units="cm"/>
-      <inkml:brushProperty name="height" value="0.1" units="cm"/>
-      <inkml:brushProperty name="ignorePressure" value="1"/>
-    </inkml:brush>
-  </inkml:definitions>
-  <inkml:trace contextRef="#ctx0" brushRef="#br0">0 1,'10383'0,"-10361"0</inkml:trace>
-</inkml:ink>
-</file>
-
-<file path=ppt/ink/ink3.xml><?xml version="1.0" encoding="utf-8"?>
-<inkml:ink xmlns:inkml="http://www.w3.org/2003/InkML">
-  <inkml:definitions>
-    <inkml:context xml:id="ctx0">
-      <inkml:inkSource xml:id="inkSrc0">
-        <inkml:traceFormat>
-          <inkml:channel name="X" type="integer" min="-2.14748E9" max="2.14748E9" units="cm"/>
-          <inkml:channel name="Y" type="integer" min="-2.14748E9" max="2.14748E9" units="cm"/>
-        </inkml:traceFormat>
-        <inkml:channelProperties>
-          <inkml:channelProperty channel="X" name="resolution" value="1000" units="1/cm"/>
-          <inkml:channelProperty channel="Y" name="resolution" value="1000" units="1/cm"/>
-        </inkml:channelProperties>
-      </inkml:inkSource>
-      <inkml:timestamp xml:id="ts0" timeString="2022-11-18T15:22:11.241"/>
-    </inkml:context>
-    <inkml:brush xml:id="br0">
-      <inkml:brushProperty name="width" value="0.1" units="cm"/>
-      <inkml:brushProperty name="height" value="0.1" units="cm"/>
-      <inkml:brushProperty name="color" value="#E71224"/>
-      <inkml:brushProperty name="ignorePressure" value="1"/>
-    </inkml:brush>
-  </inkml:definitions>
-  <inkml:trace contextRef="#ctx0" brushRef="#br0">0 1,'0'2651,"0"-2628</inkml:trace>
-</inkml:ink>
-</file>
-
-<file path=ppt/ink/ink30.xml><?xml version="1.0" encoding="utf-8"?>
-<inkml:ink xmlns:inkml="http://www.w3.org/2003/InkML">
-  <inkml:definitions>
-    <inkml:context xml:id="ctx0">
-      <inkml:inkSource xml:id="inkSrc0">
-        <inkml:traceFormat>
-          <inkml:channel name="X" type="integer" min="-2.14748E9" max="2.14748E9" units="cm"/>
-          <inkml:channel name="Y" type="integer" min="-2.14748E9" max="2.14748E9" units="cm"/>
-        </inkml:traceFormat>
-        <inkml:channelProperties>
-          <inkml:channelProperty channel="X" name="resolution" value="1000" units="1/cm"/>
-          <inkml:channelProperty channel="Y" name="resolution" value="1000" units="1/cm"/>
-        </inkml:channelProperties>
-      </inkml:inkSource>
-      <inkml:timestamp xml:id="ts0" timeString="2022-11-18T15:23:50.723"/>
-    </inkml:context>
-    <inkml:brush xml:id="br0">
-      <inkml:brushProperty name="width" value="0.1" units="cm"/>
-      <inkml:brushProperty name="height" value="0.1" units="cm"/>
-      <inkml:brushProperty name="ignorePressure" value="1"/>
-    </inkml:brush>
-  </inkml:definitions>
-  <inkml:trace contextRef="#ctx0" brushRef="#br0">0 1,'0'4767,"0"-4730</inkml:trace>
-</inkml:ink>
-</file>
-
-<file path=ppt/ink/ink31.xml><?xml version="1.0" encoding="utf-8"?>
-<inkml:ink xmlns:inkml="http://www.w3.org/2003/InkML">
-  <inkml:definitions>
-    <inkml:context xml:id="ctx0">
-      <inkml:inkSource xml:id="inkSrc0">
-        <inkml:traceFormat>
-          <inkml:channel name="X" type="integer" min="-2.14748E9" max="2.14748E9" units="cm"/>
-          <inkml:channel name="Y" type="integer" min="-2.14748E9" max="2.14748E9" units="cm"/>
-        </inkml:traceFormat>
-        <inkml:channelProperties>
-          <inkml:channelProperty channel="X" name="resolution" value="1000" units="1/cm"/>
-          <inkml:channelProperty channel="Y" name="resolution" value="1000" units="1/cm"/>
-        </inkml:channelProperties>
-      </inkml:inkSource>
-      <inkml:timestamp xml:id="ts0" timeString="2022-11-18T15:23:50.724"/>
-    </inkml:context>
-    <inkml:brush xml:id="br0">
-      <inkml:brushProperty name="width" value="0.1" units="cm"/>
-      <inkml:brushProperty name="height" value="0.1" units="cm"/>
-      <inkml:brushProperty name="color" value="#1168B2"/>
-      <inkml:brushProperty name="ignorePressure" value="1"/>
-    </inkml:brush>
-  </inkml:definitions>
-  <inkml:trace contextRef="#ctx0" brushRef="#br0">0 1,'0'3275,"0"-3238</inkml:trace>
-</inkml:ink>
-</file>
-
-<file path=ppt/ink/ink32.xml><?xml version="1.0" encoding="utf-8"?>
-<inkml:ink xmlns:inkml="http://www.w3.org/2003/InkML">
-  <inkml:definitions>
-    <inkml:context xml:id="ctx0">
-      <inkml:inkSource xml:id="inkSrc0">
-        <inkml:traceFormat>
-          <inkml:channel name="X" type="integer" min="-2.14748E9" max="2.14748E9" units="cm"/>
-          <inkml:channel name="Y" type="integer" min="-2.14748E9" max="2.14748E9" units="cm"/>
-        </inkml:traceFormat>
-        <inkml:channelProperties>
-          <inkml:channelProperty channel="X" name="resolution" value="1000" units="1/cm"/>
-          <inkml:channelProperty channel="Y" name="resolution" value="1000" units="1/cm"/>
-        </inkml:channelProperties>
-      </inkml:inkSource>
-      <inkml:timestamp xml:id="ts0" timeString="2022-11-18T15:23:50.725"/>
-    </inkml:context>
-    <inkml:brush xml:id="br0">
-      <inkml:brushProperty name="width" value="0.1" units="cm"/>
-      <inkml:brushProperty name="height" value="0.1" units="cm"/>
-      <inkml:brushProperty name="color" value="#1168B2"/>
-      <inkml:brushProperty name="ignorePressure" value="1"/>
-    </inkml:brush>
-  </inkml:definitions>
-  <inkml:trace contextRef="#ctx0" brushRef="#br0">0 0,'0'1358,"0"-1323</inkml:trace>
-</inkml:ink>
-</file>
-
-<file path=ppt/ink/ink33.xml><?xml version="1.0" encoding="utf-8"?>
-<inkml:ink xmlns:inkml="http://www.w3.org/2003/InkML">
-  <inkml:definitions>
-    <inkml:context xml:id="ctx0">
-      <inkml:inkSource xml:id="inkSrc0">
-        <inkml:traceFormat>
-          <inkml:channel name="X" type="integer" min="-2.14748E9" max="2.14748E9" units="cm"/>
-          <inkml:channel name="Y" type="integer" min="-2.14748E9" max="2.14748E9" units="cm"/>
-        </inkml:traceFormat>
-        <inkml:channelProperties>
-          <inkml:channelProperty channel="X" name="resolution" value="1000" units="1/cm"/>
-          <inkml:channelProperty channel="Y" name="resolution" value="1000" units="1/cm"/>
-        </inkml:channelProperties>
-      </inkml:inkSource>
-      <inkml:timestamp xml:id="ts0" timeString="2022-11-18T15:23:50.726"/>
-    </inkml:context>
-    <inkml:brush xml:id="br0">
-      <inkml:brushProperty name="width" value="0.1" units="cm"/>
-      <inkml:brushProperty name="height" value="0.1" units="cm"/>
-      <inkml:brushProperty name="color" value="#1168B2"/>
-      <inkml:brushProperty name="ignorePressure" value="1"/>
-    </inkml:brush>
-  </inkml:definitions>
-  <inkml:trace contextRef="#ctx0" brushRef="#br0">0 0,'0'2706,"0"-2686</inkml:trace>
-</inkml:ink>
-</file>
-
-<file path=ppt/ink/ink34.xml><?xml version="1.0" encoding="utf-8"?>
-<inkml:ink xmlns:inkml="http://www.w3.org/2003/InkML">
-  <inkml:definitions>
-    <inkml:context xml:id="ctx0">
-      <inkml:inkSource xml:id="inkSrc0">
-        <inkml:traceFormat>
-          <inkml:channel name="X" type="integer" min="-2.14748E9" max="2.14748E9" units="cm"/>
-          <inkml:channel name="Y" type="integer" min="-2.14748E9" max="2.14748E9" units="cm"/>
-        </inkml:traceFormat>
-        <inkml:channelProperties>
-          <inkml:channelProperty channel="X" name="resolution" value="1000" units="1/cm"/>
-          <inkml:channelProperty channel="Y" name="resolution" value="1000" units="1/cm"/>
-        </inkml:channelProperties>
-      </inkml:inkSource>
-      <inkml:timestamp xml:id="ts0" timeString="2022-11-18T15:23:50.727"/>
-    </inkml:context>
-    <inkml:brush xml:id="br0">
-      <inkml:brushProperty name="width" value="0.1" units="cm"/>
-      <inkml:brushProperty name="height" value="0.1" units="cm"/>
-      <inkml:brushProperty name="color" value="#1168B2"/>
-      <inkml:brushProperty name="ignorePressure" value="1"/>
-    </inkml:brush>
-  </inkml:definitions>
-  <inkml:trace contextRef="#ctx0" brushRef="#br0">1 0,'0'3954,"0"-3916</inkml:trace>
-</inkml:ink>
-</file>
-
-<file path=ppt/ink/ink35.xml><?xml version="1.0" encoding="utf-8"?>
-<inkml:ink xmlns:inkml="http://www.w3.org/2003/InkML">
-  <inkml:definitions>
-    <inkml:context xml:id="ctx0">
-      <inkml:inkSource xml:id="inkSrc0">
-        <inkml:traceFormat>
-          <inkml:channel name="X" type="integer" min="-2.14748E9" max="2.14748E9" units="cm"/>
-          <inkml:channel name="Y" type="integer" min="-2.14748E9" max="2.14748E9" units="cm"/>
-        </inkml:traceFormat>
-        <inkml:channelProperties>
-          <inkml:channelProperty channel="X" name="resolution" value="1000" units="1/cm"/>
-          <inkml:channelProperty channel="Y" name="resolution" value="1000" units="1/cm"/>
-        </inkml:channelProperties>
-      </inkml:inkSource>
-      <inkml:timestamp xml:id="ts0" timeString="2022-11-18T15:23:50.728"/>
-    </inkml:context>
-    <inkml:brush xml:id="br0">
-      <inkml:brushProperty name="width" value="0.1" units="cm"/>
-      <inkml:brushProperty name="height" value="0.1" units="cm"/>
-      <inkml:brushProperty name="color" value="#1168B2"/>
-      <inkml:brushProperty name="ignorePressure" value="1"/>
-    </inkml:brush>
-  </inkml:definitions>
-  <inkml:trace contextRef="#ctx0" brushRef="#br0">0 1,'0'1065,"0"-1039</inkml:trace>
-</inkml:ink>
-</file>
-
-<file path=ppt/ink/ink36.xml><?xml version="1.0" encoding="utf-8"?>
-<inkml:ink xmlns:inkml="http://www.w3.org/2003/InkML">
-  <inkml:definitions>
-    <inkml:context xml:id="ctx0">
-      <inkml:inkSource xml:id="inkSrc0">
-        <inkml:traceFormat>
-          <inkml:channel name="X" type="integer" min="-2.14748E9" max="2.14748E9" units="cm"/>
-          <inkml:channel name="Y" type="integer" min="-2.14748E9" max="2.14748E9" units="cm"/>
-        </inkml:traceFormat>
-        <inkml:channelProperties>
-          <inkml:channelProperty channel="X" name="resolution" value="1000" units="1/cm"/>
-          <inkml:channelProperty channel="Y" name="resolution" value="1000" units="1/cm"/>
-        </inkml:channelProperties>
-      </inkml:inkSource>
-      <inkml:timestamp xml:id="ts0" timeString="2022-11-18T15:23:50.729"/>
-    </inkml:context>
-    <inkml:brush xml:id="br0">
-      <inkml:brushProperty name="width" value="0.1" units="cm"/>
-      <inkml:brushProperty name="height" value="0.1" units="cm"/>
-      <inkml:brushProperty name="color" value="#1168B2"/>
-      <inkml:brushProperty name="ignorePressure" value="1"/>
-    </inkml:brush>
-  </inkml:definitions>
-  <inkml:trace contextRef="#ctx0" brushRef="#br0">1 0,'0'1489,"0"-1459</inkml:trace>
-</inkml:ink>
-</file>
-
-<file path=ppt/ink/ink37.xml><?xml version="1.0" encoding="utf-8"?>
-<inkml:ink xmlns:inkml="http://www.w3.org/2003/InkML">
-  <inkml:definitions>
-    <inkml:context xml:id="ctx0">
-      <inkml:inkSource xml:id="inkSrc0">
-        <inkml:traceFormat>
-          <inkml:channel name="X" type="integer" min="-2.14748E9" max="2.14748E9" units="cm"/>
-          <inkml:channel name="Y" type="integer" min="-2.14748E9" max="2.14748E9" units="cm"/>
-        </inkml:traceFormat>
-        <inkml:channelProperties>
-          <inkml:channelProperty channel="X" name="resolution" value="1000" units="1/cm"/>
-          <inkml:channelProperty channel="Y" name="resolution" value="1000" units="1/cm"/>
-        </inkml:channelProperties>
-      </inkml:inkSource>
-      <inkml:timestamp xml:id="ts0" timeString="2022-11-18T15:25:09.011"/>
-    </inkml:context>
-    <inkml:brush xml:id="br0">
-      <inkml:brushProperty name="width" value="0.1" units="cm"/>
-      <inkml:brushProperty name="height" value="0.1" units="cm"/>
-      <inkml:brushProperty name="ignorePressure" value="1"/>
-    </inkml:brush>
-  </inkml:definitions>
-  <inkml:trace contextRef="#ctx0" brushRef="#br0">0 1,'10383'0,"-10361"0</inkml:trace>
-</inkml:ink>
-</file>
-
-<file path=ppt/ink/ink38.xml><?xml version="1.0" encoding="utf-8"?>
-<inkml:ink xmlns:inkml="http://www.w3.org/2003/InkML">
-  <inkml:definitions>
-    <inkml:context xml:id="ctx0">
-      <inkml:inkSource xml:id="inkSrc0">
-        <inkml:traceFormat>
-          <inkml:channel name="X" type="integer" min="-2.14748E9" max="2.14748E9" units="cm"/>
-          <inkml:channel name="Y" type="integer" min="-2.14748E9" max="2.14748E9" units="cm"/>
-        </inkml:traceFormat>
-        <inkml:channelProperties>
-          <inkml:channelProperty channel="X" name="resolution" value="1000" units="1/cm"/>
-          <inkml:channelProperty channel="Y" name="resolution" value="1000" units="1/cm"/>
-        </inkml:channelProperties>
-      </inkml:inkSource>
-      <inkml:timestamp xml:id="ts0" timeString="2022-11-18T15:25:09.012"/>
-    </inkml:context>
-    <inkml:brush xml:id="br0">
-      <inkml:brushProperty name="width" value="0.1" units="cm"/>
-      <inkml:brushProperty name="height" value="0.1" units="cm"/>
-      <inkml:brushProperty name="ignorePressure" value="1"/>
-    </inkml:brush>
-  </inkml:definitions>
-  <inkml:trace contextRef="#ctx0" brushRef="#br0">0 1,'0'4767,"0"-4730</inkml:trace>
-</inkml:ink>
-</file>
-
-<file path=ppt/ink/ink39.xml><?xml version="1.0" encoding="utf-8"?>
-<inkml:ink xmlns:inkml="http://www.w3.org/2003/InkML">
-  <inkml:definitions>
-    <inkml:context xml:id="ctx0">
-      <inkml:inkSource xml:id="inkSrc0">
-        <inkml:traceFormat>
-          <inkml:channel name="X" type="integer" min="-2.14748E9" max="2.14748E9" units="cm"/>
-          <inkml:channel name="Y" type="integer" min="-2.14748E9" max="2.14748E9" units="cm"/>
-        </inkml:traceFormat>
-        <inkml:channelProperties>
-          <inkml:channelProperty channel="X" name="resolution" value="1000" units="1/cm"/>
-          <inkml:channelProperty channel="Y" name="resolution" value="1000" units="1/cm"/>
-        </inkml:channelProperties>
-      </inkml:inkSource>
-      <inkml:timestamp xml:id="ts0" timeString="2022-11-18T15:25:09.013"/>
-    </inkml:context>
-    <inkml:brush xml:id="br0">
-      <inkml:brushProperty name="width" value="0.1" units="cm"/>
-      <inkml:brushProperty name="height" value="0.1" units="cm"/>
-      <inkml:brushProperty name="color" value="#E71224"/>
-      <inkml:brushProperty name="ignorePressure" value="1"/>
-    </inkml:brush>
-  </inkml:definitions>
-  <inkml:trace contextRef="#ctx0" brushRef="#br0">0 1,'0'804,"0"-787</inkml:trace>
-</inkml:ink>
-</file>
-
-<file path=ppt/ink/ink4.xml><?xml version="1.0" encoding="utf-8"?>
-<inkml:ink xmlns:inkml="http://www.w3.org/2003/InkML">
-  <inkml:definitions>
-    <inkml:context xml:id="ctx0">
-      <inkml:inkSource xml:id="inkSrc0">
-        <inkml:traceFormat>
-          <inkml:channel name="X" type="integer" min="-2.14748E9" max="2.14748E9" units="cm"/>
-          <inkml:channel name="Y" type="integer" min="-2.14748E9" max="2.14748E9" units="cm"/>
-        </inkml:traceFormat>
-        <inkml:channelProperties>
-          <inkml:channelProperty channel="X" name="resolution" value="1000" units="1/cm"/>
-          <inkml:channelProperty channel="Y" name="resolution" value="1000" units="1/cm"/>
-        </inkml:channelProperties>
-      </inkml:inkSource>
-      <inkml:timestamp xml:id="ts0" timeString="2022-11-18T15:22:11.242"/>
-    </inkml:context>
-    <inkml:brush xml:id="br0">
-      <inkml:brushProperty name="width" value="0.1" units="cm"/>
-      <inkml:brushProperty name="height" value="0.1" units="cm"/>
-      <inkml:brushProperty name="ignorePressure" value="1"/>
-    </inkml:brush>
-  </inkml:definitions>
-  <inkml:trace contextRef="#ctx0" brushRef="#br0">0 0,'0'554,"0"-527</inkml:trace>
-</inkml:ink>
-</file>
-
-<file path=ppt/ink/ink40.xml><?xml version="1.0" encoding="utf-8"?>
-<inkml:ink xmlns:inkml="http://www.w3.org/2003/InkML">
-  <inkml:definitions>
-    <inkml:context xml:id="ctx0">
-      <inkml:inkSource xml:id="inkSrc0">
-        <inkml:traceFormat>
-          <inkml:channel name="X" type="integer" min="-2.14748E9" max="2.14748E9" units="cm"/>
-          <inkml:channel name="Y" type="integer" min="-2.14748E9" max="2.14748E9" units="cm"/>
-        </inkml:traceFormat>
-        <inkml:channelProperties>
-          <inkml:channelProperty channel="X" name="resolution" value="1000" units="1/cm"/>
-          <inkml:channelProperty channel="Y" name="resolution" value="1000" units="1/cm"/>
-        </inkml:channelProperties>
-      </inkml:inkSource>
-      <inkml:timestamp xml:id="ts0" timeString="2022-11-18T15:25:09.014"/>
-    </inkml:context>
-    <inkml:brush xml:id="br0">
-      <inkml:brushProperty name="width" value="0.1" units="cm"/>
-      <inkml:brushProperty name="height" value="0.1" units="cm"/>
-      <inkml:brushProperty name="color" value="#E71224"/>
-      <inkml:brushProperty name="ignorePressure" value="1"/>
-    </inkml:brush>
-  </inkml:definitions>
-  <inkml:trace contextRef="#ctx0" brushRef="#br0">0 1,'0'2409,"0"-2387</inkml:trace>
-</inkml:ink>
-</file>
-
-<file path=ppt/ink/ink41.xml><?xml version="1.0" encoding="utf-8"?>
-<inkml:ink xmlns:inkml="http://www.w3.org/2003/InkML">
-  <inkml:definitions>
-    <inkml:context xml:id="ctx0">
-      <inkml:inkSource xml:id="inkSrc0">
-        <inkml:traceFormat>
-          <inkml:channel name="X" type="integer" min="-2.14748E9" max="2.14748E9" units="cm"/>
-          <inkml:channel name="Y" type="integer" min="-2.14748E9" max="2.14748E9" units="cm"/>
-        </inkml:traceFormat>
-        <inkml:channelProperties>
-          <inkml:channelProperty channel="X" name="resolution" value="1000" units="1/cm"/>
-          <inkml:channelProperty channel="Y" name="resolution" value="1000" units="1/cm"/>
-        </inkml:channelProperties>
-      </inkml:inkSource>
-      <inkml:timestamp xml:id="ts0" timeString="2022-11-18T15:25:09.015"/>
-    </inkml:context>
-    <inkml:brush xml:id="br0">
-      <inkml:brushProperty name="width" value="0.1" units="cm"/>
-      <inkml:brushProperty name="height" value="0.1" units="cm"/>
-      <inkml:brushProperty name="color" value="#E71224"/>
-      <inkml:brushProperty name="ignorePressure" value="1"/>
-    </inkml:brush>
-  </inkml:definitions>
-  <inkml:trace contextRef="#ctx0" brushRef="#br0">1 0,'0'1321,"0"-1291</inkml:trace>
-</inkml:ink>
-</file>
-
-<file path=ppt/ink/ink42.xml><?xml version="1.0" encoding="utf-8"?>
-<inkml:ink xmlns:inkml="http://www.w3.org/2003/InkML">
-  <inkml:definitions>
-    <inkml:context xml:id="ctx0">
-      <inkml:inkSource xml:id="inkSrc0">
-        <inkml:traceFormat>
-          <inkml:channel name="X" type="integer" min="-2.14748E9" max="2.14748E9" units="cm"/>
-          <inkml:channel name="Y" type="integer" min="-2.14748E9" max="2.14748E9" units="cm"/>
-        </inkml:traceFormat>
-        <inkml:channelProperties>
-          <inkml:channelProperty channel="X" name="resolution" value="1000" units="1/cm"/>
-          <inkml:channelProperty channel="Y" name="resolution" value="1000" units="1/cm"/>
-        </inkml:channelProperties>
-      </inkml:inkSource>
-      <inkml:timestamp xml:id="ts0" timeString="2022-11-18T15:25:09.016"/>
-    </inkml:context>
-    <inkml:brush xml:id="br0">
-      <inkml:brushProperty name="width" value="0.1" units="cm"/>
-      <inkml:brushProperty name="height" value="0.1" units="cm"/>
-      <inkml:brushProperty name="color" value="#E71224"/>
-      <inkml:brushProperty name="ignorePressure" value="1"/>
-    </inkml:brush>
-  </inkml:definitions>
-  <inkml:trace contextRef="#ctx0" brushRef="#br0">0 1,'0'879,"0"-853</inkml:trace>
-</inkml:ink>
-</file>
-
-<file path=ppt/ink/ink43.xml><?xml version="1.0" encoding="utf-8"?>
-<inkml:ink xmlns:inkml="http://www.w3.org/2003/InkML">
-  <inkml:definitions>
-    <inkml:context xml:id="ctx0">
-      <inkml:inkSource xml:id="inkSrc0">
-        <inkml:traceFormat>
-          <inkml:channel name="X" type="integer" min="-2.14748E9" max="2.14748E9" units="cm"/>
-          <inkml:channel name="Y" type="integer" min="-2.14748E9" max="2.14748E9" units="cm"/>
-        </inkml:traceFormat>
-        <inkml:channelProperties>
-          <inkml:channelProperty channel="X" name="resolution" value="1000" units="1/cm"/>
-          <inkml:channelProperty channel="Y" name="resolution" value="1000" units="1/cm"/>
-        </inkml:channelProperties>
-      </inkml:inkSource>
-      <inkml:timestamp xml:id="ts0" timeString="2022-11-18T15:25:09.017"/>
-    </inkml:context>
-    <inkml:brush xml:id="br0">
-      <inkml:brushProperty name="width" value="0.1" units="cm"/>
-      <inkml:brushProperty name="height" value="0.1" units="cm"/>
-      <inkml:brushProperty name="color" value="#E71224"/>
-      <inkml:brushProperty name="ignorePressure" value="1"/>
-    </inkml:brush>
-  </inkml:definitions>
-  <inkml:trace contextRef="#ctx0" brushRef="#br0">1 0,'0'3107,"0"-3085</inkml:trace>
-</inkml:ink>
-</file>
-
-<file path=ppt/ink/ink5.xml><?xml version="1.0" encoding="utf-8"?>
-<inkml:ink xmlns:inkml="http://www.w3.org/2003/InkML">
-  <inkml:definitions>
-    <inkml:context xml:id="ctx0">
-      <inkml:inkSource xml:id="inkSrc0">
-        <inkml:traceFormat>
-          <inkml:channel name="X" type="integer" min="-2.14748E9" max="2.14748E9" units="cm"/>
-          <inkml:channel name="Y" type="integer" min="-2.14748E9" max="2.14748E9" units="cm"/>
-        </inkml:traceFormat>
-        <inkml:channelProperties>
-          <inkml:channelProperty channel="X" name="resolution" value="1000" units="1/cm"/>
-          <inkml:channelProperty channel="Y" name="resolution" value="1000" units="1/cm"/>
-        </inkml:channelProperties>
-      </inkml:inkSource>
-      <inkml:timestamp xml:id="ts0" timeString="2022-11-18T15:22:11.243"/>
-    </inkml:context>
-    <inkml:brush xml:id="br0">
-      <inkml:brushProperty name="width" value="0.1" units="cm"/>
-      <inkml:brushProperty name="height" value="0.1" units="cm"/>
-      <inkml:brushProperty name="color" value="#1168B2"/>
-      <inkml:brushProperty name="ignorePressure" value="1"/>
-    </inkml:brush>
-  </inkml:definitions>
-  <inkml:trace contextRef="#ctx0" brushRef="#br0">0 1,'0'1470,"0"-1443</inkml:trace>
-</inkml:ink>
-</file>
-
-<file path=ppt/ink/ink6.xml><?xml version="1.0" encoding="utf-8"?>
-<inkml:ink xmlns:inkml="http://www.w3.org/2003/InkML">
-  <inkml:definitions>
-    <inkml:context xml:id="ctx0">
-      <inkml:inkSource xml:id="inkSrc0">
-        <inkml:traceFormat>
-          <inkml:channel name="X" type="integer" min="-2.14748E9" max="2.14748E9" units="cm"/>
-          <inkml:channel name="Y" type="integer" min="-2.14748E9" max="2.14748E9" units="cm"/>
-        </inkml:traceFormat>
-        <inkml:channelProperties>
-          <inkml:channelProperty channel="X" name="resolution" value="1000" units="1/cm"/>
-          <inkml:channelProperty channel="Y" name="resolution" value="1000" units="1/cm"/>
-        </inkml:channelProperties>
-      </inkml:inkSource>
-      <inkml:timestamp xml:id="ts0" timeString="2022-11-18T15:22:11.244"/>
-    </inkml:context>
-    <inkml:brush xml:id="br0">
-      <inkml:brushProperty name="width" value="0.1" units="cm"/>
-      <inkml:brushProperty name="height" value="0.1" units="cm"/>
-      <inkml:brushProperty name="color" value="#849398"/>
-      <inkml:brushProperty name="ignorePressure" value="1"/>
-    </inkml:brush>
-  </inkml:definitions>
-  <inkml:trace contextRef="#ctx0" brushRef="#br0">0 0,'0'2717,"0"-2690</inkml:trace>
-</inkml:ink>
-</file>
-
-<file path=ppt/ink/ink7.xml><?xml version="1.0" encoding="utf-8"?>
-<inkml:ink xmlns:inkml="http://www.w3.org/2003/InkML">
-  <inkml:definitions>
-    <inkml:context xml:id="ctx0">
-      <inkml:inkSource xml:id="inkSrc0">
-        <inkml:traceFormat>
-          <inkml:channel name="X" type="integer" min="-2.14748E9" max="2.14748E9" units="cm"/>
-          <inkml:channel name="Y" type="integer" min="-2.14748E9" max="2.14748E9" units="cm"/>
-        </inkml:traceFormat>
-        <inkml:channelProperties>
-          <inkml:channelProperty channel="X" name="resolution" value="1000" units="1/cm"/>
-          <inkml:channelProperty channel="Y" name="resolution" value="1000" units="1/cm"/>
-        </inkml:channelProperties>
-      </inkml:inkSource>
-      <inkml:timestamp xml:id="ts0" timeString="2022-11-18T15:22:11.245"/>
-    </inkml:context>
-    <inkml:brush xml:id="br0">
-      <inkml:brushProperty name="width" value="0.1" units="cm"/>
-      <inkml:brushProperty name="height" value="0.1" units="cm"/>
-      <inkml:brushProperty name="color" value="#849398"/>
-      <inkml:brushProperty name="ignorePressure" value="1"/>
-    </inkml:brush>
-  </inkml:definitions>
-  <inkml:trace contextRef="#ctx0" brushRef="#br0">1 0,'0'1064,"0"-1044</inkml:trace>
-</inkml:ink>
-</file>
-
-<file path=ppt/ink/ink8.xml><?xml version="1.0" encoding="utf-8"?>
-<inkml:ink xmlns:inkml="http://www.w3.org/2003/InkML">
-  <inkml:definitions>
-    <inkml:context xml:id="ctx0">
-      <inkml:inkSource xml:id="inkSrc0">
-        <inkml:traceFormat>
-          <inkml:channel name="X" type="integer" min="-2.14748E9" max="2.14748E9" units="cm"/>
-          <inkml:channel name="Y" type="integer" min="-2.14748E9" max="2.14748E9" units="cm"/>
-        </inkml:traceFormat>
-        <inkml:channelProperties>
-          <inkml:channelProperty channel="X" name="resolution" value="1000" units="1/cm"/>
-          <inkml:channelProperty channel="Y" name="resolution" value="1000" units="1/cm"/>
-        </inkml:channelProperties>
-      </inkml:inkSource>
-      <inkml:timestamp xml:id="ts0" timeString="2022-11-18T15:22:11.246"/>
-    </inkml:context>
-    <inkml:brush xml:id="br0">
-      <inkml:brushProperty name="width" value="0.1" units="cm"/>
-      <inkml:brushProperty name="height" value="0.1" units="cm"/>
-      <inkml:brushProperty name="color" value="#849398"/>
-      <inkml:brushProperty name="ignorePressure" value="1"/>
-    </inkml:brush>
-  </inkml:definitions>
-  <inkml:trace contextRef="#ctx0" brushRef="#br0">0 0,'0'1763,"0"-1737</inkml:trace>
-</inkml:ink>
-</file>
-
-<file path=ppt/ink/ink9.xml><?xml version="1.0" encoding="utf-8"?>
-<inkml:ink xmlns:inkml="http://www.w3.org/2003/InkML">
-  <inkml:definitions>
-    <inkml:context xml:id="ctx0">
-      <inkml:inkSource xml:id="inkSrc0">
-        <inkml:traceFormat>
-          <inkml:channel name="X" type="integer" min="-2.14748E9" max="2.14748E9" units="cm"/>
-          <inkml:channel name="Y" type="integer" min="-2.14748E9" max="2.14748E9" units="cm"/>
-        </inkml:traceFormat>
-        <inkml:channelProperties>
-          <inkml:channelProperty channel="X" name="resolution" value="1000" units="1/cm"/>
-          <inkml:channelProperty channel="Y" name="resolution" value="1000" units="1/cm"/>
-        </inkml:channelProperties>
-      </inkml:inkSource>
-      <inkml:timestamp xml:id="ts0" timeString="2022-11-18T15:22:11.247"/>
-    </inkml:context>
-    <inkml:brush xml:id="br0">
-      <inkml:brushProperty name="width" value="0.1" units="cm"/>
-      <inkml:brushProperty name="height" value="0.1" units="cm"/>
-      <inkml:brushProperty name="color" value="#849398"/>
-      <inkml:brushProperty name="ignorePressure" value="1"/>
-    </inkml:brush>
-  </inkml:definitions>
-  <inkml:trace contextRef="#ctx0" brushRef="#br0">1 1,'0'842,"0"-813</inkml:trace>
-</inkml:ink>
 </file>
 
 <file path=ppt/notesMasters/notesMaster1.xml><?xml version="1.0" encoding="utf-8"?>
@@ -4990,52 +3842,15 @@
           </a:prstGeom>
         </p:spPr>
       </p:pic>
-      <p:cxnSp>
-        <p:nvCxnSpPr>
-          <p:cNvPr id="261" name="Straight Connector 260">
-            <a:extLst>
-              <a:ext uri="{FF2B5EF4-FFF2-40B4-BE49-F238E27FC236}">
-                <a16:creationId xmlns:a16="http://schemas.microsoft.com/office/drawing/2014/main" id="{EDA3E6CF-4C7B-4931-9443-738774ED63C7}"/>
-              </a:ext>
-            </a:extLst>
-          </p:cNvPr>
-          <p:cNvCxnSpPr>
-            <a:cxnSpLocks/>
-          </p:cNvCxnSpPr>
-          <p:nvPr/>
-        </p:nvCxnSpPr>
-        <p:spPr bwMode="auto">
-          <a:xfrm>
-            <a:off x="1277938" y="16183595"/>
-            <a:ext cx="27767898" cy="0"/>
-          </a:xfrm>
-          <a:prstGeom prst="line">
-            <a:avLst/>
-          </a:prstGeom>
-          <a:solidFill>
-            <a:schemeClr val="accent1"/>
-          </a:solidFill>
-          <a:ln w="9525" cap="flat" cmpd="sng" algn="ctr">
-            <a:solidFill>
-              <a:srgbClr val="C00000"/>
-            </a:solidFill>
-            <a:prstDash val="solid"/>
-            <a:round/>
-            <a:headEnd type="none" w="med" len="med"/>
-            <a:tailEnd type="none" w="med" len="med"/>
-          </a:ln>
-          <a:effectLst/>
-        </p:spPr>
-      </p:cxnSp>
       <p:pic>
         <p:nvPicPr>
-          <p:cNvPr id="1027" name="Picture 3" descr="C:\Users\p40901\Documents\F&amp;E\nanodetect\doc\publications\2013\ISMB\Poster\logoBioResearch.png"/>
+          <p:cNvPr id="1027" name="Picture 3"/>
           <p:cNvPicPr>
             <a:picLocks noChangeAspect="1" noChangeArrowheads="1"/>
           </p:cNvPicPr>
           <p:nvPr/>
         </p:nvPicPr>
-        <p:blipFill rotWithShape="1">
+        <p:blipFill>
           <a:blip r:embed="rId6" cstate="print">
             <a:extLst>
               <a:ext uri="{28A0092B-C50C-407E-A947-70E740481C1C}">
@@ -5043,12 +3858,12 @@
               </a:ext>
             </a:extLst>
           </a:blip>
-          <a:srcRect l="3924" t="8627" r="3583" b="7817"/>
+          <a:srcRect t="2905" b="2905"/>
           <a:stretch/>
         </p:blipFill>
         <p:spPr bwMode="auto">
           <a:xfrm>
-            <a:off x="918170" y="3581985"/>
+            <a:off x="346794" y="3581985"/>
             <a:ext cx="6332112" cy="2086647"/>
           </a:xfrm>
           <a:prstGeom prst="rect">
@@ -5235,13 +4050,13 @@
           <a:p>
             <a:r>
               <a:rPr lang="en-US" sz="6000" b="1" dirty="0"/>
-              <a:t>MS Annika 2.0: Identification of cross-linked peptides in </a:t>
+              <a:t>Proteome-wide Non-Cleavable Crosslink Identification Using </a:t>
             </a:r>
           </a:p>
           <a:p>
             <a:r>
               <a:rPr lang="en-US" sz="6000" b="1" dirty="0"/>
-              <a:t>MS2 and MS3 spectra</a:t>
+              <a:t>Sparse Matrix Multiplication with MS Annika 3.0</a:t>
             </a:r>
           </a:p>
         </p:txBody>
@@ -5305,7 +4120,23 @@
                   <a:schemeClr val="tx2"/>
                 </a:solidFill>
               </a:rPr>
-              <a:t>, Manuel Matzinger</a:t>
+              <a:t>, </a:t>
+            </a:r>
+            <a:r>
+              <a:rPr lang="en-US" sz="3200" b="1" dirty="0" err="1">
+                <a:solidFill>
+                  <a:schemeClr val="tx2"/>
+                </a:solidFill>
+              </a:rPr>
+              <a:t>Fränze</a:t>
+            </a:r>
+            <a:r>
+              <a:rPr lang="en-US" sz="3200" b="1" dirty="0">
+                <a:solidFill>
+                  <a:schemeClr val="tx2"/>
+                </a:solidFill>
+              </a:rPr>
+              <a:t> Müller</a:t>
             </a:r>
             <a:r>
               <a:rPr lang="en-US" sz="3200" b="1" baseline="30000" dirty="0">
@@ -5321,23 +4152,7 @@
                   <a:schemeClr val="tx2"/>
                 </a:solidFill>
               </a:rPr>
-              <a:t>, </a:t>
-            </a:r>
-            <a:r>
-              <a:rPr lang="en-US" sz="3200" b="1" dirty="0" err="1">
-                <a:solidFill>
-                  <a:schemeClr val="tx2"/>
-                </a:solidFill>
-              </a:rPr>
-              <a:t>Fränze</a:t>
-            </a:r>
-            <a:r>
-              <a:rPr lang="en-US" sz="3200" b="1" dirty="0">
-                <a:solidFill>
-                  <a:schemeClr val="tx2"/>
-                </a:solidFill>
-              </a:rPr>
-              <a:t> Müller</a:t>
+              <a:t>, Manuel Matzinger</a:t>
             </a:r>
             <a:r>
               <a:rPr lang="en-US" sz="3200" b="1" baseline="30000" dirty="0">
@@ -5917,42 +4732,6 @@
           <a:effectLst/>
         </p:spPr>
       </p:cxnSp>
-      <p:sp>
-        <p:nvSpPr>
-          <p:cNvPr id="960" name="TextBox 959">
-            <a:extLst>
-              <a:ext uri="{FF2B5EF4-FFF2-40B4-BE49-F238E27FC236}">
-                <a16:creationId xmlns:a16="http://schemas.microsoft.com/office/drawing/2014/main" id="{A4F96EF0-8E23-4F48-A262-83FB0C8180EC}"/>
-              </a:ext>
-            </a:extLst>
-          </p:cNvPr>
-          <p:cNvSpPr txBox="1"/>
-          <p:nvPr/>
-        </p:nvSpPr>
-        <p:spPr>
-          <a:xfrm>
-            <a:off x="1232495" y="16183595"/>
-            <a:ext cx="2723429" cy="830997"/>
-          </a:xfrm>
-          <a:prstGeom prst="rect">
-            <a:avLst/>
-          </a:prstGeom>
-          <a:noFill/>
-        </p:spPr>
-        <p:txBody>
-          <a:bodyPr wrap="square" rtlCol="0">
-            <a:spAutoFit/>
-          </a:bodyPr>
-          <a:lstStyle/>
-          <a:p>
-            <a:pPr algn="l"/>
-            <a:r>
-              <a:rPr lang="en-GB" sz="4800" dirty="0"/>
-              <a:t>Results</a:t>
-            </a:r>
-          </a:p>
-        </p:txBody>
-      </p:sp>
       <p:grpSp>
         <p:nvGrpSpPr>
           <p:cNvPr id="33" name="Group 32"/>
@@ -6223,79 +5002,6 @@
       </p:grpSp>
       <p:sp>
         <p:nvSpPr>
-          <p:cNvPr id="14" name="TextBox 13">
-            <a:extLst>
-              <a:ext uri="{FF2B5EF4-FFF2-40B4-BE49-F238E27FC236}">
-                <a16:creationId xmlns:a16="http://schemas.microsoft.com/office/drawing/2014/main" id="{69B38087-0FC9-47F9-B924-E35347A1CCB9}"/>
-              </a:ext>
-            </a:extLst>
-          </p:cNvPr>
-          <p:cNvSpPr txBox="1"/>
-          <p:nvPr/>
-        </p:nvSpPr>
-        <p:spPr>
-          <a:xfrm>
-            <a:off x="1218647" y="30358862"/>
-            <a:ext cx="15995766" cy="769441"/>
-          </a:xfrm>
-          <a:prstGeom prst="rect">
-            <a:avLst/>
-          </a:prstGeom>
-          <a:noFill/>
-        </p:spPr>
-        <p:txBody>
-          <a:bodyPr wrap="square" rtlCol="0">
-            <a:spAutoFit/>
-          </a:bodyPr>
-          <a:lstStyle/>
-          <a:p>
-            <a:pPr algn="just"/>
-            <a:r>
-              <a:rPr lang="en-GB" sz="2200" i="1" dirty="0"/>
-              <a:t>Figure 4: Different cross-linking search engines in comparison for dataset [6]. Numbers at the top of the plot denote the true FDR. MS Annika 2.0 yields accurate FDR estimates while maintaining high numbers of true identifications.</a:t>
-            </a:r>
-            <a:endParaRPr lang="de-AT" sz="2200" dirty="0"/>
-          </a:p>
-        </p:txBody>
-      </p:sp>
-      <p:sp>
-        <p:nvSpPr>
-          <p:cNvPr id="15" name="TextBox 14">
-            <a:extLst>
-              <a:ext uri="{FF2B5EF4-FFF2-40B4-BE49-F238E27FC236}">
-                <a16:creationId xmlns:a16="http://schemas.microsoft.com/office/drawing/2014/main" id="{3FF5EBF3-0E57-4C3B-BA80-FB3AA189D19E}"/>
-              </a:ext>
-            </a:extLst>
-          </p:cNvPr>
-          <p:cNvSpPr txBox="1"/>
-          <p:nvPr/>
-        </p:nvSpPr>
-        <p:spPr>
-          <a:xfrm>
-            <a:off x="18141841" y="36166148"/>
-            <a:ext cx="11021591" cy="1107996"/>
-          </a:xfrm>
-          <a:prstGeom prst="rect">
-            <a:avLst/>
-          </a:prstGeom>
-          <a:noFill/>
-        </p:spPr>
-        <p:txBody>
-          <a:bodyPr wrap="square" rtlCol="0">
-            <a:spAutoFit/>
-          </a:bodyPr>
-          <a:lstStyle/>
-          <a:p>
-            <a:pPr algn="just"/>
-            <a:r>
-              <a:rPr lang="en-US" sz="2200" i="1" dirty="0"/>
-              <a:t>Figure 6: Structure of the NSP7-NSP8 complex of SARS-CoV-2 (PDB: 6YHU) with crosslinks that are uniquely identified by MS Annika 2.0. Crosslinks shown in yellow satisfy the DSSO distance constraint of 27 Å while red ones exceed that threshold.</a:t>
-            </a:r>
-          </a:p>
-        </p:txBody>
-      </p:sp>
-      <p:sp>
-        <p:nvSpPr>
           <p:cNvPr id="26" name="TextBox 25">
             <a:extLst>
               <a:ext uri="{FF2B5EF4-FFF2-40B4-BE49-F238E27FC236}">
@@ -6308,8 +5014,8 @@
         </p:nvSpPr>
         <p:spPr>
           <a:xfrm>
-            <a:off x="9703611" y="9055417"/>
-            <a:ext cx="11377135" cy="3539430"/>
+            <a:off x="1255133" y="8980898"/>
+            <a:ext cx="10096482" cy="2677656"/>
           </a:xfrm>
           <a:prstGeom prst="rect">
             <a:avLst/>
@@ -6332,7 +5038,7 @@
                 <a:latin typeface="+mj-lt"/>
                 <a:cs typeface="Times New Roman" panose="02020603050405020304" pitchFamily="18" charset="0"/>
               </a:rPr>
-              <a:t>has emerged as a prominent tool for identification of protein-protein interactions and for gaining insight into the structures of proteins. Over the last decade cross-linking mass spectrometry has seen continuous growth that led to the development of numerous new software tools specifically for the analysis and interpretation of cross-linking data. [1] We previously published MS Annika, a cross-linking search engine which can accurately identify cross-linked peptides in MS2 spectra from a variety of different MS-cleavable crosslinkers. [2]</a:t>
+              <a:t>has emerged as a prominent tool for identification of protein-protein interactions and for gaining insight into the structures of proteins.  [1] We previously published MS Annika, a cross-linking search engine which can accurately identify cross-linked peptides in MS2 and MS3 spectra from a variety of different MS-cleavable crosslinkers. [2][3]</a:t>
             </a:r>
             <a:endParaRPr lang="de-AT" sz="2800" dirty="0">
               <a:latin typeface="+mj-lt"/>
@@ -6355,7 +5061,7 @@
         </p:nvSpPr>
         <p:spPr>
           <a:xfrm>
-            <a:off x="9712171" y="8262583"/>
+            <a:off x="1263692" y="8188064"/>
             <a:ext cx="11368575" cy="830997"/>
           </a:xfrm>
           <a:prstGeom prst="rect">
@@ -6384,95 +5090,6 @@
               <a:latin typeface="+mj-lt"/>
               <a:ea typeface="Calibri" panose="020F0502020204030204" pitchFamily="34" charset="0"/>
               <a:cs typeface="Times New Roman" panose="02020603050405020304" pitchFamily="18" charset="0"/>
-            </a:endParaRPr>
-          </a:p>
-        </p:txBody>
-      </p:sp>
-      <p:sp>
-        <p:nvSpPr>
-          <p:cNvPr id="18" name="TextBox 17">
-            <a:extLst>
-              <a:ext uri="{FF2B5EF4-FFF2-40B4-BE49-F238E27FC236}">
-                <a16:creationId xmlns:a16="http://schemas.microsoft.com/office/drawing/2014/main" id="{5E0AE6E2-8128-481B-B230-C2A6348E135C}"/>
-              </a:ext>
-            </a:extLst>
-          </p:cNvPr>
-          <p:cNvSpPr txBox="1"/>
-          <p:nvPr/>
-        </p:nvSpPr>
-        <p:spPr>
-          <a:xfrm>
-            <a:off x="1305646" y="16861375"/>
-            <a:ext cx="15634571" cy="4401205"/>
-          </a:xfrm>
-          <a:prstGeom prst="rect">
-            <a:avLst/>
-          </a:prstGeom>
-          <a:noFill/>
-        </p:spPr>
-        <p:txBody>
-          <a:bodyPr wrap="square" rtlCol="0">
-            <a:spAutoFit/>
-          </a:bodyPr>
-          <a:lstStyle/>
-          <a:p>
-            <a:pPr algn="just"/>
-            <a:r>
-              <a:rPr lang="en-US" sz="2800" dirty="0">
-                <a:latin typeface="+mj-lt"/>
-              </a:rPr>
-              <a:t>We evaluated the MS3-search-capabilities of MS Annika 2.0 on five different datasets covering a variety of experimental approaches and compared it to </a:t>
-            </a:r>
-            <a:r>
-              <a:rPr lang="en-US" sz="2800" dirty="0" err="1">
-                <a:latin typeface="+mj-lt"/>
-              </a:rPr>
-              <a:t>XlinkX</a:t>
-            </a:r>
-            <a:r>
-              <a:rPr lang="en-US" sz="2800" dirty="0">
-                <a:latin typeface="+mj-lt"/>
-              </a:rPr>
-              <a:t> [4] and </a:t>
-            </a:r>
-            <a:r>
-              <a:rPr lang="en-US" sz="2800" dirty="0" err="1">
-                <a:latin typeface="+mj-lt"/>
-              </a:rPr>
-              <a:t>MaXLinker</a:t>
-            </a:r>
-            <a:r>
-              <a:rPr lang="en-US" sz="2800" dirty="0">
-                <a:latin typeface="+mj-lt"/>
-              </a:rPr>
-              <a:t> [5], two other cross-linking search engines that support MS3 crosslink identification. Three of the datasets were benchmark datasets of synthetic peptides that allow calculation of the true FDR, and we could show that MS Annika 2.0 detects more unique crosslinks while simultaneously yielding less false-positive hits than the other two search engines. The results for one of these datasets [6] are depicted in Figure 4. Additionally, for the two other datasets we could demonstrate that MS Annika 2.0 finds more crosslinks at 1% estimated FDR (Figure 5) and reveals protein-protein interactions that are not detected by either </a:t>
-            </a:r>
-            <a:r>
-              <a:rPr lang="en-US" sz="2800" dirty="0" err="1">
-                <a:latin typeface="+mj-lt"/>
-              </a:rPr>
-              <a:t>XlinkX</a:t>
-            </a:r>
-            <a:r>
-              <a:rPr lang="en-US" sz="2800" dirty="0">
-                <a:latin typeface="+mj-lt"/>
-              </a:rPr>
-              <a:t> or </a:t>
-            </a:r>
-            <a:r>
-              <a:rPr lang="en-US" sz="2800" dirty="0" err="1">
-                <a:latin typeface="+mj-lt"/>
-              </a:rPr>
-              <a:t>MaXLinker</a:t>
-            </a:r>
-            <a:r>
-              <a:rPr lang="en-US" sz="2800" dirty="0">
-                <a:latin typeface="+mj-lt"/>
-              </a:rPr>
-              <a:t> – as depicted in Figure 6 for the SARS-CoV-2 non-structural-protein 8 [7].</a:t>
-            </a:r>
-            <a:endParaRPr lang="de-AT" sz="2800" dirty="0">
-              <a:latin typeface="+mj-lt"/>
             </a:endParaRPr>
           </a:p>
         </p:txBody>
@@ -6491,8 +5108,8 @@
         </p:nvSpPr>
         <p:spPr>
           <a:xfrm>
-            <a:off x="18141841" y="27894848"/>
-            <a:ext cx="11021591" cy="1785104"/>
+            <a:off x="11676988" y="18133206"/>
+            <a:ext cx="17682553" cy="1785104"/>
           </a:xfrm>
           <a:prstGeom prst="rect">
             <a:avLst/>
@@ -6508,114 +5125,7 @@
             <a:pPr algn="just"/>
             <a:r>
               <a:rPr lang="en-US" sz="2200" i="1" dirty="0"/>
-              <a:t>Figure 3: The MS Annika 2.0 workflow for identifying crosslinks from MS3 spectra – MS3 spectra are first mapped to the precursor peaks of the corresponding MS2 spectra, the accurate mass of the cross-linked peptides is determined and subsequently the peptides are identified using a peptide search engine and re-scored with a novel scoring function. Crosslinks are validated using a target-decoy approach.</a:t>
-            </a:r>
-          </a:p>
-        </p:txBody>
-      </p:sp>
-      <p:pic>
-        <p:nvPicPr>
-          <p:cNvPr id="20" name="Picture 19">
-            <a:extLst>
-              <a:ext uri="{FF2B5EF4-FFF2-40B4-BE49-F238E27FC236}">
-                <a16:creationId xmlns:a16="http://schemas.microsoft.com/office/drawing/2014/main" id="{8BC219B6-9A82-4BB9-8395-0ABF302343D5}"/>
-              </a:ext>
-            </a:extLst>
-          </p:cNvPr>
-          <p:cNvPicPr>
-            <a:picLocks noChangeAspect="1"/>
-          </p:cNvPicPr>
-          <p:nvPr/>
-        </p:nvPicPr>
-        <p:blipFill>
-          <a:blip r:embed="rId12">
-            <a:extLst>
-              <a:ext uri="{28A0092B-C50C-407E-A947-70E740481C1C}">
-                <a14:useLocalDpi xmlns:a14="http://schemas.microsoft.com/office/drawing/2010/main" val="0"/>
-              </a:ext>
-            </a:extLst>
-          </a:blip>
-          <a:srcRect/>
-          <a:stretch/>
-        </p:blipFill>
-        <p:spPr>
-          <a:xfrm>
-            <a:off x="21620815" y="8270666"/>
-            <a:ext cx="7699299" cy="6561243"/>
-          </a:xfrm>
-          <a:prstGeom prst="rect">
-            <a:avLst/>
-          </a:prstGeom>
-        </p:spPr>
-      </p:pic>
-      <p:sp>
-        <p:nvSpPr>
-          <p:cNvPr id="53" name="TextBox 52">
-            <a:extLst>
-              <a:ext uri="{FF2B5EF4-FFF2-40B4-BE49-F238E27FC236}">
-                <a16:creationId xmlns:a16="http://schemas.microsoft.com/office/drawing/2014/main" id="{80AEFE33-A3AD-40FB-B08B-244DF1FDD13E}"/>
-              </a:ext>
-            </a:extLst>
-          </p:cNvPr>
-          <p:cNvSpPr txBox="1"/>
-          <p:nvPr/>
-        </p:nvSpPr>
-        <p:spPr>
-          <a:xfrm>
-            <a:off x="21440792" y="14874085"/>
-            <a:ext cx="8142806" cy="1107996"/>
-          </a:xfrm>
-          <a:prstGeom prst="rect">
-            <a:avLst/>
-          </a:prstGeom>
-          <a:noFill/>
-        </p:spPr>
-        <p:txBody>
-          <a:bodyPr wrap="square" rtlCol="0">
-            <a:spAutoFit/>
-          </a:bodyPr>
-          <a:lstStyle/>
-          <a:p>
-            <a:pPr algn="just"/>
-            <a:r>
-              <a:rPr lang="en-US" sz="2200" i="1" dirty="0"/>
-              <a:t>Figure 2: MS Annika 2.0 workflow in Proteome Discoverer 2.5 – the new MS3-based search approach can be selected in the Search Node of MS Annika 2.0.</a:t>
-            </a:r>
-          </a:p>
-        </p:txBody>
-      </p:sp>
-      <p:sp>
-        <p:nvSpPr>
-          <p:cNvPr id="57" name="TextBox 56">
-            <a:extLst>
-              <a:ext uri="{FF2B5EF4-FFF2-40B4-BE49-F238E27FC236}">
-                <a16:creationId xmlns:a16="http://schemas.microsoft.com/office/drawing/2014/main" id="{DFC043A8-A6AF-402B-A8A6-3161D7170891}"/>
-              </a:ext>
-            </a:extLst>
-          </p:cNvPr>
-          <p:cNvSpPr txBox="1"/>
-          <p:nvPr/>
-        </p:nvSpPr>
-        <p:spPr>
-          <a:xfrm>
-            <a:off x="1162553" y="14563388"/>
-            <a:ext cx="8269602" cy="1446550"/>
-          </a:xfrm>
-          <a:prstGeom prst="rect">
-            <a:avLst/>
-          </a:prstGeom>
-          <a:noFill/>
-        </p:spPr>
-        <p:txBody>
-          <a:bodyPr wrap="square" rtlCol="0">
-            <a:spAutoFit/>
-          </a:bodyPr>
-          <a:lstStyle/>
-          <a:p>
-            <a:pPr algn="just"/>
-            <a:r>
-              <a:rPr lang="en-US" sz="2200" i="1" dirty="0"/>
-              <a:t>Figure 1: A schematic cross-linking mass spectrometry workflow with an MS-cleavable crosslinker – proteins are cross-linked and digested. In the mass spectrometer they are fragmented and yield spectra with crosslinker-specific doublet peaks.</a:t>
+              <a:t>Figure 3: Schematic overview of the algorithm for identification of non-cleavable crosslinks in MS Annika 3.0. Mass spectra and peptides arising from the in-silico digestion of the protein database are encoded as sparse vectors and subsequently scored by matrix multiplication. The highest scoring hits are considered for the identification of potential alpha peptides with our in-house developed peptide search engine MS Amanda. Identified alpha peptides are used to find complimentary beta peptides and ultimately alpha and beta peptides matching the mass spectrum's precursor mass are combined to crosslinks.</a:t>
             </a:r>
           </a:p>
         </p:txBody>
@@ -6752,13 +5262,13 @@
           <p:nvPr/>
         </p:nvPicPr>
         <p:blipFill>
-          <a:blip r:embed="rId13">
+          <a:blip r:embed="rId12">
             <a:extLst>
               <a:ext uri="{28A0092B-C50C-407E-A947-70E740481C1C}">
                 <a14:useLocalDpi xmlns:a14="http://schemas.microsoft.com/office/drawing/2010/main" val="0"/>
               </a:ext>
               <a:ext uri="{96DAC541-7B7A-43D3-8B79-37D633B846F1}">
-                <asvg:svgBlip xmlns:asvg="http://schemas.microsoft.com/office/drawing/2016/SVG/main" r:embed="rId14"/>
+                <asvg:svgBlip xmlns:asvg="http://schemas.microsoft.com/office/drawing/2016/SVG/main" r:embed="rId13"/>
               </a:ext>
             </a:extLst>
           </a:blip>
@@ -6776,4285 +5286,9 @@
           </a:prstGeom>
         </p:spPr>
       </p:pic>
-      <p:cxnSp>
-        <p:nvCxnSpPr>
-          <p:cNvPr id="52" name="Connector: Curved 51">
-            <a:extLst>
-              <a:ext uri="{FF2B5EF4-FFF2-40B4-BE49-F238E27FC236}">
-                <a16:creationId xmlns:a16="http://schemas.microsoft.com/office/drawing/2014/main" id="{948CF036-1407-F259-632C-B84FFA4B47B7}"/>
-              </a:ext>
-            </a:extLst>
-          </p:cNvPr>
-          <p:cNvCxnSpPr>
-            <a:cxnSpLocks/>
-          </p:cNvCxnSpPr>
-          <p:nvPr/>
-        </p:nvCxnSpPr>
-        <p:spPr>
-          <a:xfrm rot="16200000" flipH="1">
-            <a:off x="5100900" y="8645135"/>
-            <a:ext cx="1395665" cy="759974"/>
-          </a:xfrm>
-          <a:prstGeom prst="curvedConnector3">
-            <a:avLst>
-              <a:gd name="adj1" fmla="val 50000"/>
-            </a:avLst>
-          </a:prstGeom>
-          <a:ln w="38100">
-            <a:solidFill>
-              <a:srgbClr val="1168B2"/>
-            </a:solidFill>
-          </a:ln>
-        </p:spPr>
-        <p:style>
-          <a:lnRef idx="1">
-            <a:schemeClr val="accent1"/>
-          </a:lnRef>
-          <a:fillRef idx="0">
-            <a:schemeClr val="accent1"/>
-          </a:fillRef>
-          <a:effectRef idx="0">
-            <a:schemeClr val="accent1"/>
-          </a:effectRef>
-          <a:fontRef idx="minor">
-            <a:schemeClr val="tx1"/>
-          </a:fontRef>
-        </p:style>
-      </p:cxnSp>
-      <p:cxnSp>
-        <p:nvCxnSpPr>
-          <p:cNvPr id="58" name="Connector: Curved 57">
-            <a:extLst>
-              <a:ext uri="{FF2B5EF4-FFF2-40B4-BE49-F238E27FC236}">
-                <a16:creationId xmlns:a16="http://schemas.microsoft.com/office/drawing/2014/main" id="{8AE22855-0E60-BF0F-4EF2-130EFEC40870}"/>
-              </a:ext>
-            </a:extLst>
-          </p:cNvPr>
-          <p:cNvCxnSpPr>
-            <a:cxnSpLocks/>
-          </p:cNvCxnSpPr>
-          <p:nvPr/>
-        </p:nvCxnSpPr>
-        <p:spPr>
-          <a:xfrm>
-            <a:off x="1499396" y="8366790"/>
-            <a:ext cx="1178454" cy="737104"/>
-          </a:xfrm>
-          <a:prstGeom prst="curvedConnector3">
-            <a:avLst>
-              <a:gd name="adj1" fmla="val 288929"/>
-            </a:avLst>
-          </a:prstGeom>
-          <a:ln w="38100">
-            <a:solidFill>
-              <a:srgbClr val="1168B2"/>
-            </a:solidFill>
-          </a:ln>
-        </p:spPr>
-        <p:style>
-          <a:lnRef idx="1">
-            <a:schemeClr val="accent1"/>
-          </a:lnRef>
-          <a:fillRef idx="0">
-            <a:schemeClr val="accent1"/>
-          </a:fillRef>
-          <a:effectRef idx="0">
-            <a:schemeClr val="accent1"/>
-          </a:effectRef>
-          <a:fontRef idx="minor">
-            <a:schemeClr val="tx1"/>
-          </a:fontRef>
-        </p:style>
-      </p:cxnSp>
-      <p:cxnSp>
-        <p:nvCxnSpPr>
-          <p:cNvPr id="59" name="Connector: Curved 58">
-            <a:extLst>
-              <a:ext uri="{FF2B5EF4-FFF2-40B4-BE49-F238E27FC236}">
-                <a16:creationId xmlns:a16="http://schemas.microsoft.com/office/drawing/2014/main" id="{5EE1DD8B-680E-81A8-184D-47A5EDCC9F9C}"/>
-              </a:ext>
-            </a:extLst>
-          </p:cNvPr>
-          <p:cNvCxnSpPr>
-            <a:cxnSpLocks/>
-          </p:cNvCxnSpPr>
-          <p:nvPr/>
-        </p:nvCxnSpPr>
-        <p:spPr>
-          <a:xfrm>
-            <a:off x="3745292" y="8735342"/>
-            <a:ext cx="1142997" cy="961972"/>
-          </a:xfrm>
-          <a:prstGeom prst="curvedConnector3">
-            <a:avLst>
-              <a:gd name="adj1" fmla="val -162632"/>
-            </a:avLst>
-          </a:prstGeom>
-          <a:ln w="38100">
-            <a:solidFill>
-              <a:srgbClr val="E71224"/>
-            </a:solidFill>
-          </a:ln>
-        </p:spPr>
-        <p:style>
-          <a:lnRef idx="1">
-            <a:schemeClr val="accent1"/>
-          </a:lnRef>
-          <a:fillRef idx="0">
-            <a:schemeClr val="accent1"/>
-          </a:fillRef>
-          <a:effectRef idx="0">
-            <a:schemeClr val="accent1"/>
-          </a:effectRef>
-          <a:fontRef idx="minor">
-            <a:schemeClr val="tx1"/>
-          </a:fontRef>
-        </p:style>
-      </p:cxnSp>
-      <p:cxnSp>
-        <p:nvCxnSpPr>
-          <p:cNvPr id="60" name="Straight Connector 59">
-            <a:extLst>
-              <a:ext uri="{FF2B5EF4-FFF2-40B4-BE49-F238E27FC236}">
-                <a16:creationId xmlns:a16="http://schemas.microsoft.com/office/drawing/2014/main" id="{B07D39C3-94FD-9DA1-15CC-0EA88C43CDB2}"/>
-              </a:ext>
-            </a:extLst>
-          </p:cNvPr>
-          <p:cNvCxnSpPr>
-            <a:cxnSpLocks/>
-          </p:cNvCxnSpPr>
-          <p:nvPr/>
-        </p:nvCxnSpPr>
-        <p:spPr>
-          <a:xfrm>
-            <a:off x="2875007" y="8815136"/>
-            <a:ext cx="0" cy="276726"/>
-          </a:xfrm>
-          <a:prstGeom prst="line">
-            <a:avLst/>
-          </a:prstGeom>
-          <a:ln w="38100">
-            <a:solidFill>
-              <a:schemeClr val="tx1"/>
-            </a:solidFill>
-          </a:ln>
-        </p:spPr>
-        <p:style>
-          <a:lnRef idx="1">
-            <a:schemeClr val="accent1"/>
-          </a:lnRef>
-          <a:fillRef idx="0">
-            <a:schemeClr val="accent1"/>
-          </a:fillRef>
-          <a:effectRef idx="0">
-            <a:schemeClr val="accent1"/>
-          </a:effectRef>
-          <a:fontRef idx="minor">
-            <a:schemeClr val="tx1"/>
-          </a:fontRef>
-        </p:style>
-      </p:cxnSp>
-      <p:cxnSp>
-        <p:nvCxnSpPr>
-          <p:cNvPr id="61" name="Straight Connector 60">
-            <a:extLst>
-              <a:ext uri="{FF2B5EF4-FFF2-40B4-BE49-F238E27FC236}">
-                <a16:creationId xmlns:a16="http://schemas.microsoft.com/office/drawing/2014/main" id="{CF4D5A30-4FA5-AC29-E9A3-45555FAE6084}"/>
-              </a:ext>
-            </a:extLst>
-          </p:cNvPr>
-          <p:cNvCxnSpPr>
-            <a:cxnSpLocks/>
-          </p:cNvCxnSpPr>
-          <p:nvPr/>
-        </p:nvCxnSpPr>
-        <p:spPr>
-          <a:xfrm>
-            <a:off x="3472576" y="8458616"/>
-            <a:ext cx="0" cy="276726"/>
-          </a:xfrm>
-          <a:prstGeom prst="line">
-            <a:avLst/>
-          </a:prstGeom>
-          <a:ln w="38100">
-            <a:solidFill>
-              <a:schemeClr val="tx1"/>
-            </a:solidFill>
-          </a:ln>
-        </p:spPr>
-        <p:style>
-          <a:lnRef idx="1">
-            <a:schemeClr val="accent1"/>
-          </a:lnRef>
-          <a:fillRef idx="0">
-            <a:schemeClr val="accent1"/>
-          </a:fillRef>
-          <a:effectRef idx="0">
-            <a:schemeClr val="accent1"/>
-          </a:effectRef>
-          <a:fontRef idx="minor">
-            <a:schemeClr val="tx1"/>
-          </a:fontRef>
-        </p:style>
-      </p:cxnSp>
-      <p:cxnSp>
-        <p:nvCxnSpPr>
-          <p:cNvPr id="896" name="Straight Connector 895">
-            <a:extLst>
-              <a:ext uri="{FF2B5EF4-FFF2-40B4-BE49-F238E27FC236}">
-                <a16:creationId xmlns:a16="http://schemas.microsoft.com/office/drawing/2014/main" id="{1573BCB7-20C5-D4B4-4A8A-307F327A69D4}"/>
-              </a:ext>
-            </a:extLst>
-          </p:cNvPr>
-          <p:cNvCxnSpPr>
-            <a:cxnSpLocks/>
-          </p:cNvCxnSpPr>
-          <p:nvPr/>
-        </p:nvCxnSpPr>
-        <p:spPr>
-          <a:xfrm>
-            <a:off x="1998308" y="9053901"/>
-            <a:ext cx="0" cy="276726"/>
-          </a:xfrm>
-          <a:prstGeom prst="line">
-            <a:avLst/>
-          </a:prstGeom>
-          <a:ln w="38100">
-            <a:solidFill>
-              <a:schemeClr val="tx1"/>
-            </a:solidFill>
-          </a:ln>
-        </p:spPr>
-        <p:style>
-          <a:lnRef idx="1">
-            <a:schemeClr val="accent1"/>
-          </a:lnRef>
-          <a:fillRef idx="0">
-            <a:schemeClr val="accent1"/>
-          </a:fillRef>
-          <a:effectRef idx="0">
-            <a:schemeClr val="accent1"/>
-          </a:effectRef>
-          <a:fontRef idx="minor">
-            <a:schemeClr val="tx1"/>
-          </a:fontRef>
-        </p:style>
-      </p:cxnSp>
-      <p:cxnSp>
-        <p:nvCxnSpPr>
-          <p:cNvPr id="897" name="Straight Connector 896">
-            <a:extLst>
-              <a:ext uri="{FF2B5EF4-FFF2-40B4-BE49-F238E27FC236}">
-                <a16:creationId xmlns:a16="http://schemas.microsoft.com/office/drawing/2014/main" id="{9E8B3373-3D06-0199-A1CF-0D22285F2EF4}"/>
-              </a:ext>
-            </a:extLst>
-          </p:cNvPr>
-          <p:cNvCxnSpPr>
-            <a:cxnSpLocks/>
-          </p:cNvCxnSpPr>
-          <p:nvPr/>
-        </p:nvCxnSpPr>
-        <p:spPr>
-          <a:xfrm>
-            <a:off x="4625349" y="8596979"/>
-            <a:ext cx="0" cy="276726"/>
-          </a:xfrm>
-          <a:prstGeom prst="line">
-            <a:avLst/>
-          </a:prstGeom>
-          <a:ln w="38100">
-            <a:solidFill>
-              <a:schemeClr val="tx1"/>
-            </a:solidFill>
-          </a:ln>
-        </p:spPr>
-        <p:style>
-          <a:lnRef idx="1">
-            <a:schemeClr val="accent1"/>
-          </a:lnRef>
-          <a:fillRef idx="0">
-            <a:schemeClr val="accent1"/>
-          </a:fillRef>
-          <a:effectRef idx="0">
-            <a:schemeClr val="accent1"/>
-          </a:effectRef>
-          <a:fontRef idx="minor">
-            <a:schemeClr val="tx1"/>
-          </a:fontRef>
-        </p:style>
-      </p:cxnSp>
-      <p:cxnSp>
-        <p:nvCxnSpPr>
-          <p:cNvPr id="899" name="Straight Connector 898">
-            <a:extLst>
-              <a:ext uri="{FF2B5EF4-FFF2-40B4-BE49-F238E27FC236}">
-                <a16:creationId xmlns:a16="http://schemas.microsoft.com/office/drawing/2014/main" id="{E3369E71-2D3B-457F-6360-3C6FC4168B3A}"/>
-              </a:ext>
-            </a:extLst>
-          </p:cNvPr>
-          <p:cNvCxnSpPr>
-            <a:cxnSpLocks/>
-          </p:cNvCxnSpPr>
-          <p:nvPr/>
-        </p:nvCxnSpPr>
-        <p:spPr>
-          <a:xfrm>
-            <a:off x="5879571" y="9032718"/>
-            <a:ext cx="366955" cy="0"/>
-          </a:xfrm>
-          <a:prstGeom prst="line">
-            <a:avLst/>
-          </a:prstGeom>
-          <a:ln w="38100">
-            <a:solidFill>
-              <a:schemeClr val="tx1"/>
-            </a:solidFill>
-          </a:ln>
-        </p:spPr>
-        <p:style>
-          <a:lnRef idx="1">
-            <a:schemeClr val="accent1"/>
-          </a:lnRef>
-          <a:fillRef idx="0">
-            <a:schemeClr val="accent1"/>
-          </a:fillRef>
-          <a:effectRef idx="0">
-            <a:schemeClr val="accent1"/>
-          </a:effectRef>
-          <a:fontRef idx="minor">
-            <a:schemeClr val="tx1"/>
-          </a:fontRef>
-        </p:style>
-      </p:cxnSp>
-      <p:cxnSp>
-        <p:nvCxnSpPr>
-          <p:cNvPr id="900" name="Connector: Curved 899">
-            <a:extLst>
-              <a:ext uri="{FF2B5EF4-FFF2-40B4-BE49-F238E27FC236}">
-                <a16:creationId xmlns:a16="http://schemas.microsoft.com/office/drawing/2014/main" id="{F1AF6E00-524A-34DA-64C0-992029132B52}"/>
-              </a:ext>
-            </a:extLst>
-          </p:cNvPr>
-          <p:cNvCxnSpPr>
-            <a:cxnSpLocks/>
-          </p:cNvCxnSpPr>
-          <p:nvPr/>
-        </p:nvCxnSpPr>
-        <p:spPr>
-          <a:xfrm rot="16200000" flipH="1">
-            <a:off x="5555712" y="8652731"/>
-            <a:ext cx="1395665" cy="759974"/>
-          </a:xfrm>
-          <a:prstGeom prst="curvedConnector3">
-            <a:avLst>
-              <a:gd name="adj1" fmla="val 50000"/>
-            </a:avLst>
-          </a:prstGeom>
-          <a:ln w="38100">
-            <a:solidFill>
-              <a:srgbClr val="E71224"/>
-            </a:solidFill>
-          </a:ln>
-        </p:spPr>
-        <p:style>
-          <a:lnRef idx="1">
-            <a:schemeClr val="accent1"/>
-          </a:lnRef>
-          <a:fillRef idx="0">
-            <a:schemeClr val="accent1"/>
-          </a:fillRef>
-          <a:effectRef idx="0">
-            <a:schemeClr val="accent1"/>
-          </a:effectRef>
-          <a:fontRef idx="minor">
-            <a:schemeClr val="tx1"/>
-          </a:fontRef>
-        </p:style>
-      </p:cxnSp>
-      <mc:AlternateContent xmlns:mc="http://schemas.openxmlformats.org/markup-compatibility/2006" xmlns:p14="http://schemas.microsoft.com/office/powerpoint/2010/main">
-        <mc:Choice Requires="p14">
-          <p:contentPart p14:bwMode="auto" r:id="rId15">
-            <p14:nvContentPartPr>
-              <p14:cNvPr id="919" name="Ink 918">
-                <a:extLst>
-                  <a:ext uri="{FF2B5EF4-FFF2-40B4-BE49-F238E27FC236}">
-                    <a16:creationId xmlns:a16="http://schemas.microsoft.com/office/drawing/2014/main" id="{88D42C89-CB05-9CEE-C288-354DA1E8FE02}"/>
-                  </a:ext>
-                </a:extLst>
-              </p14:cNvPr>
-              <p14:cNvContentPartPr/>
-              <p14:nvPr/>
-            </p14:nvContentPartPr>
-            <p14:xfrm>
-              <a:off x="1523736" y="12052886"/>
-              <a:ext cx="3746160" cy="360"/>
-            </p14:xfrm>
-          </p:contentPart>
-        </mc:Choice>
-        <mc:Fallback xmlns="">
-          <p:pic>
-            <p:nvPicPr>
-              <p:cNvPr id="919" name="Ink 918">
-                <a:extLst>
-                  <a:ext uri="{FF2B5EF4-FFF2-40B4-BE49-F238E27FC236}">
-                    <a16:creationId xmlns:a16="http://schemas.microsoft.com/office/drawing/2014/main" id="{88D42C89-CB05-9CEE-C288-354DA1E8FE02}"/>
-                  </a:ext>
-                </a:extLst>
-              </p:cNvPr>
-              <p:cNvPicPr/>
-              <p:nvPr/>
-            </p:nvPicPr>
-            <p:blipFill>
-              <a:blip r:embed="rId16"/>
-              <a:stretch>
-                <a:fillRect/>
-              </a:stretch>
-            </p:blipFill>
-            <p:spPr>
-              <a:xfrm>
-                <a:off x="1505736" y="12034886"/>
-                <a:ext cx="3781800" cy="36000"/>
-              </a:xfrm>
-              <a:prstGeom prst="rect">
-                <a:avLst/>
-              </a:prstGeom>
-            </p:spPr>
-          </p:pic>
-        </mc:Fallback>
-      </mc:AlternateContent>
-      <mc:AlternateContent xmlns:mc="http://schemas.openxmlformats.org/markup-compatibility/2006" xmlns:p14="http://schemas.microsoft.com/office/powerpoint/2010/main">
-        <mc:Choice Requires="p14">
-          <p:contentPart p14:bwMode="auto" r:id="rId17">
-            <p14:nvContentPartPr>
-              <p14:cNvPr id="920" name="Ink 919">
-                <a:extLst>
-                  <a:ext uri="{FF2B5EF4-FFF2-40B4-BE49-F238E27FC236}">
-                    <a16:creationId xmlns:a16="http://schemas.microsoft.com/office/drawing/2014/main" id="{020F891F-18E3-06D6-A6BF-A22C2BB4AFE1}"/>
-                  </a:ext>
-                </a:extLst>
-              </p14:cNvPr>
-              <p14:cNvContentPartPr/>
-              <p14:nvPr/>
-            </p14:nvContentPartPr>
-            <p14:xfrm>
-              <a:off x="1520136" y="10309046"/>
-              <a:ext cx="360" cy="1729800"/>
-            </p14:xfrm>
-          </p:contentPart>
-        </mc:Choice>
-        <mc:Fallback xmlns="">
-          <p:pic>
-            <p:nvPicPr>
-              <p:cNvPr id="920" name="Ink 919">
-                <a:extLst>
-                  <a:ext uri="{FF2B5EF4-FFF2-40B4-BE49-F238E27FC236}">
-                    <a16:creationId xmlns:a16="http://schemas.microsoft.com/office/drawing/2014/main" id="{020F891F-18E3-06D6-A6BF-A22C2BB4AFE1}"/>
-                  </a:ext>
-                </a:extLst>
-              </p:cNvPr>
-              <p:cNvPicPr/>
-              <p:nvPr/>
-            </p:nvPicPr>
-            <p:blipFill>
-              <a:blip r:embed="rId18"/>
-              <a:stretch>
-                <a:fillRect/>
-              </a:stretch>
-            </p:blipFill>
-            <p:spPr>
-              <a:xfrm>
-                <a:off x="1502136" y="10291046"/>
-                <a:ext cx="36000" cy="1765440"/>
-              </a:xfrm>
-              <a:prstGeom prst="rect">
-                <a:avLst/>
-              </a:prstGeom>
-            </p:spPr>
-          </p:pic>
-        </mc:Fallback>
-      </mc:AlternateContent>
-      <mc:AlternateContent xmlns:mc="http://schemas.openxmlformats.org/markup-compatibility/2006" xmlns:p14="http://schemas.microsoft.com/office/powerpoint/2010/main">
-        <mc:Choice Requires="p14">
-          <p:contentPart p14:bwMode="auto" r:id="rId19">
-            <p14:nvContentPartPr>
-              <p14:cNvPr id="921" name="Ink 920">
-                <a:extLst>
-                  <a:ext uri="{FF2B5EF4-FFF2-40B4-BE49-F238E27FC236}">
-                    <a16:creationId xmlns:a16="http://schemas.microsoft.com/office/drawing/2014/main" id="{758B37F4-8E40-3625-2FE3-25E76E19D721}"/>
-                  </a:ext>
-                </a:extLst>
-              </p14:cNvPr>
-              <p14:cNvContentPartPr/>
-              <p14:nvPr/>
-            </p14:nvContentPartPr>
-            <p14:xfrm>
-              <a:off x="3242376" y="11063606"/>
-              <a:ext cx="360" cy="963000"/>
-            </p14:xfrm>
-          </p:contentPart>
-        </mc:Choice>
-        <mc:Fallback xmlns="">
-          <p:pic>
-            <p:nvPicPr>
-              <p:cNvPr id="921" name="Ink 920">
-                <a:extLst>
-                  <a:ext uri="{FF2B5EF4-FFF2-40B4-BE49-F238E27FC236}">
-                    <a16:creationId xmlns:a16="http://schemas.microsoft.com/office/drawing/2014/main" id="{758B37F4-8E40-3625-2FE3-25E76E19D721}"/>
-                  </a:ext>
-                </a:extLst>
-              </p:cNvPr>
-              <p:cNvPicPr/>
-              <p:nvPr/>
-            </p:nvPicPr>
-            <p:blipFill>
-              <a:blip r:embed="rId20"/>
-              <a:stretch>
-                <a:fillRect/>
-              </a:stretch>
-            </p:blipFill>
-            <p:spPr>
-              <a:xfrm>
-                <a:off x="3224376" y="11045606"/>
-                <a:ext cx="36000" cy="998640"/>
-              </a:xfrm>
-              <a:prstGeom prst="rect">
-                <a:avLst/>
-              </a:prstGeom>
-            </p:spPr>
-          </p:pic>
-        </mc:Fallback>
-      </mc:AlternateContent>
-      <mc:AlternateContent xmlns:mc="http://schemas.openxmlformats.org/markup-compatibility/2006" xmlns:p14="http://schemas.microsoft.com/office/powerpoint/2010/main">
-        <mc:Choice Requires="p14">
-          <p:contentPart p14:bwMode="auto" r:id="rId21">
-            <p14:nvContentPartPr>
-              <p14:cNvPr id="922" name="Ink 921">
-                <a:extLst>
-                  <a:ext uri="{FF2B5EF4-FFF2-40B4-BE49-F238E27FC236}">
-                    <a16:creationId xmlns:a16="http://schemas.microsoft.com/office/drawing/2014/main" id="{4453A522-617C-583A-B2CD-FBEC879CA23E}"/>
-                  </a:ext>
-                </a:extLst>
-              </p14:cNvPr>
-              <p14:cNvContentPartPr/>
-              <p14:nvPr/>
-            </p14:nvContentPartPr>
-            <p14:xfrm>
-              <a:off x="3242376" y="10859486"/>
-              <a:ext cx="360" cy="209520"/>
-            </p14:xfrm>
-          </p:contentPart>
-        </mc:Choice>
-        <mc:Fallback xmlns="">
-          <p:pic>
-            <p:nvPicPr>
-              <p:cNvPr id="922" name="Ink 921">
-                <a:extLst>
-                  <a:ext uri="{FF2B5EF4-FFF2-40B4-BE49-F238E27FC236}">
-                    <a16:creationId xmlns:a16="http://schemas.microsoft.com/office/drawing/2014/main" id="{4453A522-617C-583A-B2CD-FBEC879CA23E}"/>
-                  </a:ext>
-                </a:extLst>
-              </p:cNvPr>
-              <p:cNvPicPr/>
-              <p:nvPr/>
-            </p:nvPicPr>
-            <p:blipFill>
-              <a:blip r:embed="rId22"/>
-              <a:stretch>
-                <a:fillRect/>
-              </a:stretch>
-            </p:blipFill>
-            <p:spPr>
-              <a:xfrm>
-                <a:off x="3224376" y="10841486"/>
-                <a:ext cx="36000" cy="245160"/>
-              </a:xfrm>
-              <a:prstGeom prst="rect">
-                <a:avLst/>
-              </a:prstGeom>
-            </p:spPr>
-          </p:pic>
-        </mc:Fallback>
-      </mc:AlternateContent>
-      <mc:AlternateContent xmlns:mc="http://schemas.openxmlformats.org/markup-compatibility/2006" xmlns:p14="http://schemas.microsoft.com/office/powerpoint/2010/main">
-        <mc:Choice Requires="p14">
-          <p:contentPart p14:bwMode="auto" r:id="rId23">
-            <p14:nvContentPartPr>
-              <p14:cNvPr id="923" name="Ink 922">
-                <a:extLst>
-                  <a:ext uri="{FF2B5EF4-FFF2-40B4-BE49-F238E27FC236}">
-                    <a16:creationId xmlns:a16="http://schemas.microsoft.com/office/drawing/2014/main" id="{0B39B707-70D0-8AA1-9880-AD86237966AA}"/>
-                  </a:ext>
-                </a:extLst>
-              </p14:cNvPr>
-              <p14:cNvContentPartPr/>
-              <p14:nvPr/>
-            </p14:nvContentPartPr>
-            <p14:xfrm>
-              <a:off x="3242376" y="10309046"/>
-              <a:ext cx="360" cy="539280"/>
-            </p14:xfrm>
-          </p:contentPart>
-        </mc:Choice>
-        <mc:Fallback xmlns="">
-          <p:pic>
-            <p:nvPicPr>
-              <p:cNvPr id="923" name="Ink 922">
-                <a:extLst>
-                  <a:ext uri="{FF2B5EF4-FFF2-40B4-BE49-F238E27FC236}">
-                    <a16:creationId xmlns:a16="http://schemas.microsoft.com/office/drawing/2014/main" id="{0B39B707-70D0-8AA1-9880-AD86237966AA}"/>
-                  </a:ext>
-                </a:extLst>
-              </p:cNvPr>
-              <p:cNvPicPr/>
-              <p:nvPr/>
-            </p:nvPicPr>
-            <p:blipFill>
-              <a:blip r:embed="rId24"/>
-              <a:stretch>
-                <a:fillRect/>
-              </a:stretch>
-            </p:blipFill>
-            <p:spPr>
-              <a:xfrm>
-                <a:off x="3224376" y="10291046"/>
-                <a:ext cx="36000" cy="574920"/>
-              </a:xfrm>
-              <a:prstGeom prst="rect">
-                <a:avLst/>
-              </a:prstGeom>
-            </p:spPr>
-          </p:pic>
-        </mc:Fallback>
-      </mc:AlternateContent>
-      <mc:AlternateContent xmlns:mc="http://schemas.openxmlformats.org/markup-compatibility/2006" xmlns:p14="http://schemas.microsoft.com/office/powerpoint/2010/main">
-        <mc:Choice Requires="p14">
-          <p:contentPart p14:bwMode="auto" r:id="rId25">
-            <p14:nvContentPartPr>
-              <p14:cNvPr id="924" name="Ink 923">
-                <a:extLst>
-                  <a:ext uri="{FF2B5EF4-FFF2-40B4-BE49-F238E27FC236}">
-                    <a16:creationId xmlns:a16="http://schemas.microsoft.com/office/drawing/2014/main" id="{7B3F4B0E-58C5-6360-E77F-02280759F776}"/>
-                  </a:ext>
-                </a:extLst>
-              </p14:cNvPr>
-              <p14:cNvContentPartPr/>
-              <p14:nvPr/>
-            </p14:nvContentPartPr>
-            <p14:xfrm>
-              <a:off x="2905056" y="11036966"/>
-              <a:ext cx="360" cy="987840"/>
-            </p14:xfrm>
-          </p:contentPart>
-        </mc:Choice>
-        <mc:Fallback xmlns="">
-          <p:pic>
-            <p:nvPicPr>
-              <p:cNvPr id="924" name="Ink 923">
-                <a:extLst>
-                  <a:ext uri="{FF2B5EF4-FFF2-40B4-BE49-F238E27FC236}">
-                    <a16:creationId xmlns:a16="http://schemas.microsoft.com/office/drawing/2014/main" id="{7B3F4B0E-58C5-6360-E77F-02280759F776}"/>
-                  </a:ext>
-                </a:extLst>
-              </p:cNvPr>
-              <p:cNvPicPr/>
-              <p:nvPr/>
-            </p:nvPicPr>
-            <p:blipFill>
-              <a:blip r:embed="rId26"/>
-              <a:stretch>
-                <a:fillRect/>
-              </a:stretch>
-            </p:blipFill>
-            <p:spPr>
-              <a:xfrm>
-                <a:off x="2887056" y="11018973"/>
-                <a:ext cx="36000" cy="1023467"/>
-              </a:xfrm>
-              <a:prstGeom prst="rect">
-                <a:avLst/>
-              </a:prstGeom>
-            </p:spPr>
-          </p:pic>
-        </mc:Fallback>
-      </mc:AlternateContent>
-      <mc:AlternateContent xmlns:mc="http://schemas.openxmlformats.org/markup-compatibility/2006" xmlns:p14="http://schemas.microsoft.com/office/powerpoint/2010/main">
-        <mc:Choice Requires="p14">
-          <p:contentPart p14:bwMode="auto" r:id="rId27">
-            <p14:nvContentPartPr>
-              <p14:cNvPr id="925" name="Ink 924">
-                <a:extLst>
-                  <a:ext uri="{FF2B5EF4-FFF2-40B4-BE49-F238E27FC236}">
-                    <a16:creationId xmlns:a16="http://schemas.microsoft.com/office/drawing/2014/main" id="{A73EAE7B-FF4F-92B8-9474-90DDDF38F05C}"/>
-                  </a:ext>
-                </a:extLst>
-              </p14:cNvPr>
-              <p14:cNvContentPartPr/>
-              <p14:nvPr/>
-            </p14:nvContentPartPr>
-            <p14:xfrm>
-              <a:off x="2523096" y="11640686"/>
-              <a:ext cx="360" cy="390600"/>
-            </p14:xfrm>
-          </p:contentPart>
-        </mc:Choice>
-        <mc:Fallback xmlns="">
-          <p:pic>
-            <p:nvPicPr>
-              <p:cNvPr id="925" name="Ink 924">
-                <a:extLst>
-                  <a:ext uri="{FF2B5EF4-FFF2-40B4-BE49-F238E27FC236}">
-                    <a16:creationId xmlns:a16="http://schemas.microsoft.com/office/drawing/2014/main" id="{A73EAE7B-FF4F-92B8-9474-90DDDF38F05C}"/>
-                  </a:ext>
-                </a:extLst>
-              </p:cNvPr>
-              <p:cNvPicPr/>
-              <p:nvPr/>
-            </p:nvPicPr>
-            <p:blipFill>
-              <a:blip r:embed="rId28"/>
-              <a:stretch>
-                <a:fillRect/>
-              </a:stretch>
-            </p:blipFill>
-            <p:spPr>
-              <a:xfrm>
-                <a:off x="2505096" y="11622686"/>
-                <a:ext cx="36000" cy="426240"/>
-              </a:xfrm>
-              <a:prstGeom prst="rect">
-                <a:avLst/>
-              </a:prstGeom>
-            </p:spPr>
-          </p:pic>
-        </mc:Fallback>
-      </mc:AlternateContent>
-      <mc:AlternateContent xmlns:mc="http://schemas.openxmlformats.org/markup-compatibility/2006" xmlns:p14="http://schemas.microsoft.com/office/powerpoint/2010/main">
-        <mc:Choice Requires="p14">
-          <p:contentPart p14:bwMode="auto" r:id="rId29">
-            <p14:nvContentPartPr>
-              <p14:cNvPr id="926" name="Ink 925">
-                <a:extLst>
-                  <a:ext uri="{FF2B5EF4-FFF2-40B4-BE49-F238E27FC236}">
-                    <a16:creationId xmlns:a16="http://schemas.microsoft.com/office/drawing/2014/main" id="{F37826D1-1F2D-DD06-525E-0C8DEB39234B}"/>
-                  </a:ext>
-                </a:extLst>
-              </p14:cNvPr>
-              <p14:cNvContentPartPr/>
-              <p14:nvPr/>
-            </p14:nvContentPartPr>
-            <p14:xfrm>
-              <a:off x="2123856" y="11392286"/>
-              <a:ext cx="360" cy="644040"/>
-            </p14:xfrm>
-          </p:contentPart>
-        </mc:Choice>
-        <mc:Fallback xmlns="">
-          <p:pic>
-            <p:nvPicPr>
-              <p:cNvPr id="926" name="Ink 925">
-                <a:extLst>
-                  <a:ext uri="{FF2B5EF4-FFF2-40B4-BE49-F238E27FC236}">
-                    <a16:creationId xmlns:a16="http://schemas.microsoft.com/office/drawing/2014/main" id="{F37826D1-1F2D-DD06-525E-0C8DEB39234B}"/>
-                  </a:ext>
-                </a:extLst>
-              </p:cNvPr>
-              <p:cNvPicPr/>
-              <p:nvPr/>
-            </p:nvPicPr>
-            <p:blipFill>
-              <a:blip r:embed="rId30"/>
-              <a:stretch>
-                <a:fillRect/>
-              </a:stretch>
-            </p:blipFill>
-            <p:spPr>
-              <a:xfrm>
-                <a:off x="2105856" y="11374296"/>
-                <a:ext cx="36000" cy="679660"/>
-              </a:xfrm>
-              <a:prstGeom prst="rect">
-                <a:avLst/>
-              </a:prstGeom>
-            </p:spPr>
-          </p:pic>
-        </mc:Fallback>
-      </mc:AlternateContent>
-      <mc:AlternateContent xmlns:mc="http://schemas.openxmlformats.org/markup-compatibility/2006" xmlns:p14="http://schemas.microsoft.com/office/powerpoint/2010/main">
-        <mc:Choice Requires="p14">
-          <p:contentPart p14:bwMode="auto" r:id="rId31">
-            <p14:nvContentPartPr>
-              <p14:cNvPr id="927" name="Ink 926">
-                <a:extLst>
-                  <a:ext uri="{FF2B5EF4-FFF2-40B4-BE49-F238E27FC236}">
-                    <a16:creationId xmlns:a16="http://schemas.microsoft.com/office/drawing/2014/main" id="{B6441DCE-2884-4945-2494-C834D9FD0C8A}"/>
-                  </a:ext>
-                </a:extLst>
-              </p14:cNvPr>
-              <p14:cNvContentPartPr/>
-              <p14:nvPr/>
-            </p14:nvContentPartPr>
-            <p14:xfrm>
-              <a:off x="3694896" y="11711606"/>
-              <a:ext cx="360" cy="313920"/>
-            </p14:xfrm>
-          </p:contentPart>
-        </mc:Choice>
-        <mc:Fallback xmlns="">
-          <p:pic>
-            <p:nvPicPr>
-              <p:cNvPr id="927" name="Ink 926">
-                <a:extLst>
-                  <a:ext uri="{FF2B5EF4-FFF2-40B4-BE49-F238E27FC236}">
-                    <a16:creationId xmlns:a16="http://schemas.microsoft.com/office/drawing/2014/main" id="{B6441DCE-2884-4945-2494-C834D9FD0C8A}"/>
-                  </a:ext>
-                </a:extLst>
-              </p:cNvPr>
-              <p:cNvPicPr/>
-              <p:nvPr/>
-            </p:nvPicPr>
-            <p:blipFill>
-              <a:blip r:embed="rId32"/>
-              <a:stretch>
-                <a:fillRect/>
-              </a:stretch>
-            </p:blipFill>
-            <p:spPr>
-              <a:xfrm>
-                <a:off x="3676896" y="11693606"/>
-                <a:ext cx="36000" cy="349560"/>
-              </a:xfrm>
-              <a:prstGeom prst="rect">
-                <a:avLst/>
-              </a:prstGeom>
-            </p:spPr>
-          </p:pic>
-        </mc:Fallback>
-      </mc:AlternateContent>
-      <mc:AlternateContent xmlns:mc="http://schemas.openxmlformats.org/markup-compatibility/2006" xmlns:p14="http://schemas.microsoft.com/office/powerpoint/2010/main">
-        <mc:Choice Requires="p14">
-          <p:contentPart p14:bwMode="auto" r:id="rId33">
-            <p14:nvContentPartPr>
-              <p14:cNvPr id="928" name="Ink 927">
-                <a:extLst>
-                  <a:ext uri="{FF2B5EF4-FFF2-40B4-BE49-F238E27FC236}">
-                    <a16:creationId xmlns:a16="http://schemas.microsoft.com/office/drawing/2014/main" id="{FE353785-5115-77B0-587C-4363FB257E48}"/>
-                  </a:ext>
-                </a:extLst>
-              </p14:cNvPr>
-              <p14:cNvContentPartPr/>
-              <p14:nvPr/>
-            </p14:nvContentPartPr>
-            <p14:xfrm>
-              <a:off x="4165416" y="11356646"/>
-              <a:ext cx="360" cy="672480"/>
-            </p14:xfrm>
-          </p:contentPart>
-        </mc:Choice>
-        <mc:Fallback xmlns="">
-          <p:pic>
-            <p:nvPicPr>
-              <p:cNvPr id="928" name="Ink 927">
-                <a:extLst>
-                  <a:ext uri="{FF2B5EF4-FFF2-40B4-BE49-F238E27FC236}">
-                    <a16:creationId xmlns:a16="http://schemas.microsoft.com/office/drawing/2014/main" id="{FE353785-5115-77B0-587C-4363FB257E48}"/>
-                  </a:ext>
-                </a:extLst>
-              </p:cNvPr>
-              <p:cNvPicPr/>
-              <p:nvPr/>
-            </p:nvPicPr>
-            <p:blipFill>
-              <a:blip r:embed="rId34"/>
-              <a:stretch>
-                <a:fillRect/>
-              </a:stretch>
-            </p:blipFill>
-            <p:spPr>
-              <a:xfrm>
-                <a:off x="4147416" y="11338646"/>
-                <a:ext cx="36000" cy="708120"/>
-              </a:xfrm>
-              <a:prstGeom prst="rect">
-                <a:avLst/>
-              </a:prstGeom>
-            </p:spPr>
-          </p:pic>
-        </mc:Fallback>
-      </mc:AlternateContent>
-      <p:cxnSp>
-        <p:nvCxnSpPr>
-          <p:cNvPr id="929" name="Straight Arrow Connector 928">
-            <a:extLst>
-              <a:ext uri="{FF2B5EF4-FFF2-40B4-BE49-F238E27FC236}">
-                <a16:creationId xmlns:a16="http://schemas.microsoft.com/office/drawing/2014/main" id="{EF232525-DABC-EDD1-4B9E-9E7E76C4A763}"/>
-              </a:ext>
-            </a:extLst>
-          </p:cNvPr>
-          <p:cNvCxnSpPr/>
-          <p:nvPr/>
-        </p:nvCxnSpPr>
-        <p:spPr>
-          <a:xfrm>
-            <a:off x="3317193" y="10309046"/>
-            <a:ext cx="603681" cy="0"/>
-          </a:xfrm>
-          <a:prstGeom prst="straightConnector1">
-            <a:avLst/>
-          </a:prstGeom>
-          <a:ln>
-            <a:solidFill>
-              <a:srgbClr val="1168B2"/>
-            </a:solidFill>
-            <a:tailEnd type="triangle"/>
-          </a:ln>
-        </p:spPr>
-        <p:style>
-          <a:lnRef idx="1">
-            <a:schemeClr val="accent1"/>
-          </a:lnRef>
-          <a:fillRef idx="0">
-            <a:schemeClr val="accent1"/>
-          </a:fillRef>
-          <a:effectRef idx="0">
-            <a:schemeClr val="accent1"/>
-          </a:effectRef>
-          <a:fontRef idx="minor">
-            <a:schemeClr val="tx1"/>
-          </a:fontRef>
-        </p:style>
-      </p:cxnSp>
-      <p:cxnSp>
-        <p:nvCxnSpPr>
-          <p:cNvPr id="930" name="Straight Arrow Connector 929">
-            <a:extLst>
-              <a:ext uri="{FF2B5EF4-FFF2-40B4-BE49-F238E27FC236}">
-                <a16:creationId xmlns:a16="http://schemas.microsoft.com/office/drawing/2014/main" id="{B02A7570-07B7-462E-9731-C61DC811AD84}"/>
-              </a:ext>
-            </a:extLst>
-          </p:cNvPr>
-          <p:cNvCxnSpPr/>
-          <p:nvPr/>
-        </p:nvCxnSpPr>
-        <p:spPr>
-          <a:xfrm flipV="1">
-            <a:off x="3317193" y="10565533"/>
-            <a:ext cx="603681" cy="345908"/>
-          </a:xfrm>
-          <a:prstGeom prst="straightConnector1">
-            <a:avLst/>
-          </a:prstGeom>
-          <a:ln>
-            <a:solidFill>
-              <a:schemeClr val="tx1"/>
-            </a:solidFill>
-            <a:tailEnd type="triangle"/>
-          </a:ln>
-        </p:spPr>
-        <p:style>
-          <a:lnRef idx="1">
-            <a:schemeClr val="accent1"/>
-          </a:lnRef>
-          <a:fillRef idx="0">
-            <a:schemeClr val="accent1"/>
-          </a:fillRef>
-          <a:effectRef idx="0">
-            <a:schemeClr val="accent1"/>
-          </a:effectRef>
-          <a:fontRef idx="minor">
-            <a:schemeClr val="tx1"/>
-          </a:fontRef>
-        </p:style>
-      </p:cxnSp>
-      <p:cxnSp>
-        <p:nvCxnSpPr>
-          <p:cNvPr id="931" name="Straight Arrow Connector 930">
-            <a:extLst>
-              <a:ext uri="{FF2B5EF4-FFF2-40B4-BE49-F238E27FC236}">
-                <a16:creationId xmlns:a16="http://schemas.microsoft.com/office/drawing/2014/main" id="{D8A5E6C6-3297-8696-38A3-7B5851FDA26C}"/>
-              </a:ext>
-            </a:extLst>
-          </p:cNvPr>
-          <p:cNvCxnSpPr/>
-          <p:nvPr/>
-        </p:nvCxnSpPr>
-        <p:spPr>
-          <a:xfrm flipV="1">
-            <a:off x="3317193" y="10848326"/>
-            <a:ext cx="603681" cy="660762"/>
-          </a:xfrm>
-          <a:prstGeom prst="straightConnector1">
-            <a:avLst/>
-          </a:prstGeom>
-          <a:ln>
-            <a:solidFill>
-              <a:srgbClr val="E3342C"/>
-            </a:solidFill>
-            <a:tailEnd type="triangle"/>
-          </a:ln>
-        </p:spPr>
-        <p:style>
-          <a:lnRef idx="1">
-            <a:schemeClr val="accent1"/>
-          </a:lnRef>
-          <a:fillRef idx="0">
-            <a:schemeClr val="accent1"/>
-          </a:fillRef>
-          <a:effectRef idx="0">
-            <a:schemeClr val="accent1"/>
-          </a:effectRef>
-          <a:fontRef idx="minor">
-            <a:schemeClr val="tx1"/>
-          </a:fontRef>
-        </p:style>
-      </p:cxnSp>
-      <mc:AlternateContent xmlns:mc="http://schemas.openxmlformats.org/markup-compatibility/2006" xmlns:p14="http://schemas.microsoft.com/office/powerpoint/2010/main">
-        <mc:Choice Requires="p14">
-          <p:contentPart p14:bwMode="auto" r:id="rId35">
-            <p14:nvContentPartPr>
-              <p14:cNvPr id="932" name="Ink 931">
-                <a:extLst>
-                  <a:ext uri="{FF2B5EF4-FFF2-40B4-BE49-F238E27FC236}">
-                    <a16:creationId xmlns:a16="http://schemas.microsoft.com/office/drawing/2014/main" id="{F46B9EDD-599E-DD23-9D61-387DEAC5EA23}"/>
-                  </a:ext>
-                </a:extLst>
-              </p14:cNvPr>
-              <p14:cNvContentPartPr/>
-              <p14:nvPr/>
-            </p14:nvContentPartPr>
-            <p14:xfrm>
-              <a:off x="5590428" y="12052666"/>
-              <a:ext cx="3746160" cy="360"/>
-            </p14:xfrm>
-          </p:contentPart>
-        </mc:Choice>
-        <mc:Fallback xmlns="">
-          <p:pic>
-            <p:nvPicPr>
-              <p:cNvPr id="932" name="Ink 931">
-                <a:extLst>
-                  <a:ext uri="{FF2B5EF4-FFF2-40B4-BE49-F238E27FC236}">
-                    <a16:creationId xmlns:a16="http://schemas.microsoft.com/office/drawing/2014/main" id="{F46B9EDD-599E-DD23-9D61-387DEAC5EA23}"/>
-                  </a:ext>
-                </a:extLst>
-              </p:cNvPr>
-              <p:cNvPicPr/>
-              <p:nvPr/>
-            </p:nvPicPr>
-            <p:blipFill>
-              <a:blip r:embed="rId16"/>
-              <a:stretch>
-                <a:fillRect/>
-              </a:stretch>
-            </p:blipFill>
-            <p:spPr>
-              <a:xfrm>
-                <a:off x="5572428" y="12034666"/>
-                <a:ext cx="3781800" cy="36000"/>
-              </a:xfrm>
-              <a:prstGeom prst="rect">
-                <a:avLst/>
-              </a:prstGeom>
-            </p:spPr>
-          </p:pic>
-        </mc:Fallback>
-      </mc:AlternateContent>
-      <mc:AlternateContent xmlns:mc="http://schemas.openxmlformats.org/markup-compatibility/2006" xmlns:p14="http://schemas.microsoft.com/office/powerpoint/2010/main">
-        <mc:Choice Requires="p14">
-          <p:contentPart p14:bwMode="auto" r:id="rId36">
-            <p14:nvContentPartPr>
-              <p14:cNvPr id="933" name="Ink 932">
-                <a:extLst>
-                  <a:ext uri="{FF2B5EF4-FFF2-40B4-BE49-F238E27FC236}">
-                    <a16:creationId xmlns:a16="http://schemas.microsoft.com/office/drawing/2014/main" id="{FE567933-ADF1-A87F-6984-245653A9A297}"/>
-                  </a:ext>
-                </a:extLst>
-              </p14:cNvPr>
-              <p14:cNvContentPartPr/>
-              <p14:nvPr/>
-            </p14:nvContentPartPr>
-            <p14:xfrm>
-              <a:off x="5586828" y="10308826"/>
-              <a:ext cx="360" cy="1729800"/>
-            </p14:xfrm>
-          </p:contentPart>
-        </mc:Choice>
-        <mc:Fallback xmlns="">
-          <p:pic>
-            <p:nvPicPr>
-              <p:cNvPr id="933" name="Ink 932">
-                <a:extLst>
-                  <a:ext uri="{FF2B5EF4-FFF2-40B4-BE49-F238E27FC236}">
-                    <a16:creationId xmlns:a16="http://schemas.microsoft.com/office/drawing/2014/main" id="{FE567933-ADF1-A87F-6984-245653A9A297}"/>
-                  </a:ext>
-                </a:extLst>
-              </p:cNvPr>
-              <p:cNvPicPr/>
-              <p:nvPr/>
-            </p:nvPicPr>
-            <p:blipFill>
-              <a:blip r:embed="rId18"/>
-              <a:stretch>
-                <a:fillRect/>
-              </a:stretch>
-            </p:blipFill>
-            <p:spPr>
-              <a:xfrm>
-                <a:off x="5568828" y="10290826"/>
-                <a:ext cx="36000" cy="1765440"/>
-              </a:xfrm>
-              <a:prstGeom prst="rect">
-                <a:avLst/>
-              </a:prstGeom>
-            </p:spPr>
-          </p:pic>
-        </mc:Fallback>
-      </mc:AlternateContent>
-      <mc:AlternateContent xmlns:mc="http://schemas.openxmlformats.org/markup-compatibility/2006" xmlns:p14="http://schemas.microsoft.com/office/powerpoint/2010/main">
-        <mc:Choice Requires="p14">
-          <p:contentPart p14:bwMode="auto" r:id="rId37">
-            <p14:nvContentPartPr>
-              <p14:cNvPr id="934" name="Ink 933">
-                <a:extLst>
-                  <a:ext uri="{FF2B5EF4-FFF2-40B4-BE49-F238E27FC236}">
-                    <a16:creationId xmlns:a16="http://schemas.microsoft.com/office/drawing/2014/main" id="{30B6DC4A-C1B9-F2B3-72DC-C9F43B25CDDC}"/>
-                  </a:ext>
-                </a:extLst>
-              </p14:cNvPr>
-              <p14:cNvContentPartPr/>
-              <p14:nvPr/>
-            </p14:nvContentPartPr>
-            <p14:xfrm>
-              <a:off x="6347908" y="11235990"/>
-              <a:ext cx="360" cy="797040"/>
-            </p14:xfrm>
-          </p:contentPart>
-        </mc:Choice>
-        <mc:Fallback xmlns="">
-          <p:pic>
-            <p:nvPicPr>
-              <p:cNvPr id="934" name="Ink 933">
-                <a:extLst>
-                  <a:ext uri="{FF2B5EF4-FFF2-40B4-BE49-F238E27FC236}">
-                    <a16:creationId xmlns:a16="http://schemas.microsoft.com/office/drawing/2014/main" id="{30B6DC4A-C1B9-F2B3-72DC-C9F43B25CDDC}"/>
-                  </a:ext>
-                </a:extLst>
-              </p:cNvPr>
-              <p:cNvPicPr/>
-              <p:nvPr/>
-            </p:nvPicPr>
-            <p:blipFill>
-              <a:blip r:embed="rId38"/>
-              <a:stretch>
-                <a:fillRect/>
-              </a:stretch>
-            </p:blipFill>
-            <p:spPr>
-              <a:xfrm>
-                <a:off x="6329908" y="11217982"/>
-                <a:ext cx="36000" cy="832696"/>
-              </a:xfrm>
-              <a:prstGeom prst="rect">
-                <a:avLst/>
-              </a:prstGeom>
-            </p:spPr>
-          </p:pic>
-        </mc:Fallback>
-      </mc:AlternateContent>
-      <mc:AlternateContent xmlns:mc="http://schemas.openxmlformats.org/markup-compatibility/2006" xmlns:p14="http://schemas.microsoft.com/office/powerpoint/2010/main">
-        <mc:Choice Requires="p14">
-          <p:contentPart p14:bwMode="auto" r:id="rId39">
-            <p14:nvContentPartPr>
-              <p14:cNvPr id="935" name="Ink 934">
-                <a:extLst>
-                  <a:ext uri="{FF2B5EF4-FFF2-40B4-BE49-F238E27FC236}">
-                    <a16:creationId xmlns:a16="http://schemas.microsoft.com/office/drawing/2014/main" id="{3E03A0B1-D045-DF2E-EB5D-95473C5FA796}"/>
-                  </a:ext>
-                </a:extLst>
-              </p14:cNvPr>
-              <p14:cNvContentPartPr/>
-              <p14:nvPr/>
-            </p14:nvContentPartPr>
-            <p14:xfrm>
-              <a:off x="6347908" y="11059230"/>
-              <a:ext cx="360" cy="154800"/>
-            </p14:xfrm>
-          </p:contentPart>
-        </mc:Choice>
-        <mc:Fallback xmlns="">
-          <p:pic>
-            <p:nvPicPr>
-              <p:cNvPr id="935" name="Ink 934">
-                <a:extLst>
-                  <a:ext uri="{FF2B5EF4-FFF2-40B4-BE49-F238E27FC236}">
-                    <a16:creationId xmlns:a16="http://schemas.microsoft.com/office/drawing/2014/main" id="{3E03A0B1-D045-DF2E-EB5D-95473C5FA796}"/>
-                  </a:ext>
-                </a:extLst>
-              </p:cNvPr>
-              <p:cNvPicPr/>
-              <p:nvPr/>
-            </p:nvPicPr>
-            <p:blipFill>
-              <a:blip r:embed="rId40"/>
-              <a:stretch>
-                <a:fillRect/>
-              </a:stretch>
-            </p:blipFill>
-            <p:spPr>
-              <a:xfrm>
-                <a:off x="6329908" y="11041230"/>
-                <a:ext cx="36000" cy="190440"/>
-              </a:xfrm>
-              <a:prstGeom prst="rect">
-                <a:avLst/>
-              </a:prstGeom>
-            </p:spPr>
-          </p:pic>
-        </mc:Fallback>
-      </mc:AlternateContent>
-      <mc:AlternateContent xmlns:mc="http://schemas.openxmlformats.org/markup-compatibility/2006" xmlns:p14="http://schemas.microsoft.com/office/powerpoint/2010/main">
-        <mc:Choice Requires="p14">
-          <p:contentPart p14:bwMode="auto" r:id="rId41">
-            <p14:nvContentPartPr>
-              <p14:cNvPr id="936" name="Ink 935">
-                <a:extLst>
-                  <a:ext uri="{FF2B5EF4-FFF2-40B4-BE49-F238E27FC236}">
-                    <a16:creationId xmlns:a16="http://schemas.microsoft.com/office/drawing/2014/main" id="{285FB2BC-3A71-BFB0-4791-28E0F644F782}"/>
-                  </a:ext>
-                </a:extLst>
-              </p14:cNvPr>
-              <p14:cNvContentPartPr/>
-              <p14:nvPr/>
-            </p14:nvContentPartPr>
-            <p14:xfrm>
-              <a:off x="6597028" y="10768350"/>
-              <a:ext cx="360" cy="1253160"/>
-            </p14:xfrm>
-          </p:contentPart>
-        </mc:Choice>
-        <mc:Fallback xmlns="">
-          <p:pic>
-            <p:nvPicPr>
-              <p:cNvPr id="936" name="Ink 935">
-                <a:extLst>
-                  <a:ext uri="{FF2B5EF4-FFF2-40B4-BE49-F238E27FC236}">
-                    <a16:creationId xmlns:a16="http://schemas.microsoft.com/office/drawing/2014/main" id="{285FB2BC-3A71-BFB0-4791-28E0F644F782}"/>
-                  </a:ext>
-                </a:extLst>
-              </p:cNvPr>
-              <p:cNvPicPr/>
-              <p:nvPr/>
-            </p:nvPicPr>
-            <p:blipFill>
-              <a:blip r:embed="rId42"/>
-              <a:stretch>
-                <a:fillRect/>
-              </a:stretch>
-            </p:blipFill>
-            <p:spPr>
-              <a:xfrm>
-                <a:off x="6579028" y="10750350"/>
-                <a:ext cx="36000" cy="1288800"/>
-              </a:xfrm>
-              <a:prstGeom prst="rect">
-                <a:avLst/>
-              </a:prstGeom>
-            </p:spPr>
-          </p:pic>
-        </mc:Fallback>
-      </mc:AlternateContent>
-      <mc:AlternateContent xmlns:mc="http://schemas.openxmlformats.org/markup-compatibility/2006" xmlns:p14="http://schemas.microsoft.com/office/powerpoint/2010/main">
-        <mc:Choice Requires="p14">
-          <p:contentPart p14:bwMode="auto" r:id="rId43">
-            <p14:nvContentPartPr>
-              <p14:cNvPr id="937" name="Ink 936">
-                <a:extLst>
-                  <a:ext uri="{FF2B5EF4-FFF2-40B4-BE49-F238E27FC236}">
-                    <a16:creationId xmlns:a16="http://schemas.microsoft.com/office/drawing/2014/main" id="{F87D3993-BE96-D944-67AD-964CF935CAF2}"/>
-                  </a:ext>
-                </a:extLst>
-              </p14:cNvPr>
-              <p14:cNvContentPartPr/>
-              <p14:nvPr/>
-            </p14:nvContentPartPr>
-            <p14:xfrm>
-              <a:off x="6597028" y="10425270"/>
-              <a:ext cx="360" cy="331920"/>
-            </p14:xfrm>
-          </p:contentPart>
-        </mc:Choice>
-        <mc:Fallback xmlns="">
-          <p:pic>
-            <p:nvPicPr>
-              <p:cNvPr id="937" name="Ink 936">
-                <a:extLst>
-                  <a:ext uri="{FF2B5EF4-FFF2-40B4-BE49-F238E27FC236}">
-                    <a16:creationId xmlns:a16="http://schemas.microsoft.com/office/drawing/2014/main" id="{F87D3993-BE96-D944-67AD-964CF935CAF2}"/>
-                  </a:ext>
-                </a:extLst>
-              </p:cNvPr>
-              <p:cNvPicPr/>
-              <p:nvPr/>
-            </p:nvPicPr>
-            <p:blipFill>
-              <a:blip r:embed="rId44"/>
-              <a:stretch>
-                <a:fillRect/>
-              </a:stretch>
-            </p:blipFill>
-            <p:spPr>
-              <a:xfrm>
-                <a:off x="6579028" y="10407270"/>
-                <a:ext cx="36000" cy="367560"/>
-              </a:xfrm>
-              <a:prstGeom prst="rect">
-                <a:avLst/>
-              </a:prstGeom>
-            </p:spPr>
-          </p:pic>
-        </mc:Fallback>
-      </mc:AlternateContent>
-      <mc:AlternateContent xmlns:mc="http://schemas.openxmlformats.org/markup-compatibility/2006" xmlns:p14="http://schemas.microsoft.com/office/powerpoint/2010/main">
-        <mc:Choice Requires="p14">
-          <p:contentPart p14:bwMode="auto" r:id="rId45">
-            <p14:nvContentPartPr>
-              <p14:cNvPr id="938" name="Ink 937">
-                <a:extLst>
-                  <a:ext uri="{FF2B5EF4-FFF2-40B4-BE49-F238E27FC236}">
-                    <a16:creationId xmlns:a16="http://schemas.microsoft.com/office/drawing/2014/main" id="{C61916C9-2B00-DD00-2537-5A909BD91A3B}"/>
-                  </a:ext>
-                </a:extLst>
-              </p14:cNvPr>
-              <p14:cNvContentPartPr/>
-              <p14:nvPr/>
-            </p14:nvContentPartPr>
-            <p14:xfrm>
-              <a:off x="8363548" y="11090190"/>
-              <a:ext cx="360" cy="930960"/>
-            </p14:xfrm>
-          </p:contentPart>
-        </mc:Choice>
-        <mc:Fallback xmlns="">
-          <p:pic>
-            <p:nvPicPr>
-              <p:cNvPr id="938" name="Ink 937">
-                <a:extLst>
-                  <a:ext uri="{FF2B5EF4-FFF2-40B4-BE49-F238E27FC236}">
-                    <a16:creationId xmlns:a16="http://schemas.microsoft.com/office/drawing/2014/main" id="{C61916C9-2B00-DD00-2537-5A909BD91A3B}"/>
-                  </a:ext>
-                </a:extLst>
-              </p:cNvPr>
-              <p:cNvPicPr/>
-              <p:nvPr/>
-            </p:nvPicPr>
-            <p:blipFill>
-              <a:blip r:embed="rId46"/>
-              <a:stretch>
-                <a:fillRect/>
-              </a:stretch>
-            </p:blipFill>
-            <p:spPr>
-              <a:xfrm>
-                <a:off x="8345548" y="11072190"/>
-                <a:ext cx="36000" cy="966600"/>
-              </a:xfrm>
-              <a:prstGeom prst="rect">
-                <a:avLst/>
-              </a:prstGeom>
-            </p:spPr>
-          </p:pic>
-        </mc:Fallback>
-      </mc:AlternateContent>
-      <mc:AlternateContent xmlns:mc="http://schemas.openxmlformats.org/markup-compatibility/2006" xmlns:p14="http://schemas.microsoft.com/office/powerpoint/2010/main">
-        <mc:Choice Requires="p14">
-          <p:contentPart p14:bwMode="auto" r:id="rId47">
-            <p14:nvContentPartPr>
-              <p14:cNvPr id="939" name="Ink 938">
-                <a:extLst>
-                  <a:ext uri="{FF2B5EF4-FFF2-40B4-BE49-F238E27FC236}">
-                    <a16:creationId xmlns:a16="http://schemas.microsoft.com/office/drawing/2014/main" id="{BC51EAA8-3DD1-E3AA-6F93-90DCC8685C4C}"/>
-                  </a:ext>
-                </a:extLst>
-              </p14:cNvPr>
-              <p14:cNvContentPartPr/>
-              <p14:nvPr/>
-            </p14:nvContentPartPr>
-            <p14:xfrm>
-              <a:off x="8363548" y="10872390"/>
-              <a:ext cx="360" cy="197640"/>
-            </p14:xfrm>
-          </p:contentPart>
-        </mc:Choice>
-        <mc:Fallback xmlns="">
-          <p:pic>
-            <p:nvPicPr>
-              <p:cNvPr id="939" name="Ink 938">
-                <a:extLst>
-                  <a:ext uri="{FF2B5EF4-FFF2-40B4-BE49-F238E27FC236}">
-                    <a16:creationId xmlns:a16="http://schemas.microsoft.com/office/drawing/2014/main" id="{BC51EAA8-3DD1-E3AA-6F93-90DCC8685C4C}"/>
-                  </a:ext>
-                </a:extLst>
-              </p:cNvPr>
-              <p:cNvPicPr/>
-              <p:nvPr/>
-            </p:nvPicPr>
-            <p:blipFill>
-              <a:blip r:embed="rId48"/>
-              <a:stretch>
-                <a:fillRect/>
-              </a:stretch>
-            </p:blipFill>
-            <p:spPr>
-              <a:xfrm>
-                <a:off x="8345548" y="10854390"/>
-                <a:ext cx="36000" cy="233280"/>
-              </a:xfrm>
-              <a:prstGeom prst="rect">
-                <a:avLst/>
-              </a:prstGeom>
-            </p:spPr>
-          </p:pic>
-        </mc:Fallback>
-      </mc:AlternateContent>
-      <mc:AlternateContent xmlns:mc="http://schemas.openxmlformats.org/markup-compatibility/2006" xmlns:p14="http://schemas.microsoft.com/office/powerpoint/2010/main">
-        <mc:Choice Requires="p14">
-          <p:contentPart p14:bwMode="auto" r:id="rId49">
-            <p14:nvContentPartPr>
-              <p14:cNvPr id="940" name="Ink 939">
-                <a:extLst>
-                  <a:ext uri="{FF2B5EF4-FFF2-40B4-BE49-F238E27FC236}">
-                    <a16:creationId xmlns:a16="http://schemas.microsoft.com/office/drawing/2014/main" id="{464E70DE-FE7D-4661-88DA-C3025FF468C4}"/>
-                  </a:ext>
-                </a:extLst>
-              </p14:cNvPr>
-              <p14:cNvContentPartPr/>
-              <p14:nvPr/>
-            </p14:nvContentPartPr>
-            <p14:xfrm>
-              <a:off x="8613028" y="11724150"/>
-              <a:ext cx="360" cy="304560"/>
-            </p14:xfrm>
-          </p:contentPart>
-        </mc:Choice>
-        <mc:Fallback xmlns="">
-          <p:pic>
-            <p:nvPicPr>
-              <p:cNvPr id="940" name="Ink 939">
-                <a:extLst>
-                  <a:ext uri="{FF2B5EF4-FFF2-40B4-BE49-F238E27FC236}">
-                    <a16:creationId xmlns:a16="http://schemas.microsoft.com/office/drawing/2014/main" id="{464E70DE-FE7D-4661-88DA-C3025FF468C4}"/>
-                  </a:ext>
-                </a:extLst>
-              </p:cNvPr>
-              <p:cNvPicPr/>
-              <p:nvPr/>
-            </p:nvPicPr>
-            <p:blipFill>
-              <a:blip r:embed="rId50"/>
-              <a:stretch>
-                <a:fillRect/>
-              </a:stretch>
-            </p:blipFill>
-            <p:spPr>
-              <a:xfrm>
-                <a:off x="8595028" y="11706150"/>
-                <a:ext cx="36000" cy="340200"/>
-              </a:xfrm>
-              <a:prstGeom prst="rect">
-                <a:avLst/>
-              </a:prstGeom>
-            </p:spPr>
-          </p:pic>
-        </mc:Fallback>
-      </mc:AlternateContent>
-      <mc:AlternateContent xmlns:mc="http://schemas.openxmlformats.org/markup-compatibility/2006" xmlns:p14="http://schemas.microsoft.com/office/powerpoint/2010/main">
-        <mc:Choice Requires="p14">
-          <p:contentPart p14:bwMode="auto" r:id="rId51">
-            <p14:nvContentPartPr>
-              <p14:cNvPr id="941" name="Ink 940">
-                <a:extLst>
-                  <a:ext uri="{FF2B5EF4-FFF2-40B4-BE49-F238E27FC236}">
-                    <a16:creationId xmlns:a16="http://schemas.microsoft.com/office/drawing/2014/main" id="{8954062B-9F87-DA85-01F2-023B116B6855}"/>
-                  </a:ext>
-                </a:extLst>
-              </p14:cNvPr>
-              <p14:cNvContentPartPr/>
-              <p14:nvPr/>
-            </p14:nvContentPartPr>
-            <p14:xfrm>
-              <a:off x="8613028" y="11443710"/>
-              <a:ext cx="360" cy="268920"/>
-            </p14:xfrm>
-          </p:contentPart>
-        </mc:Choice>
-        <mc:Fallback xmlns="">
-          <p:pic>
-            <p:nvPicPr>
-              <p:cNvPr id="941" name="Ink 940">
-                <a:extLst>
-                  <a:ext uri="{FF2B5EF4-FFF2-40B4-BE49-F238E27FC236}">
-                    <a16:creationId xmlns:a16="http://schemas.microsoft.com/office/drawing/2014/main" id="{8954062B-9F87-DA85-01F2-023B116B6855}"/>
-                  </a:ext>
-                </a:extLst>
-              </p:cNvPr>
-              <p:cNvPicPr/>
-              <p:nvPr/>
-            </p:nvPicPr>
-            <p:blipFill>
-              <a:blip r:embed="rId52"/>
-              <a:stretch>
-                <a:fillRect/>
-              </a:stretch>
-            </p:blipFill>
-            <p:spPr>
-              <a:xfrm>
-                <a:off x="8595028" y="11425710"/>
-                <a:ext cx="36000" cy="304560"/>
-              </a:xfrm>
-              <a:prstGeom prst="rect">
-                <a:avLst/>
-              </a:prstGeom>
-            </p:spPr>
-          </p:pic>
-        </mc:Fallback>
-      </mc:AlternateContent>
-      <mc:AlternateContent xmlns:mc="http://schemas.openxmlformats.org/markup-compatibility/2006" xmlns:p14="http://schemas.microsoft.com/office/powerpoint/2010/main">
-        <mc:Choice Requires="p14">
-          <p:contentPart p14:bwMode="auto" r:id="rId53">
-            <p14:nvContentPartPr>
-              <p14:cNvPr id="942" name="Ink 941">
-                <a:extLst>
-                  <a:ext uri="{FF2B5EF4-FFF2-40B4-BE49-F238E27FC236}">
-                    <a16:creationId xmlns:a16="http://schemas.microsoft.com/office/drawing/2014/main" id="{035DCB25-1FFD-DC1B-4F94-2EEB8610AC70}"/>
-                  </a:ext>
-                </a:extLst>
-              </p14:cNvPr>
-              <p14:cNvContentPartPr/>
-              <p14:nvPr/>
-            </p14:nvContentPartPr>
-            <p14:xfrm>
-              <a:off x="5911228" y="11381430"/>
-              <a:ext cx="360" cy="642600"/>
-            </p14:xfrm>
-          </p:contentPart>
-        </mc:Choice>
-        <mc:Fallback xmlns="">
-          <p:pic>
-            <p:nvPicPr>
-              <p:cNvPr id="942" name="Ink 941">
-                <a:extLst>
-                  <a:ext uri="{FF2B5EF4-FFF2-40B4-BE49-F238E27FC236}">
-                    <a16:creationId xmlns:a16="http://schemas.microsoft.com/office/drawing/2014/main" id="{035DCB25-1FFD-DC1B-4F94-2EEB8610AC70}"/>
-                  </a:ext>
-                </a:extLst>
-              </p:cNvPr>
-              <p:cNvPicPr/>
-              <p:nvPr/>
-            </p:nvPicPr>
-            <p:blipFill>
-              <a:blip r:embed="rId54"/>
-              <a:stretch>
-                <a:fillRect/>
-              </a:stretch>
-            </p:blipFill>
-            <p:spPr>
-              <a:xfrm>
-                <a:off x="5893228" y="11363430"/>
-                <a:ext cx="36000" cy="678240"/>
-              </a:xfrm>
-              <a:prstGeom prst="rect">
-                <a:avLst/>
-              </a:prstGeom>
-            </p:spPr>
-          </p:pic>
-        </mc:Fallback>
-      </mc:AlternateContent>
-      <mc:AlternateContent xmlns:mc="http://schemas.openxmlformats.org/markup-compatibility/2006" xmlns:p14="http://schemas.microsoft.com/office/powerpoint/2010/main">
-        <mc:Choice Requires="p14">
-          <p:contentPart p14:bwMode="auto" r:id="rId55">
-            <p14:nvContentPartPr>
-              <p14:cNvPr id="943" name="Ink 942">
-                <a:extLst>
-                  <a:ext uri="{FF2B5EF4-FFF2-40B4-BE49-F238E27FC236}">
-                    <a16:creationId xmlns:a16="http://schemas.microsoft.com/office/drawing/2014/main" id="{D763819C-F717-1F56-FCB4-C9125AE9D85C}"/>
-                  </a:ext>
-                </a:extLst>
-              </p14:cNvPr>
-              <p14:cNvContentPartPr/>
-              <p14:nvPr/>
-            </p14:nvContentPartPr>
-            <p14:xfrm>
-              <a:off x="6150268" y="11755470"/>
-              <a:ext cx="360" cy="276480"/>
-            </p14:xfrm>
-          </p:contentPart>
-        </mc:Choice>
-        <mc:Fallback xmlns="">
-          <p:pic>
-            <p:nvPicPr>
-              <p:cNvPr id="943" name="Ink 942">
-                <a:extLst>
-                  <a:ext uri="{FF2B5EF4-FFF2-40B4-BE49-F238E27FC236}">
-                    <a16:creationId xmlns:a16="http://schemas.microsoft.com/office/drawing/2014/main" id="{D763819C-F717-1F56-FCB4-C9125AE9D85C}"/>
-                  </a:ext>
-                </a:extLst>
-              </p:cNvPr>
-              <p:cNvPicPr/>
-              <p:nvPr/>
-            </p:nvPicPr>
-            <p:blipFill>
-              <a:blip r:embed="rId56"/>
-              <a:stretch>
-                <a:fillRect/>
-              </a:stretch>
-            </p:blipFill>
-            <p:spPr>
-              <a:xfrm>
-                <a:off x="6132268" y="11737447"/>
-                <a:ext cx="36000" cy="312166"/>
-              </a:xfrm>
-              <a:prstGeom prst="rect">
-                <a:avLst/>
-              </a:prstGeom>
-            </p:spPr>
-          </p:pic>
-        </mc:Fallback>
-      </mc:AlternateContent>
-      <mc:AlternateContent xmlns:mc="http://schemas.openxmlformats.org/markup-compatibility/2006" xmlns:p14="http://schemas.microsoft.com/office/powerpoint/2010/main">
-        <mc:Choice Requires="p14">
-          <p:contentPart p14:bwMode="auto" r:id="rId57">
-            <p14:nvContentPartPr>
-              <p14:cNvPr id="944" name="Ink 943">
-                <a:extLst>
-                  <a:ext uri="{FF2B5EF4-FFF2-40B4-BE49-F238E27FC236}">
-                    <a16:creationId xmlns:a16="http://schemas.microsoft.com/office/drawing/2014/main" id="{667A931D-7022-A7A8-6AD8-1E3241A12D16}"/>
-                  </a:ext>
-                </a:extLst>
-              </p14:cNvPr>
-              <p14:cNvContentPartPr/>
-              <p14:nvPr/>
-            </p14:nvContentPartPr>
-            <p14:xfrm>
-              <a:off x="6856948" y="11734590"/>
-              <a:ext cx="360" cy="282240"/>
-            </p14:xfrm>
-          </p:contentPart>
-        </mc:Choice>
-        <mc:Fallback xmlns="">
-          <p:pic>
-            <p:nvPicPr>
-              <p:cNvPr id="944" name="Ink 943">
-                <a:extLst>
-                  <a:ext uri="{FF2B5EF4-FFF2-40B4-BE49-F238E27FC236}">
-                    <a16:creationId xmlns:a16="http://schemas.microsoft.com/office/drawing/2014/main" id="{667A931D-7022-A7A8-6AD8-1E3241A12D16}"/>
-                  </a:ext>
-                </a:extLst>
-              </p:cNvPr>
-              <p:cNvPicPr/>
-              <p:nvPr/>
-            </p:nvPicPr>
-            <p:blipFill>
-              <a:blip r:embed="rId58"/>
-              <a:stretch>
-                <a:fillRect/>
-              </a:stretch>
-            </p:blipFill>
-            <p:spPr>
-              <a:xfrm>
-                <a:off x="6838948" y="11716590"/>
-                <a:ext cx="36000" cy="317880"/>
-              </a:xfrm>
-              <a:prstGeom prst="rect">
-                <a:avLst/>
-              </a:prstGeom>
-            </p:spPr>
-          </p:pic>
-        </mc:Fallback>
-      </mc:AlternateContent>
-      <mc:AlternateContent xmlns:mc="http://schemas.openxmlformats.org/markup-compatibility/2006" xmlns:p14="http://schemas.microsoft.com/office/powerpoint/2010/main">
-        <mc:Choice Requires="p14">
-          <p:contentPart p14:bwMode="auto" r:id="rId59">
-            <p14:nvContentPartPr>
-              <p14:cNvPr id="945" name="Ink 944">
-                <a:extLst>
-                  <a:ext uri="{FF2B5EF4-FFF2-40B4-BE49-F238E27FC236}">
-                    <a16:creationId xmlns:a16="http://schemas.microsoft.com/office/drawing/2014/main" id="{0A8595C5-05C4-72CB-2913-DF8F1AEAE53B}"/>
-                  </a:ext>
-                </a:extLst>
-              </p14:cNvPr>
-              <p14:cNvContentPartPr/>
-              <p14:nvPr/>
-            </p14:nvContentPartPr>
-            <p14:xfrm>
-              <a:off x="7116868" y="11069310"/>
-              <a:ext cx="360" cy="951120"/>
-            </p14:xfrm>
-          </p:contentPart>
-        </mc:Choice>
-        <mc:Fallback xmlns="">
-          <p:pic>
-            <p:nvPicPr>
-              <p:cNvPr id="945" name="Ink 944">
-                <a:extLst>
-                  <a:ext uri="{FF2B5EF4-FFF2-40B4-BE49-F238E27FC236}">
-                    <a16:creationId xmlns:a16="http://schemas.microsoft.com/office/drawing/2014/main" id="{0A8595C5-05C4-72CB-2913-DF8F1AEAE53B}"/>
-                  </a:ext>
-                </a:extLst>
-              </p:cNvPr>
-              <p:cNvPicPr/>
-              <p:nvPr/>
-            </p:nvPicPr>
-            <p:blipFill>
-              <a:blip r:embed="rId60"/>
-              <a:stretch>
-                <a:fillRect/>
-              </a:stretch>
-            </p:blipFill>
-            <p:spPr>
-              <a:xfrm>
-                <a:off x="7098868" y="11051310"/>
-                <a:ext cx="36000" cy="986760"/>
-              </a:xfrm>
-              <a:prstGeom prst="rect">
-                <a:avLst/>
-              </a:prstGeom>
-            </p:spPr>
-          </p:pic>
-        </mc:Fallback>
-      </mc:AlternateContent>
-      <mc:AlternateContent xmlns:mc="http://schemas.openxmlformats.org/markup-compatibility/2006" xmlns:p14="http://schemas.microsoft.com/office/powerpoint/2010/main">
-        <mc:Choice Requires="p14">
-          <p:contentPart p14:bwMode="auto" r:id="rId61">
-            <p14:nvContentPartPr>
-              <p14:cNvPr id="946" name="Ink 945">
-                <a:extLst>
-                  <a:ext uri="{FF2B5EF4-FFF2-40B4-BE49-F238E27FC236}">
-                    <a16:creationId xmlns:a16="http://schemas.microsoft.com/office/drawing/2014/main" id="{5CF53962-0772-5118-3888-D23B82580DF2}"/>
-                  </a:ext>
-                </a:extLst>
-              </p14:cNvPr>
-              <p14:cNvContentPartPr/>
-              <p14:nvPr/>
-            </p14:nvContentPartPr>
-            <p14:xfrm>
-              <a:off x="7449148" y="11329590"/>
-              <a:ext cx="360" cy="699840"/>
-            </p14:xfrm>
-          </p:contentPart>
-        </mc:Choice>
-        <mc:Fallback xmlns="">
-          <p:pic>
-            <p:nvPicPr>
-              <p:cNvPr id="946" name="Ink 945">
-                <a:extLst>
-                  <a:ext uri="{FF2B5EF4-FFF2-40B4-BE49-F238E27FC236}">
-                    <a16:creationId xmlns:a16="http://schemas.microsoft.com/office/drawing/2014/main" id="{5CF53962-0772-5118-3888-D23B82580DF2}"/>
-                  </a:ext>
-                </a:extLst>
-              </p:cNvPr>
-              <p:cNvPicPr/>
-              <p:nvPr/>
-            </p:nvPicPr>
-            <p:blipFill>
-              <a:blip r:embed="rId62"/>
-              <a:stretch>
-                <a:fillRect/>
-              </a:stretch>
-            </p:blipFill>
-            <p:spPr>
-              <a:xfrm>
-                <a:off x="7431148" y="11311590"/>
-                <a:ext cx="36000" cy="735480"/>
-              </a:xfrm>
-              <a:prstGeom prst="rect">
-                <a:avLst/>
-              </a:prstGeom>
-            </p:spPr>
-          </p:pic>
-        </mc:Fallback>
-      </mc:AlternateContent>
-      <mc:AlternateContent xmlns:mc="http://schemas.openxmlformats.org/markup-compatibility/2006" xmlns:p14="http://schemas.microsoft.com/office/powerpoint/2010/main">
-        <mc:Choice Requires="p14">
-          <p:contentPart p14:bwMode="auto" r:id="rId63">
-            <p14:nvContentPartPr>
-              <p14:cNvPr id="947" name="Ink 946">
-                <a:extLst>
-                  <a:ext uri="{FF2B5EF4-FFF2-40B4-BE49-F238E27FC236}">
-                    <a16:creationId xmlns:a16="http://schemas.microsoft.com/office/drawing/2014/main" id="{981F2A61-BFEB-66E2-F714-5B3DB0544684}"/>
-                  </a:ext>
-                </a:extLst>
-              </p14:cNvPr>
-              <p14:cNvContentPartPr/>
-              <p14:nvPr/>
-            </p14:nvContentPartPr>
-            <p14:xfrm>
-              <a:off x="7885468" y="11080110"/>
-              <a:ext cx="360" cy="932400"/>
-            </p14:xfrm>
-          </p:contentPart>
-        </mc:Choice>
-        <mc:Fallback xmlns="">
-          <p:pic>
-            <p:nvPicPr>
-              <p:cNvPr id="947" name="Ink 946">
-                <a:extLst>
-                  <a:ext uri="{FF2B5EF4-FFF2-40B4-BE49-F238E27FC236}">
-                    <a16:creationId xmlns:a16="http://schemas.microsoft.com/office/drawing/2014/main" id="{981F2A61-BFEB-66E2-F714-5B3DB0544684}"/>
-                  </a:ext>
-                </a:extLst>
-              </p:cNvPr>
-              <p:cNvPicPr/>
-              <p:nvPr/>
-            </p:nvPicPr>
-            <p:blipFill>
-              <a:blip r:embed="rId64"/>
-              <a:stretch>
-                <a:fillRect/>
-              </a:stretch>
-            </p:blipFill>
-            <p:spPr>
-              <a:xfrm>
-                <a:off x="7867468" y="11062110"/>
-                <a:ext cx="36000" cy="968040"/>
-              </a:xfrm>
-              <a:prstGeom prst="rect">
-                <a:avLst/>
-              </a:prstGeom>
-            </p:spPr>
-          </p:pic>
-        </mc:Fallback>
-      </mc:AlternateContent>
-      <mc:AlternateContent xmlns:mc="http://schemas.openxmlformats.org/markup-compatibility/2006" xmlns:p14="http://schemas.microsoft.com/office/powerpoint/2010/main">
-        <mc:Choice Requires="p14">
-          <p:contentPart p14:bwMode="auto" r:id="rId65">
-            <p14:nvContentPartPr>
-              <p14:cNvPr id="949" name="Ink 948">
-                <a:extLst>
-                  <a:ext uri="{FF2B5EF4-FFF2-40B4-BE49-F238E27FC236}">
-                    <a16:creationId xmlns:a16="http://schemas.microsoft.com/office/drawing/2014/main" id="{7F893EAA-EB92-5196-FC81-9898B4BAB669}"/>
-                  </a:ext>
-                </a:extLst>
-              </p14:cNvPr>
-              <p14:cNvContentPartPr/>
-              <p14:nvPr/>
-            </p14:nvContentPartPr>
-            <p14:xfrm>
-              <a:off x="8031268" y="11838270"/>
-              <a:ext cx="360" cy="173880"/>
-            </p14:xfrm>
-          </p:contentPart>
-        </mc:Choice>
-        <mc:Fallback xmlns="">
-          <p:pic>
-            <p:nvPicPr>
-              <p:cNvPr id="949" name="Ink 948">
-                <a:extLst>
-                  <a:ext uri="{FF2B5EF4-FFF2-40B4-BE49-F238E27FC236}">
-                    <a16:creationId xmlns:a16="http://schemas.microsoft.com/office/drawing/2014/main" id="{7F893EAA-EB92-5196-FC81-9898B4BAB669}"/>
-                  </a:ext>
-                </a:extLst>
-              </p:cNvPr>
-              <p:cNvPicPr/>
-              <p:nvPr/>
-            </p:nvPicPr>
-            <p:blipFill>
-              <a:blip r:embed="rId66"/>
-              <a:stretch>
-                <a:fillRect/>
-              </a:stretch>
-            </p:blipFill>
-            <p:spPr>
-              <a:xfrm>
-                <a:off x="8013268" y="11820270"/>
-                <a:ext cx="36000" cy="209520"/>
-              </a:xfrm>
-              <a:prstGeom prst="rect">
-                <a:avLst/>
-              </a:prstGeom>
-            </p:spPr>
-          </p:pic>
-        </mc:Fallback>
-      </mc:AlternateContent>
-      <mc:AlternateContent xmlns:mc="http://schemas.openxmlformats.org/markup-compatibility/2006" xmlns:p14="http://schemas.microsoft.com/office/powerpoint/2010/main">
-        <mc:Choice Requires="p14">
-          <p:contentPart p14:bwMode="auto" r:id="rId67">
-            <p14:nvContentPartPr>
-              <p14:cNvPr id="950" name="Ink 949">
-                <a:extLst>
-                  <a:ext uri="{FF2B5EF4-FFF2-40B4-BE49-F238E27FC236}">
-                    <a16:creationId xmlns:a16="http://schemas.microsoft.com/office/drawing/2014/main" id="{384E9E65-D1AE-917F-E524-C1C24599C500}"/>
-                  </a:ext>
-                </a:extLst>
-              </p14:cNvPr>
-              <p14:cNvContentPartPr/>
-              <p14:nvPr/>
-            </p14:nvContentPartPr>
-            <p14:xfrm>
-              <a:off x="8966188" y="11828190"/>
-              <a:ext cx="360" cy="192240"/>
-            </p14:xfrm>
-          </p:contentPart>
-        </mc:Choice>
-        <mc:Fallback xmlns="">
-          <p:pic>
-            <p:nvPicPr>
-              <p:cNvPr id="950" name="Ink 949">
-                <a:extLst>
-                  <a:ext uri="{FF2B5EF4-FFF2-40B4-BE49-F238E27FC236}">
-                    <a16:creationId xmlns:a16="http://schemas.microsoft.com/office/drawing/2014/main" id="{384E9E65-D1AE-917F-E524-C1C24599C500}"/>
-                  </a:ext>
-                </a:extLst>
-              </p:cNvPr>
-              <p:cNvPicPr/>
-              <p:nvPr/>
-            </p:nvPicPr>
-            <p:blipFill>
-              <a:blip r:embed="rId68"/>
-              <a:stretch>
-                <a:fillRect/>
-              </a:stretch>
-            </p:blipFill>
-            <p:spPr>
-              <a:xfrm>
-                <a:off x="8948188" y="11810156"/>
-                <a:ext cx="36000" cy="227947"/>
-              </a:xfrm>
-              <a:prstGeom prst="rect">
-                <a:avLst/>
-              </a:prstGeom>
-            </p:spPr>
-          </p:pic>
-        </mc:Fallback>
-      </mc:AlternateContent>
-      <p:cxnSp>
-        <p:nvCxnSpPr>
-          <p:cNvPr id="951" name="Straight Arrow Connector 950">
-            <a:extLst>
-              <a:ext uri="{FF2B5EF4-FFF2-40B4-BE49-F238E27FC236}">
-                <a16:creationId xmlns:a16="http://schemas.microsoft.com/office/drawing/2014/main" id="{2E65CA61-33C1-D0F6-4163-8664066D59D9}"/>
-              </a:ext>
-            </a:extLst>
-          </p:cNvPr>
-          <p:cNvCxnSpPr/>
-          <p:nvPr/>
-        </p:nvCxnSpPr>
-        <p:spPr>
-          <a:xfrm>
-            <a:off x="6347908" y="11599758"/>
-            <a:ext cx="249120" cy="0"/>
-          </a:xfrm>
-          <a:prstGeom prst="straightConnector1">
-            <a:avLst/>
-          </a:prstGeom>
-          <a:ln>
-            <a:solidFill>
-              <a:srgbClr val="1168B2"/>
-            </a:solidFill>
-            <a:headEnd type="triangle"/>
-            <a:tailEnd type="triangle"/>
-          </a:ln>
-        </p:spPr>
-        <p:style>
-          <a:lnRef idx="1">
-            <a:schemeClr val="accent1"/>
-          </a:lnRef>
-          <a:fillRef idx="0">
-            <a:schemeClr val="accent1"/>
-          </a:fillRef>
-          <a:effectRef idx="0">
-            <a:schemeClr val="accent1"/>
-          </a:effectRef>
-          <a:fontRef idx="minor">
-            <a:schemeClr val="tx1"/>
-          </a:fontRef>
-        </p:style>
-      </p:cxnSp>
-      <p:cxnSp>
-        <p:nvCxnSpPr>
-          <p:cNvPr id="952" name="Straight Arrow Connector 951">
-            <a:extLst>
-              <a:ext uri="{FF2B5EF4-FFF2-40B4-BE49-F238E27FC236}">
-                <a16:creationId xmlns:a16="http://schemas.microsoft.com/office/drawing/2014/main" id="{A2CFBCFF-8B03-8CBB-BE50-8D73B1C1A28B}"/>
-              </a:ext>
-            </a:extLst>
-          </p:cNvPr>
-          <p:cNvCxnSpPr/>
-          <p:nvPr/>
-        </p:nvCxnSpPr>
-        <p:spPr>
-          <a:xfrm>
-            <a:off x="8349890" y="11596293"/>
-            <a:ext cx="249120" cy="0"/>
-          </a:xfrm>
-          <a:prstGeom prst="straightConnector1">
-            <a:avLst/>
-          </a:prstGeom>
-          <a:ln>
-            <a:solidFill>
-              <a:srgbClr val="E3342C"/>
-            </a:solidFill>
-            <a:headEnd type="triangle"/>
-            <a:tailEnd type="triangle"/>
-          </a:ln>
-        </p:spPr>
-        <p:style>
-          <a:lnRef idx="1">
-            <a:schemeClr val="accent1"/>
-          </a:lnRef>
-          <a:fillRef idx="0">
-            <a:schemeClr val="accent1"/>
-          </a:fillRef>
-          <a:effectRef idx="0">
-            <a:schemeClr val="accent1"/>
-          </a:effectRef>
-          <a:fontRef idx="minor">
-            <a:schemeClr val="tx1"/>
-          </a:fontRef>
-        </p:style>
-      </p:cxnSp>
-      <p:cxnSp>
-        <p:nvCxnSpPr>
-          <p:cNvPr id="953" name="Straight Arrow Connector 952">
-            <a:extLst>
-              <a:ext uri="{FF2B5EF4-FFF2-40B4-BE49-F238E27FC236}">
-                <a16:creationId xmlns:a16="http://schemas.microsoft.com/office/drawing/2014/main" id="{673C46F8-34B4-C62F-9397-E8DC1EE1971E}"/>
-              </a:ext>
-            </a:extLst>
-          </p:cNvPr>
-          <p:cNvCxnSpPr/>
-          <p:nvPr/>
-        </p:nvCxnSpPr>
-        <p:spPr>
-          <a:xfrm>
-            <a:off x="8183084" y="10253740"/>
-            <a:ext cx="249120" cy="0"/>
-          </a:xfrm>
-          <a:prstGeom prst="straightConnector1">
-            <a:avLst/>
-          </a:prstGeom>
-          <a:ln>
-            <a:solidFill>
-              <a:srgbClr val="1168B2"/>
-            </a:solidFill>
-            <a:headEnd type="triangle"/>
-            <a:tailEnd type="triangle"/>
-          </a:ln>
-        </p:spPr>
-        <p:style>
-          <a:lnRef idx="1">
-            <a:schemeClr val="accent1"/>
-          </a:lnRef>
-          <a:fillRef idx="0">
-            <a:schemeClr val="accent1"/>
-          </a:fillRef>
-          <a:effectRef idx="0">
-            <a:schemeClr val="accent1"/>
-          </a:effectRef>
-          <a:fontRef idx="minor">
-            <a:schemeClr val="tx1"/>
-          </a:fontRef>
-        </p:style>
-      </p:cxnSp>
-      <p:cxnSp>
-        <p:nvCxnSpPr>
-          <p:cNvPr id="954" name="Straight Arrow Connector 953">
-            <a:extLst>
-              <a:ext uri="{FF2B5EF4-FFF2-40B4-BE49-F238E27FC236}">
-                <a16:creationId xmlns:a16="http://schemas.microsoft.com/office/drawing/2014/main" id="{9967B786-96CE-D6BC-0993-B56C67CF302A}"/>
-              </a:ext>
-            </a:extLst>
-          </p:cNvPr>
-          <p:cNvCxnSpPr/>
-          <p:nvPr/>
-        </p:nvCxnSpPr>
-        <p:spPr>
-          <a:xfrm>
-            <a:off x="8183084" y="10391954"/>
-            <a:ext cx="249120" cy="0"/>
-          </a:xfrm>
-          <a:prstGeom prst="straightConnector1">
-            <a:avLst/>
-          </a:prstGeom>
-          <a:ln>
-            <a:solidFill>
-              <a:srgbClr val="E3342C"/>
-            </a:solidFill>
-            <a:headEnd type="triangle"/>
-            <a:tailEnd type="triangle"/>
-          </a:ln>
-        </p:spPr>
-        <p:style>
-          <a:lnRef idx="1">
-            <a:schemeClr val="accent1"/>
-          </a:lnRef>
-          <a:fillRef idx="0">
-            <a:schemeClr val="accent1"/>
-          </a:fillRef>
-          <a:effectRef idx="0">
-            <a:schemeClr val="accent1"/>
-          </a:effectRef>
-          <a:fontRef idx="minor">
-            <a:schemeClr val="tx1"/>
-          </a:fontRef>
-        </p:style>
-      </p:cxnSp>
-      <mc:AlternateContent xmlns:mc="http://schemas.openxmlformats.org/markup-compatibility/2006" xmlns:p14="http://schemas.microsoft.com/office/powerpoint/2010/main">
-        <mc:Choice Requires="p14">
-          <p:contentPart p14:bwMode="auto" r:id="rId69">
-            <p14:nvContentPartPr>
-              <p14:cNvPr id="957" name="Ink 956">
-                <a:extLst>
-                  <a:ext uri="{FF2B5EF4-FFF2-40B4-BE49-F238E27FC236}">
-                    <a16:creationId xmlns:a16="http://schemas.microsoft.com/office/drawing/2014/main" id="{29BCD261-FA73-7A1D-EB45-D072B80BD432}"/>
-                  </a:ext>
-                </a:extLst>
-              </p14:cNvPr>
-              <p14:cNvContentPartPr/>
-              <p14:nvPr/>
-            </p14:nvContentPartPr>
-            <p14:xfrm>
-              <a:off x="1523736" y="14193367"/>
-              <a:ext cx="3746160" cy="360"/>
-            </p14:xfrm>
-          </p:contentPart>
-        </mc:Choice>
-        <mc:Fallback xmlns="">
-          <p:pic>
-            <p:nvPicPr>
-              <p:cNvPr id="957" name="Ink 956">
-                <a:extLst>
-                  <a:ext uri="{FF2B5EF4-FFF2-40B4-BE49-F238E27FC236}">
-                    <a16:creationId xmlns:a16="http://schemas.microsoft.com/office/drawing/2014/main" id="{29BCD261-FA73-7A1D-EB45-D072B80BD432}"/>
-                  </a:ext>
-                </a:extLst>
-              </p:cNvPr>
-              <p:cNvPicPr/>
-              <p:nvPr/>
-            </p:nvPicPr>
-            <p:blipFill>
-              <a:blip r:embed="rId16"/>
-              <a:stretch>
-                <a:fillRect/>
-              </a:stretch>
-            </p:blipFill>
-            <p:spPr>
-              <a:xfrm>
-                <a:off x="1505736" y="14175367"/>
-                <a:ext cx="3781800" cy="36000"/>
-              </a:xfrm>
-              <a:prstGeom prst="rect">
-                <a:avLst/>
-              </a:prstGeom>
-            </p:spPr>
-          </p:pic>
-        </mc:Fallback>
-      </mc:AlternateContent>
-      <mc:AlternateContent xmlns:mc="http://schemas.openxmlformats.org/markup-compatibility/2006" xmlns:p14="http://schemas.microsoft.com/office/powerpoint/2010/main">
-        <mc:Choice Requires="p14">
-          <p:contentPart p14:bwMode="auto" r:id="rId70">
-            <p14:nvContentPartPr>
-              <p14:cNvPr id="959" name="Ink 958">
-                <a:extLst>
-                  <a:ext uri="{FF2B5EF4-FFF2-40B4-BE49-F238E27FC236}">
-                    <a16:creationId xmlns:a16="http://schemas.microsoft.com/office/drawing/2014/main" id="{1A162E0F-8B1B-EB78-E88A-5F5DF637FAF2}"/>
-                  </a:ext>
-                </a:extLst>
-              </p14:cNvPr>
-              <p14:cNvContentPartPr/>
-              <p14:nvPr/>
-            </p14:nvContentPartPr>
-            <p14:xfrm>
-              <a:off x="1520136" y="12449527"/>
-              <a:ext cx="360" cy="1729800"/>
-            </p14:xfrm>
-          </p:contentPart>
-        </mc:Choice>
-        <mc:Fallback xmlns="">
-          <p:pic>
-            <p:nvPicPr>
-              <p:cNvPr id="959" name="Ink 958">
-                <a:extLst>
-                  <a:ext uri="{FF2B5EF4-FFF2-40B4-BE49-F238E27FC236}">
-                    <a16:creationId xmlns:a16="http://schemas.microsoft.com/office/drawing/2014/main" id="{1A162E0F-8B1B-EB78-E88A-5F5DF637FAF2}"/>
-                  </a:ext>
-                </a:extLst>
-              </p:cNvPr>
-              <p:cNvPicPr/>
-              <p:nvPr/>
-            </p:nvPicPr>
-            <p:blipFill>
-              <a:blip r:embed="rId18"/>
-              <a:stretch>
-                <a:fillRect/>
-              </a:stretch>
-            </p:blipFill>
-            <p:spPr>
-              <a:xfrm>
-                <a:off x="1502136" y="12431527"/>
-                <a:ext cx="36000" cy="1765440"/>
-              </a:xfrm>
-              <a:prstGeom prst="rect">
-                <a:avLst/>
-              </a:prstGeom>
-            </p:spPr>
-          </p:pic>
-        </mc:Fallback>
-      </mc:AlternateContent>
-      <mc:AlternateContent xmlns:mc="http://schemas.openxmlformats.org/markup-compatibility/2006" xmlns:p14="http://schemas.microsoft.com/office/powerpoint/2010/main">
-        <mc:Choice Requires="p14">
-          <p:contentPart p14:bwMode="auto" r:id="rId71">
-            <p14:nvContentPartPr>
-              <p14:cNvPr id="1344" name="Ink 1343">
-                <a:extLst>
-                  <a:ext uri="{FF2B5EF4-FFF2-40B4-BE49-F238E27FC236}">
-                    <a16:creationId xmlns:a16="http://schemas.microsoft.com/office/drawing/2014/main" id="{02E20680-C42B-BCC0-FBC5-B3333A64D3BA}"/>
-                  </a:ext>
-                </a:extLst>
-              </p14:cNvPr>
-              <p14:cNvContentPartPr/>
-              <p14:nvPr/>
-            </p14:nvContentPartPr>
-            <p14:xfrm>
-              <a:off x="2076879" y="12974796"/>
-              <a:ext cx="360" cy="1192680"/>
-            </p14:xfrm>
-          </p:contentPart>
-        </mc:Choice>
-        <mc:Fallback xmlns="">
-          <p:pic>
-            <p:nvPicPr>
-              <p:cNvPr id="1344" name="Ink 1343">
-                <a:extLst>
-                  <a:ext uri="{FF2B5EF4-FFF2-40B4-BE49-F238E27FC236}">
-                    <a16:creationId xmlns:a16="http://schemas.microsoft.com/office/drawing/2014/main" id="{02E20680-C42B-BCC0-FBC5-B3333A64D3BA}"/>
-                  </a:ext>
-                </a:extLst>
-              </p:cNvPr>
-              <p:cNvPicPr/>
-              <p:nvPr/>
-            </p:nvPicPr>
-            <p:blipFill>
-              <a:blip r:embed="rId72"/>
-              <a:stretch>
-                <a:fillRect/>
-              </a:stretch>
-            </p:blipFill>
-            <p:spPr>
-              <a:xfrm>
-                <a:off x="2058879" y="12956796"/>
-                <a:ext cx="36000" cy="1228320"/>
-              </a:xfrm>
-              <a:prstGeom prst="rect">
-                <a:avLst/>
-              </a:prstGeom>
-            </p:spPr>
-          </p:pic>
-        </mc:Fallback>
-      </mc:AlternateContent>
-      <mc:AlternateContent xmlns:mc="http://schemas.openxmlformats.org/markup-compatibility/2006" xmlns:p14="http://schemas.microsoft.com/office/powerpoint/2010/main">
-        <mc:Choice Requires="p14">
-          <p:contentPart p14:bwMode="auto" r:id="rId73">
-            <p14:nvContentPartPr>
-              <p14:cNvPr id="1345" name="Ink 1344">
-                <a:extLst>
-                  <a:ext uri="{FF2B5EF4-FFF2-40B4-BE49-F238E27FC236}">
-                    <a16:creationId xmlns:a16="http://schemas.microsoft.com/office/drawing/2014/main" id="{662D6D64-0235-7729-4CF2-7D13CEE1FADA}"/>
-                  </a:ext>
-                </a:extLst>
-              </p14:cNvPr>
-              <p14:cNvContentPartPr/>
-              <p14:nvPr/>
-            </p14:nvContentPartPr>
-            <p14:xfrm>
-              <a:off x="2502759" y="13681476"/>
-              <a:ext cx="360" cy="501840"/>
-            </p14:xfrm>
-          </p:contentPart>
-        </mc:Choice>
-        <mc:Fallback xmlns="">
-          <p:pic>
-            <p:nvPicPr>
-              <p:cNvPr id="1345" name="Ink 1344">
-                <a:extLst>
-                  <a:ext uri="{FF2B5EF4-FFF2-40B4-BE49-F238E27FC236}">
-                    <a16:creationId xmlns:a16="http://schemas.microsoft.com/office/drawing/2014/main" id="{662D6D64-0235-7729-4CF2-7D13CEE1FADA}"/>
-                  </a:ext>
-                </a:extLst>
-              </p:cNvPr>
-              <p:cNvPicPr/>
-              <p:nvPr/>
-            </p:nvPicPr>
-            <p:blipFill>
-              <a:blip r:embed="rId74"/>
-              <a:stretch>
-                <a:fillRect/>
-              </a:stretch>
-            </p:blipFill>
-            <p:spPr>
-              <a:xfrm>
-                <a:off x="2484759" y="13663476"/>
-                <a:ext cx="36000" cy="537480"/>
-              </a:xfrm>
-              <a:prstGeom prst="rect">
-                <a:avLst/>
-              </a:prstGeom>
-            </p:spPr>
-          </p:pic>
-        </mc:Fallback>
-      </mc:AlternateContent>
-      <mc:AlternateContent xmlns:mc="http://schemas.openxmlformats.org/markup-compatibility/2006" xmlns:p14="http://schemas.microsoft.com/office/powerpoint/2010/main">
-        <mc:Choice Requires="p14">
-          <p:contentPart p14:bwMode="auto" r:id="rId75">
-            <p14:nvContentPartPr>
-              <p14:cNvPr id="1346" name="Ink 1345">
-                <a:extLst>
-                  <a:ext uri="{FF2B5EF4-FFF2-40B4-BE49-F238E27FC236}">
-                    <a16:creationId xmlns:a16="http://schemas.microsoft.com/office/drawing/2014/main" id="{78E7F083-C19C-1F99-51D5-BA84D9CF88B9}"/>
-                  </a:ext>
-                </a:extLst>
-              </p14:cNvPr>
-              <p14:cNvContentPartPr/>
-              <p14:nvPr/>
-            </p14:nvContentPartPr>
-            <p14:xfrm>
-              <a:off x="3053559" y="13192956"/>
-              <a:ext cx="360" cy="981720"/>
-            </p14:xfrm>
-          </p:contentPart>
-        </mc:Choice>
-        <mc:Fallback xmlns="">
-          <p:pic>
-            <p:nvPicPr>
-              <p:cNvPr id="1346" name="Ink 1345">
-                <a:extLst>
-                  <a:ext uri="{FF2B5EF4-FFF2-40B4-BE49-F238E27FC236}">
-                    <a16:creationId xmlns:a16="http://schemas.microsoft.com/office/drawing/2014/main" id="{78E7F083-C19C-1F99-51D5-BA84D9CF88B9}"/>
-                  </a:ext>
-                </a:extLst>
-              </p:cNvPr>
-              <p:cNvPicPr/>
-              <p:nvPr/>
-            </p:nvPicPr>
-            <p:blipFill>
-              <a:blip r:embed="rId76"/>
-              <a:stretch>
-                <a:fillRect/>
-              </a:stretch>
-            </p:blipFill>
-            <p:spPr>
-              <a:xfrm>
-                <a:off x="3035559" y="13174956"/>
-                <a:ext cx="36000" cy="1017360"/>
-              </a:xfrm>
-              <a:prstGeom prst="rect">
-                <a:avLst/>
-              </a:prstGeom>
-            </p:spPr>
-          </p:pic>
-        </mc:Fallback>
-      </mc:AlternateContent>
-      <mc:AlternateContent xmlns:mc="http://schemas.openxmlformats.org/markup-compatibility/2006" xmlns:p14="http://schemas.microsoft.com/office/powerpoint/2010/main">
-        <mc:Choice Requires="p14">
-          <p:contentPart p14:bwMode="auto" r:id="rId77">
-            <p14:nvContentPartPr>
-              <p14:cNvPr id="1347" name="Ink 1346">
-                <a:extLst>
-                  <a:ext uri="{FF2B5EF4-FFF2-40B4-BE49-F238E27FC236}">
-                    <a16:creationId xmlns:a16="http://schemas.microsoft.com/office/drawing/2014/main" id="{64D1B381-4CBD-C118-6265-5696EE881D63}"/>
-                  </a:ext>
-                </a:extLst>
-              </p14:cNvPr>
-              <p14:cNvContentPartPr/>
-              <p14:nvPr/>
-            </p14:nvContentPartPr>
-            <p14:xfrm>
-              <a:off x="3759879" y="12735756"/>
-              <a:ext cx="360" cy="1437480"/>
-            </p14:xfrm>
-          </p:contentPart>
-        </mc:Choice>
-        <mc:Fallback xmlns="">
-          <p:pic>
-            <p:nvPicPr>
-              <p:cNvPr id="1347" name="Ink 1346">
-                <a:extLst>
-                  <a:ext uri="{FF2B5EF4-FFF2-40B4-BE49-F238E27FC236}">
-                    <a16:creationId xmlns:a16="http://schemas.microsoft.com/office/drawing/2014/main" id="{64D1B381-4CBD-C118-6265-5696EE881D63}"/>
-                  </a:ext>
-                </a:extLst>
-              </p:cNvPr>
-              <p:cNvPicPr/>
-              <p:nvPr/>
-            </p:nvPicPr>
-            <p:blipFill>
-              <a:blip r:embed="rId78"/>
-              <a:stretch>
-                <a:fillRect/>
-              </a:stretch>
-            </p:blipFill>
-            <p:spPr>
-              <a:xfrm>
-                <a:off x="3741879" y="12717756"/>
-                <a:ext cx="36000" cy="1473120"/>
-              </a:xfrm>
-              <a:prstGeom prst="rect">
-                <a:avLst/>
-              </a:prstGeom>
-            </p:spPr>
-          </p:pic>
-        </mc:Fallback>
-      </mc:AlternateContent>
-      <mc:AlternateContent xmlns:mc="http://schemas.openxmlformats.org/markup-compatibility/2006" xmlns:p14="http://schemas.microsoft.com/office/powerpoint/2010/main">
-        <mc:Choice Requires="p14">
-          <p:contentPart p14:bwMode="auto" r:id="rId79">
-            <p14:nvContentPartPr>
-              <p14:cNvPr id="1348" name="Ink 1347">
-                <a:extLst>
-                  <a:ext uri="{FF2B5EF4-FFF2-40B4-BE49-F238E27FC236}">
-                    <a16:creationId xmlns:a16="http://schemas.microsoft.com/office/drawing/2014/main" id="{0187B009-50F6-B635-3CAE-F01A0C9E483F}"/>
-                  </a:ext>
-                </a:extLst>
-              </p14:cNvPr>
-              <p14:cNvContentPartPr/>
-              <p14:nvPr/>
-            </p14:nvContentPartPr>
-            <p14:xfrm>
-              <a:off x="4279719" y="13764636"/>
-              <a:ext cx="360" cy="393120"/>
-            </p14:xfrm>
-          </p:contentPart>
-        </mc:Choice>
-        <mc:Fallback xmlns="">
-          <p:pic>
-            <p:nvPicPr>
-              <p:cNvPr id="1348" name="Ink 1347">
-                <a:extLst>
-                  <a:ext uri="{FF2B5EF4-FFF2-40B4-BE49-F238E27FC236}">
-                    <a16:creationId xmlns:a16="http://schemas.microsoft.com/office/drawing/2014/main" id="{0187B009-50F6-B635-3CAE-F01A0C9E483F}"/>
-                  </a:ext>
-                </a:extLst>
-              </p:cNvPr>
-              <p:cNvPicPr/>
-              <p:nvPr/>
-            </p:nvPicPr>
-            <p:blipFill>
-              <a:blip r:embed="rId80"/>
-              <a:stretch>
-                <a:fillRect/>
-              </a:stretch>
-            </p:blipFill>
-            <p:spPr>
-              <a:xfrm>
-                <a:off x="4261719" y="13746636"/>
-                <a:ext cx="36000" cy="428760"/>
-              </a:xfrm>
-              <a:prstGeom prst="rect">
-                <a:avLst/>
-              </a:prstGeom>
-            </p:spPr>
-          </p:pic>
-        </mc:Fallback>
-      </mc:AlternateContent>
-      <mc:AlternateContent xmlns:mc="http://schemas.openxmlformats.org/markup-compatibility/2006" xmlns:p14="http://schemas.microsoft.com/office/powerpoint/2010/main">
-        <mc:Choice Requires="p14">
-          <p:contentPart p14:bwMode="auto" r:id="rId81">
-            <p14:nvContentPartPr>
-              <p14:cNvPr id="1349" name="Ink 1348">
-                <a:extLst>
-                  <a:ext uri="{FF2B5EF4-FFF2-40B4-BE49-F238E27FC236}">
-                    <a16:creationId xmlns:a16="http://schemas.microsoft.com/office/drawing/2014/main" id="{12512E96-C431-F05D-E264-451AFC1663A5}"/>
-                  </a:ext>
-                </a:extLst>
-              </p14:cNvPr>
-              <p14:cNvContentPartPr/>
-              <p14:nvPr/>
-            </p14:nvContentPartPr>
-            <p14:xfrm>
-              <a:off x="4861479" y="13629636"/>
-              <a:ext cx="360" cy="547200"/>
-            </p14:xfrm>
-          </p:contentPart>
-        </mc:Choice>
-        <mc:Fallback xmlns="">
-          <p:pic>
-            <p:nvPicPr>
-              <p:cNvPr id="1349" name="Ink 1348">
-                <a:extLst>
-                  <a:ext uri="{FF2B5EF4-FFF2-40B4-BE49-F238E27FC236}">
-                    <a16:creationId xmlns:a16="http://schemas.microsoft.com/office/drawing/2014/main" id="{12512E96-C431-F05D-E264-451AFC1663A5}"/>
-                  </a:ext>
-                </a:extLst>
-              </p:cNvPr>
-              <p:cNvPicPr/>
-              <p:nvPr/>
-            </p:nvPicPr>
-            <p:blipFill>
-              <a:blip r:embed="rId82"/>
-              <a:stretch>
-                <a:fillRect/>
-              </a:stretch>
-            </p:blipFill>
-            <p:spPr>
-              <a:xfrm>
-                <a:off x="4843479" y="13611636"/>
-                <a:ext cx="36000" cy="582840"/>
-              </a:xfrm>
-              <a:prstGeom prst="rect">
-                <a:avLst/>
-              </a:prstGeom>
-            </p:spPr>
-          </p:pic>
-        </mc:Fallback>
-      </mc:AlternateContent>
-      <mc:AlternateContent xmlns:mc="http://schemas.openxmlformats.org/markup-compatibility/2006" xmlns:p14="http://schemas.microsoft.com/office/powerpoint/2010/main">
-        <mc:Choice Requires="p14">
-          <p:contentPart p14:bwMode="auto" r:id="rId83">
-            <p14:nvContentPartPr>
-              <p14:cNvPr id="1351" name="Ink 1350">
-                <a:extLst>
-                  <a:ext uri="{FF2B5EF4-FFF2-40B4-BE49-F238E27FC236}">
-                    <a16:creationId xmlns:a16="http://schemas.microsoft.com/office/drawing/2014/main" id="{DF08A0E5-E4B0-1A60-93F5-64FD2B198F32}"/>
-                  </a:ext>
-                </a:extLst>
-              </p14:cNvPr>
-              <p14:cNvContentPartPr/>
-              <p14:nvPr/>
-            </p14:nvContentPartPr>
-            <p14:xfrm>
-              <a:off x="5590788" y="14198699"/>
-              <a:ext cx="3746160" cy="360"/>
-            </p14:xfrm>
-          </p:contentPart>
-        </mc:Choice>
-        <mc:Fallback xmlns="">
-          <p:pic>
-            <p:nvPicPr>
-              <p:cNvPr id="1351" name="Ink 1350">
-                <a:extLst>
-                  <a:ext uri="{FF2B5EF4-FFF2-40B4-BE49-F238E27FC236}">
-                    <a16:creationId xmlns:a16="http://schemas.microsoft.com/office/drawing/2014/main" id="{DF08A0E5-E4B0-1A60-93F5-64FD2B198F32}"/>
-                  </a:ext>
-                </a:extLst>
-              </p:cNvPr>
-              <p:cNvPicPr/>
-              <p:nvPr/>
-            </p:nvPicPr>
-            <p:blipFill>
-              <a:blip r:embed="rId16"/>
-              <a:stretch>
-                <a:fillRect/>
-              </a:stretch>
-            </p:blipFill>
-            <p:spPr>
-              <a:xfrm>
-                <a:off x="5572788" y="14180699"/>
-                <a:ext cx="3781800" cy="36000"/>
-              </a:xfrm>
-              <a:prstGeom prst="rect">
-                <a:avLst/>
-              </a:prstGeom>
-            </p:spPr>
-          </p:pic>
-        </mc:Fallback>
-      </mc:AlternateContent>
-      <mc:AlternateContent xmlns:mc="http://schemas.openxmlformats.org/markup-compatibility/2006" xmlns:p14="http://schemas.microsoft.com/office/powerpoint/2010/main">
-        <mc:Choice Requires="p14">
-          <p:contentPart p14:bwMode="auto" r:id="rId84">
-            <p14:nvContentPartPr>
-              <p14:cNvPr id="1352" name="Ink 1351">
-                <a:extLst>
-                  <a:ext uri="{FF2B5EF4-FFF2-40B4-BE49-F238E27FC236}">
-                    <a16:creationId xmlns:a16="http://schemas.microsoft.com/office/drawing/2014/main" id="{F622C92E-EBC7-3FF5-F73D-7FCC54F0FB57}"/>
-                  </a:ext>
-                </a:extLst>
-              </p14:cNvPr>
-              <p14:cNvContentPartPr/>
-              <p14:nvPr/>
-            </p14:nvContentPartPr>
-            <p14:xfrm>
-              <a:off x="5587188" y="12454859"/>
-              <a:ext cx="360" cy="1729800"/>
-            </p14:xfrm>
-          </p:contentPart>
-        </mc:Choice>
-        <mc:Fallback xmlns="">
-          <p:pic>
-            <p:nvPicPr>
-              <p:cNvPr id="1352" name="Ink 1351">
-                <a:extLst>
-                  <a:ext uri="{FF2B5EF4-FFF2-40B4-BE49-F238E27FC236}">
-                    <a16:creationId xmlns:a16="http://schemas.microsoft.com/office/drawing/2014/main" id="{F622C92E-EBC7-3FF5-F73D-7FCC54F0FB57}"/>
-                  </a:ext>
-                </a:extLst>
-              </p:cNvPr>
-              <p:cNvPicPr/>
-              <p:nvPr/>
-            </p:nvPicPr>
-            <p:blipFill>
-              <a:blip r:embed="rId18"/>
-              <a:stretch>
-                <a:fillRect/>
-              </a:stretch>
-            </p:blipFill>
-            <p:spPr>
-              <a:xfrm>
-                <a:off x="5569188" y="12436859"/>
-                <a:ext cx="36000" cy="1765440"/>
-              </a:xfrm>
-              <a:prstGeom prst="rect">
-                <a:avLst/>
-              </a:prstGeom>
-            </p:spPr>
-          </p:pic>
-        </mc:Fallback>
-      </mc:AlternateContent>
-      <mc:AlternateContent xmlns:mc="http://schemas.openxmlformats.org/markup-compatibility/2006" xmlns:p14="http://schemas.microsoft.com/office/powerpoint/2010/main">
-        <mc:Choice Requires="p14">
-          <p:contentPart p14:bwMode="auto" r:id="rId85">
-            <p14:nvContentPartPr>
-              <p14:cNvPr id="1353" name="Ink 1352">
-                <a:extLst>
-                  <a:ext uri="{FF2B5EF4-FFF2-40B4-BE49-F238E27FC236}">
-                    <a16:creationId xmlns:a16="http://schemas.microsoft.com/office/drawing/2014/main" id="{70747CE4-DA50-2232-F0D6-C0F37AA88208}"/>
-                  </a:ext>
-                </a:extLst>
-              </p14:cNvPr>
-              <p14:cNvContentPartPr/>
-              <p14:nvPr/>
-            </p14:nvContentPartPr>
-            <p14:xfrm>
-              <a:off x="6493708" y="13870183"/>
-              <a:ext cx="360" cy="295920"/>
-            </p14:xfrm>
-          </p:contentPart>
-        </mc:Choice>
-        <mc:Fallback xmlns="">
-          <p:pic>
-            <p:nvPicPr>
-              <p:cNvPr id="1353" name="Ink 1352">
-                <a:extLst>
-                  <a:ext uri="{FF2B5EF4-FFF2-40B4-BE49-F238E27FC236}">
-                    <a16:creationId xmlns:a16="http://schemas.microsoft.com/office/drawing/2014/main" id="{70747CE4-DA50-2232-F0D6-C0F37AA88208}"/>
-                  </a:ext>
-                </a:extLst>
-              </p:cNvPr>
-              <p:cNvPicPr/>
-              <p:nvPr/>
-            </p:nvPicPr>
-            <p:blipFill>
-              <a:blip r:embed="rId86"/>
-              <a:stretch>
-                <a:fillRect/>
-              </a:stretch>
-            </p:blipFill>
-            <p:spPr>
-              <a:xfrm>
-                <a:off x="6475708" y="13852183"/>
-                <a:ext cx="36000" cy="331560"/>
-              </a:xfrm>
-              <a:prstGeom prst="rect">
-                <a:avLst/>
-              </a:prstGeom>
-            </p:spPr>
-          </p:pic>
-        </mc:Fallback>
-      </mc:AlternateContent>
-      <mc:AlternateContent xmlns:mc="http://schemas.openxmlformats.org/markup-compatibility/2006" xmlns:p14="http://schemas.microsoft.com/office/powerpoint/2010/main">
-        <mc:Choice Requires="p14">
-          <p:contentPart p14:bwMode="auto" r:id="rId87">
-            <p14:nvContentPartPr>
-              <p14:cNvPr id="1354" name="Ink 1353">
-                <a:extLst>
-                  <a:ext uri="{FF2B5EF4-FFF2-40B4-BE49-F238E27FC236}">
-                    <a16:creationId xmlns:a16="http://schemas.microsoft.com/office/drawing/2014/main" id="{CE2E70C2-AEB4-59C4-C47B-84A50394776D}"/>
-                  </a:ext>
-                </a:extLst>
-              </p14:cNvPr>
-              <p14:cNvContentPartPr/>
-              <p14:nvPr/>
-            </p14:nvContentPartPr>
-            <p14:xfrm>
-              <a:off x="6878188" y="13288423"/>
-              <a:ext cx="360" cy="875520"/>
-            </p14:xfrm>
-          </p:contentPart>
-        </mc:Choice>
-        <mc:Fallback xmlns="">
-          <p:pic>
-            <p:nvPicPr>
-              <p:cNvPr id="1354" name="Ink 1353">
-                <a:extLst>
-                  <a:ext uri="{FF2B5EF4-FFF2-40B4-BE49-F238E27FC236}">
-                    <a16:creationId xmlns:a16="http://schemas.microsoft.com/office/drawing/2014/main" id="{CE2E70C2-AEB4-59C4-C47B-84A50394776D}"/>
-                  </a:ext>
-                </a:extLst>
-              </p:cNvPr>
-              <p:cNvPicPr/>
-              <p:nvPr/>
-            </p:nvPicPr>
-            <p:blipFill>
-              <a:blip r:embed="rId88"/>
-              <a:stretch>
-                <a:fillRect/>
-              </a:stretch>
-            </p:blipFill>
-            <p:spPr>
-              <a:xfrm>
-                <a:off x="6860188" y="13270423"/>
-                <a:ext cx="36000" cy="911160"/>
-              </a:xfrm>
-              <a:prstGeom prst="rect">
-                <a:avLst/>
-              </a:prstGeom>
-            </p:spPr>
-          </p:pic>
-        </mc:Fallback>
-      </mc:AlternateContent>
-      <mc:AlternateContent xmlns:mc="http://schemas.openxmlformats.org/markup-compatibility/2006" xmlns:p14="http://schemas.microsoft.com/office/powerpoint/2010/main">
-        <mc:Choice Requires="p14">
-          <p:contentPart p14:bwMode="auto" r:id="rId89">
-            <p14:nvContentPartPr>
-              <p14:cNvPr id="1355" name="Ink 1354">
-                <a:extLst>
-                  <a:ext uri="{FF2B5EF4-FFF2-40B4-BE49-F238E27FC236}">
-                    <a16:creationId xmlns:a16="http://schemas.microsoft.com/office/drawing/2014/main" id="{489AE144-D0EF-FB25-7261-D7341708CAF3}"/>
-                  </a:ext>
-                </a:extLst>
-              </p14:cNvPr>
-              <p14:cNvContentPartPr/>
-              <p14:nvPr/>
-            </p14:nvContentPartPr>
-            <p14:xfrm>
-              <a:off x="7355908" y="13683343"/>
-              <a:ext cx="360" cy="486360"/>
-            </p14:xfrm>
-          </p:contentPart>
-        </mc:Choice>
-        <mc:Fallback xmlns="">
-          <p:pic>
-            <p:nvPicPr>
-              <p:cNvPr id="1355" name="Ink 1354">
-                <a:extLst>
-                  <a:ext uri="{FF2B5EF4-FFF2-40B4-BE49-F238E27FC236}">
-                    <a16:creationId xmlns:a16="http://schemas.microsoft.com/office/drawing/2014/main" id="{489AE144-D0EF-FB25-7261-D7341708CAF3}"/>
-                  </a:ext>
-                </a:extLst>
-              </p:cNvPr>
-              <p:cNvPicPr/>
-              <p:nvPr/>
-            </p:nvPicPr>
-            <p:blipFill>
-              <a:blip r:embed="rId90"/>
-              <a:stretch>
-                <a:fillRect/>
-              </a:stretch>
-            </p:blipFill>
-            <p:spPr>
-              <a:xfrm>
-                <a:off x="7337908" y="13665356"/>
-                <a:ext cx="36000" cy="521974"/>
-              </a:xfrm>
-              <a:prstGeom prst="rect">
-                <a:avLst/>
-              </a:prstGeom>
-            </p:spPr>
-          </p:pic>
-        </mc:Fallback>
-      </mc:AlternateContent>
-      <mc:AlternateContent xmlns:mc="http://schemas.openxmlformats.org/markup-compatibility/2006" xmlns:p14="http://schemas.microsoft.com/office/powerpoint/2010/main">
-        <mc:Choice Requires="p14">
-          <p:contentPart p14:bwMode="auto" r:id="rId91">
-            <p14:nvContentPartPr>
-              <p14:cNvPr id="1356" name="Ink 1355">
-                <a:extLst>
-                  <a:ext uri="{FF2B5EF4-FFF2-40B4-BE49-F238E27FC236}">
-                    <a16:creationId xmlns:a16="http://schemas.microsoft.com/office/drawing/2014/main" id="{64D5C8D2-DDE5-8B70-DED1-07D243D1A0DB}"/>
-                  </a:ext>
-                </a:extLst>
-              </p14:cNvPr>
-              <p14:cNvContentPartPr/>
-              <p14:nvPr/>
-            </p14:nvContentPartPr>
-            <p14:xfrm>
-              <a:off x="7938028" y="13849303"/>
-              <a:ext cx="360" cy="326160"/>
-            </p14:xfrm>
-          </p:contentPart>
-        </mc:Choice>
-        <mc:Fallback xmlns="">
-          <p:pic>
-            <p:nvPicPr>
-              <p:cNvPr id="1356" name="Ink 1355">
-                <a:extLst>
-                  <a:ext uri="{FF2B5EF4-FFF2-40B4-BE49-F238E27FC236}">
-                    <a16:creationId xmlns:a16="http://schemas.microsoft.com/office/drawing/2014/main" id="{64D5C8D2-DDE5-8B70-DED1-07D243D1A0DB}"/>
-                  </a:ext>
-                </a:extLst>
-              </p:cNvPr>
-              <p:cNvPicPr/>
-              <p:nvPr/>
-            </p:nvPicPr>
-            <p:blipFill>
-              <a:blip r:embed="rId92"/>
-              <a:stretch>
-                <a:fillRect/>
-              </a:stretch>
-            </p:blipFill>
-            <p:spPr>
-              <a:xfrm>
-                <a:off x="7920028" y="13831303"/>
-                <a:ext cx="36000" cy="361800"/>
-              </a:xfrm>
-              <a:prstGeom prst="rect">
-                <a:avLst/>
-              </a:prstGeom>
-            </p:spPr>
-          </p:pic>
-        </mc:Fallback>
-      </mc:AlternateContent>
-      <mc:AlternateContent xmlns:mc="http://schemas.openxmlformats.org/markup-compatibility/2006" xmlns:p14="http://schemas.microsoft.com/office/powerpoint/2010/main">
-        <mc:Choice Requires="p14">
-          <p:contentPart p14:bwMode="auto" r:id="rId93">
-            <p14:nvContentPartPr>
-              <p14:cNvPr id="1357" name="Ink 1356">
-                <a:extLst>
-                  <a:ext uri="{FF2B5EF4-FFF2-40B4-BE49-F238E27FC236}">
-                    <a16:creationId xmlns:a16="http://schemas.microsoft.com/office/drawing/2014/main" id="{FF611105-25F5-B65C-D7FE-0E00C3006AA3}"/>
-                  </a:ext>
-                </a:extLst>
-              </p14:cNvPr>
-              <p14:cNvContentPartPr/>
-              <p14:nvPr/>
-            </p14:nvContentPartPr>
-            <p14:xfrm>
-              <a:off x="8675668" y="13039303"/>
-              <a:ext cx="360" cy="1126800"/>
-            </p14:xfrm>
-          </p:contentPart>
-        </mc:Choice>
-        <mc:Fallback xmlns="">
-          <p:pic>
-            <p:nvPicPr>
-              <p:cNvPr id="1357" name="Ink 1356">
-                <a:extLst>
-                  <a:ext uri="{FF2B5EF4-FFF2-40B4-BE49-F238E27FC236}">
-                    <a16:creationId xmlns:a16="http://schemas.microsoft.com/office/drawing/2014/main" id="{FF611105-25F5-B65C-D7FE-0E00C3006AA3}"/>
-                  </a:ext>
-                </a:extLst>
-              </p:cNvPr>
-              <p:cNvPicPr/>
-              <p:nvPr/>
-            </p:nvPicPr>
-            <p:blipFill>
-              <a:blip r:embed="rId94"/>
-              <a:stretch>
-                <a:fillRect/>
-              </a:stretch>
-            </p:blipFill>
-            <p:spPr>
-              <a:xfrm>
-                <a:off x="8657668" y="13021303"/>
-                <a:ext cx="36000" cy="1162440"/>
-              </a:xfrm>
-              <a:prstGeom prst="rect">
-                <a:avLst/>
-              </a:prstGeom>
-            </p:spPr>
-          </p:pic>
-        </mc:Fallback>
-      </mc:AlternateContent>
-      <p:sp>
-        <p:nvSpPr>
-          <p:cNvPr id="1358" name="TextBox 1357">
-            <a:extLst>
-              <a:ext uri="{FF2B5EF4-FFF2-40B4-BE49-F238E27FC236}">
-                <a16:creationId xmlns:a16="http://schemas.microsoft.com/office/drawing/2014/main" id="{E35B7292-A365-C416-B619-84074372DA8F}"/>
-              </a:ext>
-            </a:extLst>
-          </p:cNvPr>
-          <p:cNvSpPr txBox="1"/>
-          <p:nvPr/>
-        </p:nvSpPr>
-        <p:spPr>
-          <a:xfrm>
-            <a:off x="1520136" y="14193367"/>
-            <a:ext cx="3746160" cy="307777"/>
-          </a:xfrm>
-          <a:prstGeom prst="rect">
-            <a:avLst/>
-          </a:prstGeom>
-          <a:noFill/>
-        </p:spPr>
-        <p:txBody>
-          <a:bodyPr wrap="square" rtlCol="0">
-            <a:spAutoFit/>
-          </a:bodyPr>
-          <a:lstStyle/>
-          <a:p>
-            <a:r>
-              <a:rPr lang="de-AT" sz="1400" dirty="0"/>
-              <a:t>m/z</a:t>
-            </a:r>
-            <a:endParaRPr lang="en-US" sz="1400" dirty="0"/>
-          </a:p>
-        </p:txBody>
-      </p:sp>
-      <p:sp>
-        <p:nvSpPr>
-          <p:cNvPr id="1359" name="TextBox 1358">
-            <a:extLst>
-              <a:ext uri="{FF2B5EF4-FFF2-40B4-BE49-F238E27FC236}">
-                <a16:creationId xmlns:a16="http://schemas.microsoft.com/office/drawing/2014/main" id="{43E323DD-7A15-B22D-CE6B-A535BAA30C8E}"/>
-              </a:ext>
-            </a:extLst>
-          </p:cNvPr>
-          <p:cNvSpPr txBox="1"/>
-          <p:nvPr/>
-        </p:nvSpPr>
-        <p:spPr>
-          <a:xfrm>
-            <a:off x="5587188" y="14193367"/>
-            <a:ext cx="3756017" cy="307777"/>
-          </a:xfrm>
-          <a:prstGeom prst="rect">
-            <a:avLst/>
-          </a:prstGeom>
-          <a:noFill/>
-        </p:spPr>
-        <p:txBody>
-          <a:bodyPr wrap="square" rtlCol="0">
-            <a:spAutoFit/>
-          </a:bodyPr>
-          <a:lstStyle/>
-          <a:p>
-            <a:r>
-              <a:rPr lang="de-AT" sz="1400" dirty="0"/>
-              <a:t>m/z</a:t>
-            </a:r>
-            <a:endParaRPr lang="en-US" sz="1400" dirty="0"/>
-          </a:p>
-        </p:txBody>
-      </p:sp>
-      <p:sp>
-        <p:nvSpPr>
-          <p:cNvPr id="1360" name="TextBox 1359">
-            <a:extLst>
-              <a:ext uri="{FF2B5EF4-FFF2-40B4-BE49-F238E27FC236}">
-                <a16:creationId xmlns:a16="http://schemas.microsoft.com/office/drawing/2014/main" id="{028E68EB-4DEF-6C57-6762-7ECBAE94C0BF}"/>
-              </a:ext>
-            </a:extLst>
-          </p:cNvPr>
-          <p:cNvSpPr txBox="1"/>
-          <p:nvPr/>
-        </p:nvSpPr>
-        <p:spPr>
-          <a:xfrm rot="16200000">
-            <a:off x="4577985" y="13162532"/>
-            <a:ext cx="1733789" cy="307777"/>
-          </a:xfrm>
-          <a:prstGeom prst="rect">
-            <a:avLst/>
-          </a:prstGeom>
-          <a:noFill/>
-        </p:spPr>
-        <p:txBody>
-          <a:bodyPr wrap="square" rtlCol="0">
-            <a:spAutoFit/>
-          </a:bodyPr>
-          <a:lstStyle/>
-          <a:p>
-            <a:r>
-              <a:rPr lang="de-AT" sz="1400" dirty="0" err="1"/>
-              <a:t>Intensity</a:t>
-            </a:r>
-            <a:endParaRPr lang="en-US" sz="1400" dirty="0"/>
-          </a:p>
-        </p:txBody>
-      </p:sp>
-      <p:sp>
-        <p:nvSpPr>
-          <p:cNvPr id="1361" name="TextBox 1360">
-            <a:extLst>
-              <a:ext uri="{FF2B5EF4-FFF2-40B4-BE49-F238E27FC236}">
-                <a16:creationId xmlns:a16="http://schemas.microsoft.com/office/drawing/2014/main" id="{1009A549-7FEF-1A24-EC24-F84D5EC3C1E5}"/>
-              </a:ext>
-            </a:extLst>
-          </p:cNvPr>
-          <p:cNvSpPr txBox="1"/>
-          <p:nvPr/>
-        </p:nvSpPr>
-        <p:spPr>
-          <a:xfrm rot="16200000">
-            <a:off x="518077" y="13172583"/>
-            <a:ext cx="1733789" cy="307777"/>
-          </a:xfrm>
-          <a:prstGeom prst="rect">
-            <a:avLst/>
-          </a:prstGeom>
-          <a:noFill/>
-        </p:spPr>
-        <p:txBody>
-          <a:bodyPr wrap="square" rtlCol="0">
-            <a:spAutoFit/>
-          </a:bodyPr>
-          <a:lstStyle/>
-          <a:p>
-            <a:r>
-              <a:rPr lang="de-AT" sz="1400" dirty="0" err="1"/>
-              <a:t>Intensity</a:t>
-            </a:r>
-            <a:endParaRPr lang="en-US" sz="1400" dirty="0"/>
-          </a:p>
-        </p:txBody>
-      </p:sp>
-      <p:sp>
-        <p:nvSpPr>
-          <p:cNvPr id="1363" name="TextBox 1362">
-            <a:extLst>
-              <a:ext uri="{FF2B5EF4-FFF2-40B4-BE49-F238E27FC236}">
-                <a16:creationId xmlns:a16="http://schemas.microsoft.com/office/drawing/2014/main" id="{444B2532-7833-065F-678C-06E872681D31}"/>
-              </a:ext>
-            </a:extLst>
-          </p:cNvPr>
-          <p:cNvSpPr txBox="1"/>
-          <p:nvPr/>
-        </p:nvSpPr>
-        <p:spPr>
-          <a:xfrm>
-            <a:off x="1521408" y="12431137"/>
-            <a:ext cx="3177245" cy="307777"/>
-          </a:xfrm>
-          <a:prstGeom prst="rect">
-            <a:avLst/>
-          </a:prstGeom>
-          <a:noFill/>
-        </p:spPr>
-        <p:txBody>
-          <a:bodyPr wrap="square" rtlCol="0">
-            <a:spAutoFit/>
-          </a:bodyPr>
-          <a:lstStyle/>
-          <a:p>
-            <a:pPr algn="l"/>
-            <a:r>
-              <a:rPr lang="de-AT" sz="1400" dirty="0"/>
-              <a:t>MS3 – </a:t>
-            </a:r>
-            <a:r>
-              <a:rPr lang="el-GR" sz="1400" dirty="0">
-                <a:solidFill>
-                  <a:srgbClr val="1168B2"/>
-                </a:solidFill>
-              </a:rPr>
-              <a:t>α</a:t>
-            </a:r>
-            <a:r>
-              <a:rPr lang="de-AT" sz="1400" dirty="0">
-                <a:solidFill>
-                  <a:srgbClr val="1168B2"/>
-                </a:solidFill>
-              </a:rPr>
-              <a:t> Peptide</a:t>
-            </a:r>
-          </a:p>
-        </p:txBody>
-      </p:sp>
-      <p:sp>
-        <p:nvSpPr>
-          <p:cNvPr id="1364" name="TextBox 1363">
-            <a:extLst>
-              <a:ext uri="{FF2B5EF4-FFF2-40B4-BE49-F238E27FC236}">
-                <a16:creationId xmlns:a16="http://schemas.microsoft.com/office/drawing/2014/main" id="{1E1C6C7A-3F8F-97C4-8A6C-5D350DDDC2DC}"/>
-              </a:ext>
-            </a:extLst>
-          </p:cNvPr>
-          <p:cNvSpPr txBox="1"/>
-          <p:nvPr/>
-        </p:nvSpPr>
-        <p:spPr>
-          <a:xfrm>
-            <a:off x="5598768" y="12430350"/>
-            <a:ext cx="3177245" cy="307777"/>
-          </a:xfrm>
-          <a:prstGeom prst="rect">
-            <a:avLst/>
-          </a:prstGeom>
-          <a:noFill/>
-        </p:spPr>
-        <p:txBody>
-          <a:bodyPr wrap="square" rtlCol="0">
-            <a:spAutoFit/>
-          </a:bodyPr>
-          <a:lstStyle/>
-          <a:p>
-            <a:pPr algn="l"/>
-            <a:r>
-              <a:rPr lang="de-AT" sz="1400" dirty="0"/>
-              <a:t>MS3 – </a:t>
-            </a:r>
-            <a:r>
-              <a:rPr lang="el-GR" sz="1400" dirty="0">
-                <a:solidFill>
-                  <a:srgbClr val="C00000"/>
-                </a:solidFill>
-              </a:rPr>
-              <a:t>β</a:t>
-            </a:r>
-            <a:r>
-              <a:rPr lang="de-AT" sz="1400" dirty="0">
-                <a:solidFill>
-                  <a:srgbClr val="C00000"/>
-                </a:solidFill>
-              </a:rPr>
-              <a:t> Peptide</a:t>
-            </a:r>
-          </a:p>
-        </p:txBody>
-      </p:sp>
-      <p:cxnSp>
-        <p:nvCxnSpPr>
-          <p:cNvPr id="1365" name="Connector: Curved 1364">
-            <a:extLst>
-              <a:ext uri="{FF2B5EF4-FFF2-40B4-BE49-F238E27FC236}">
-                <a16:creationId xmlns:a16="http://schemas.microsoft.com/office/drawing/2014/main" id="{937C2BF2-CC67-FC3E-4398-27A02581D0CD}"/>
-              </a:ext>
-            </a:extLst>
-          </p:cNvPr>
-          <p:cNvCxnSpPr>
-            <a:cxnSpLocks/>
-          </p:cNvCxnSpPr>
-          <p:nvPr/>
-        </p:nvCxnSpPr>
-        <p:spPr>
-          <a:xfrm rot="16200000" flipH="1">
-            <a:off x="6541084" y="8645135"/>
-            <a:ext cx="1395665" cy="759974"/>
-          </a:xfrm>
-          <a:prstGeom prst="curvedConnector3">
-            <a:avLst>
-              <a:gd name="adj1" fmla="val 50000"/>
-            </a:avLst>
-          </a:prstGeom>
-          <a:ln w="38100">
-            <a:solidFill>
-              <a:srgbClr val="1168B2"/>
-            </a:solidFill>
-          </a:ln>
-        </p:spPr>
-        <p:style>
-          <a:lnRef idx="1">
-            <a:schemeClr val="accent1"/>
-          </a:lnRef>
-          <a:fillRef idx="0">
-            <a:schemeClr val="accent1"/>
-          </a:fillRef>
-          <a:effectRef idx="0">
-            <a:schemeClr val="accent1"/>
-          </a:effectRef>
-          <a:fontRef idx="minor">
-            <a:schemeClr val="tx1"/>
-          </a:fontRef>
-        </p:style>
-      </p:cxnSp>
-      <p:cxnSp>
-        <p:nvCxnSpPr>
-          <p:cNvPr id="1367" name="Connector: Curved 1366">
-            <a:extLst>
-              <a:ext uri="{FF2B5EF4-FFF2-40B4-BE49-F238E27FC236}">
-                <a16:creationId xmlns:a16="http://schemas.microsoft.com/office/drawing/2014/main" id="{20D7D7AD-D3AF-241D-B4EC-4B3ACC886DD7}"/>
-              </a:ext>
-            </a:extLst>
-          </p:cNvPr>
-          <p:cNvCxnSpPr>
-            <a:cxnSpLocks/>
-          </p:cNvCxnSpPr>
-          <p:nvPr/>
-        </p:nvCxnSpPr>
-        <p:spPr>
-          <a:xfrm rot="16200000" flipH="1">
-            <a:off x="7801245" y="8645134"/>
-            <a:ext cx="1395665" cy="759974"/>
-          </a:xfrm>
-          <a:prstGeom prst="curvedConnector3">
-            <a:avLst>
-              <a:gd name="adj1" fmla="val 50000"/>
-            </a:avLst>
-          </a:prstGeom>
-          <a:ln w="38100">
-            <a:solidFill>
-              <a:srgbClr val="E71224"/>
-            </a:solidFill>
-          </a:ln>
-        </p:spPr>
-        <p:style>
-          <a:lnRef idx="1">
-            <a:schemeClr val="accent1"/>
-          </a:lnRef>
-          <a:fillRef idx="0">
-            <a:schemeClr val="accent1"/>
-          </a:fillRef>
-          <a:effectRef idx="0">
-            <a:schemeClr val="accent1"/>
-          </a:effectRef>
-          <a:fontRef idx="minor">
-            <a:schemeClr val="tx1"/>
-          </a:fontRef>
-        </p:style>
-      </p:cxnSp>
-      <p:cxnSp>
-        <p:nvCxnSpPr>
-          <p:cNvPr id="1368" name="Connector: Curved 1367">
-            <a:extLst>
-              <a:ext uri="{FF2B5EF4-FFF2-40B4-BE49-F238E27FC236}">
-                <a16:creationId xmlns:a16="http://schemas.microsoft.com/office/drawing/2014/main" id="{2E25B6E8-0A13-7420-941F-F6832E18E64B}"/>
-              </a:ext>
-            </a:extLst>
-          </p:cNvPr>
-          <p:cNvCxnSpPr>
-            <a:cxnSpLocks/>
-          </p:cNvCxnSpPr>
-          <p:nvPr/>
-        </p:nvCxnSpPr>
-        <p:spPr>
-          <a:xfrm rot="16200000" flipH="1">
-            <a:off x="8256737" y="8650676"/>
-            <a:ext cx="1395665" cy="759974"/>
-          </a:xfrm>
-          <a:prstGeom prst="curvedConnector3">
-            <a:avLst>
-              <a:gd name="adj1" fmla="val 50000"/>
-            </a:avLst>
-          </a:prstGeom>
-          <a:ln w="38100">
-            <a:solidFill>
-              <a:srgbClr val="E71224"/>
-            </a:solidFill>
-          </a:ln>
-        </p:spPr>
-        <p:style>
-          <a:lnRef idx="1">
-            <a:schemeClr val="accent1"/>
-          </a:lnRef>
-          <a:fillRef idx="0">
-            <a:schemeClr val="accent1"/>
-          </a:fillRef>
-          <a:effectRef idx="0">
-            <a:schemeClr val="accent1"/>
-          </a:effectRef>
-          <a:fontRef idx="minor">
-            <a:schemeClr val="tx1"/>
-          </a:fontRef>
-        </p:style>
-      </p:cxnSp>
-      <p:cxnSp>
-        <p:nvCxnSpPr>
-          <p:cNvPr id="1369" name="Connector: Curved 1368">
-            <a:extLst>
-              <a:ext uri="{FF2B5EF4-FFF2-40B4-BE49-F238E27FC236}">
-                <a16:creationId xmlns:a16="http://schemas.microsoft.com/office/drawing/2014/main" id="{E230EB73-3B1C-6374-421B-767137A6AEB7}"/>
-              </a:ext>
-            </a:extLst>
-          </p:cNvPr>
-          <p:cNvCxnSpPr>
-            <a:cxnSpLocks/>
-          </p:cNvCxnSpPr>
-          <p:nvPr/>
-        </p:nvCxnSpPr>
-        <p:spPr>
-          <a:xfrm rot="16200000" flipH="1">
-            <a:off x="7041270" y="8645133"/>
-            <a:ext cx="1395665" cy="759974"/>
-          </a:xfrm>
-          <a:prstGeom prst="curvedConnector3">
-            <a:avLst>
-              <a:gd name="adj1" fmla="val 50000"/>
-            </a:avLst>
-          </a:prstGeom>
-          <a:ln w="38100">
-            <a:solidFill>
-              <a:srgbClr val="1168B2"/>
-            </a:solidFill>
-          </a:ln>
-        </p:spPr>
-        <p:style>
-          <a:lnRef idx="1">
-            <a:schemeClr val="accent1"/>
-          </a:lnRef>
-          <a:fillRef idx="0">
-            <a:schemeClr val="accent1"/>
-          </a:fillRef>
-          <a:effectRef idx="0">
-            <a:schemeClr val="accent1"/>
-          </a:effectRef>
-          <a:fontRef idx="minor">
-            <a:schemeClr val="tx1"/>
-          </a:fontRef>
-        </p:style>
-      </p:cxnSp>
-      <p:cxnSp>
-        <p:nvCxnSpPr>
-          <p:cNvPr id="1373" name="Straight Connector 1372">
-            <a:extLst>
-              <a:ext uri="{FF2B5EF4-FFF2-40B4-BE49-F238E27FC236}">
-                <a16:creationId xmlns:a16="http://schemas.microsoft.com/office/drawing/2014/main" id="{87992E8E-CB30-7FF3-D6A8-B2A1CB8327E7}"/>
-              </a:ext>
-            </a:extLst>
-          </p:cNvPr>
-          <p:cNvCxnSpPr>
-            <a:cxnSpLocks/>
-          </p:cNvCxnSpPr>
-          <p:nvPr/>
-        </p:nvCxnSpPr>
-        <p:spPr>
-          <a:xfrm>
-            <a:off x="7313741" y="9032718"/>
-            <a:ext cx="265280" cy="0"/>
-          </a:xfrm>
-          <a:prstGeom prst="line">
-            <a:avLst/>
-          </a:prstGeom>
-          <a:ln w="38100">
-            <a:solidFill>
-              <a:schemeClr val="tx1"/>
-            </a:solidFill>
-          </a:ln>
-        </p:spPr>
-        <p:style>
-          <a:lnRef idx="1">
-            <a:schemeClr val="accent1"/>
-          </a:lnRef>
-          <a:fillRef idx="0">
-            <a:schemeClr val="accent1"/>
-          </a:fillRef>
-          <a:effectRef idx="0">
-            <a:schemeClr val="accent1"/>
-          </a:effectRef>
-          <a:fontRef idx="minor">
-            <a:schemeClr val="tx1"/>
-          </a:fontRef>
-        </p:style>
-      </p:cxnSp>
-      <p:cxnSp>
-        <p:nvCxnSpPr>
-          <p:cNvPr id="1377" name="Straight Connector 1376">
-            <a:extLst>
-              <a:ext uri="{FF2B5EF4-FFF2-40B4-BE49-F238E27FC236}">
-                <a16:creationId xmlns:a16="http://schemas.microsoft.com/office/drawing/2014/main" id="{94934039-9770-F018-005C-792E6DFE8BA1}"/>
-              </a:ext>
-            </a:extLst>
-          </p:cNvPr>
-          <p:cNvCxnSpPr>
-            <a:cxnSpLocks/>
-          </p:cNvCxnSpPr>
-          <p:nvPr/>
-        </p:nvCxnSpPr>
-        <p:spPr>
-          <a:xfrm>
-            <a:off x="7813927" y="9032718"/>
-            <a:ext cx="124101" cy="0"/>
-          </a:xfrm>
-          <a:prstGeom prst="line">
-            <a:avLst/>
-          </a:prstGeom>
-          <a:ln w="38100">
-            <a:solidFill>
-              <a:schemeClr val="tx1"/>
-            </a:solidFill>
-          </a:ln>
-        </p:spPr>
-        <p:style>
-          <a:lnRef idx="1">
-            <a:schemeClr val="accent1"/>
-          </a:lnRef>
-          <a:fillRef idx="0">
-            <a:schemeClr val="accent1"/>
-          </a:fillRef>
-          <a:effectRef idx="0">
-            <a:schemeClr val="accent1"/>
-          </a:effectRef>
-          <a:fontRef idx="minor">
-            <a:schemeClr val="tx1"/>
-          </a:fontRef>
-        </p:style>
-      </p:cxnSp>
-      <p:cxnSp>
-        <p:nvCxnSpPr>
-          <p:cNvPr id="1389" name="Straight Connector 1388">
-            <a:extLst>
-              <a:ext uri="{FF2B5EF4-FFF2-40B4-BE49-F238E27FC236}">
-                <a16:creationId xmlns:a16="http://schemas.microsoft.com/office/drawing/2014/main" id="{904A3F9D-BD44-665F-D104-4DC3F1220D26}"/>
-              </a:ext>
-            </a:extLst>
-          </p:cNvPr>
-          <p:cNvCxnSpPr>
-            <a:cxnSpLocks/>
-          </p:cNvCxnSpPr>
-          <p:nvPr/>
-        </p:nvCxnSpPr>
-        <p:spPr>
-          <a:xfrm>
-            <a:off x="8355035" y="9032718"/>
-            <a:ext cx="124101" cy="0"/>
-          </a:xfrm>
-          <a:prstGeom prst="line">
-            <a:avLst/>
-          </a:prstGeom>
-          <a:ln w="38100">
-            <a:solidFill>
-              <a:schemeClr val="tx1"/>
-            </a:solidFill>
-          </a:ln>
-        </p:spPr>
-        <p:style>
-          <a:lnRef idx="1">
-            <a:schemeClr val="accent1"/>
-          </a:lnRef>
-          <a:fillRef idx="0">
-            <a:schemeClr val="accent1"/>
-          </a:fillRef>
-          <a:effectRef idx="0">
-            <a:schemeClr val="accent1"/>
-          </a:effectRef>
-          <a:fontRef idx="minor">
-            <a:schemeClr val="tx1"/>
-          </a:fontRef>
-        </p:style>
-      </p:cxnSp>
-      <p:cxnSp>
-        <p:nvCxnSpPr>
-          <p:cNvPr id="1390" name="Straight Connector 1389">
-            <a:extLst>
-              <a:ext uri="{FF2B5EF4-FFF2-40B4-BE49-F238E27FC236}">
-                <a16:creationId xmlns:a16="http://schemas.microsoft.com/office/drawing/2014/main" id="{FF9753CC-B58B-A192-AF53-03ADA961BAC6}"/>
-              </a:ext>
-            </a:extLst>
-          </p:cNvPr>
-          <p:cNvCxnSpPr>
-            <a:cxnSpLocks/>
-          </p:cNvCxnSpPr>
-          <p:nvPr/>
-        </p:nvCxnSpPr>
-        <p:spPr>
-          <a:xfrm>
-            <a:off x="8675668" y="9032718"/>
-            <a:ext cx="265280" cy="0"/>
-          </a:xfrm>
-          <a:prstGeom prst="line">
-            <a:avLst/>
-          </a:prstGeom>
-          <a:ln w="38100">
-            <a:solidFill>
-              <a:schemeClr val="tx1"/>
-            </a:solidFill>
-          </a:ln>
-        </p:spPr>
-        <p:style>
-          <a:lnRef idx="1">
-            <a:schemeClr val="accent1"/>
-          </a:lnRef>
-          <a:fillRef idx="0">
-            <a:schemeClr val="accent1"/>
-          </a:fillRef>
-          <a:effectRef idx="0">
-            <a:schemeClr val="accent1"/>
-          </a:effectRef>
-          <a:fontRef idx="minor">
-            <a:schemeClr val="tx1"/>
-          </a:fontRef>
-        </p:style>
-      </p:cxnSp>
-      <p:cxnSp>
-        <p:nvCxnSpPr>
-          <p:cNvPr id="1391" name="Straight Arrow Connector 1390">
-            <a:extLst>
-              <a:ext uri="{FF2B5EF4-FFF2-40B4-BE49-F238E27FC236}">
-                <a16:creationId xmlns:a16="http://schemas.microsoft.com/office/drawing/2014/main" id="{B8979972-DA9E-AAA1-2F4C-61D771819F85}"/>
-              </a:ext>
-            </a:extLst>
-          </p:cNvPr>
-          <p:cNvCxnSpPr>
-            <a:cxnSpLocks/>
-          </p:cNvCxnSpPr>
-          <p:nvPr/>
-        </p:nvCxnSpPr>
-        <p:spPr>
-          <a:xfrm>
-            <a:off x="4929285" y="9022283"/>
-            <a:ext cx="489460" cy="2910"/>
-          </a:xfrm>
-          <a:prstGeom prst="straightConnector1">
-            <a:avLst/>
-          </a:prstGeom>
-          <a:ln w="38100">
-            <a:solidFill>
-              <a:schemeClr val="tx1"/>
-            </a:solidFill>
-            <a:tailEnd type="triangle"/>
-          </a:ln>
-        </p:spPr>
-        <p:style>
-          <a:lnRef idx="1">
-            <a:schemeClr val="accent1"/>
-          </a:lnRef>
-          <a:fillRef idx="0">
-            <a:schemeClr val="accent1"/>
-          </a:fillRef>
-          <a:effectRef idx="0">
-            <a:schemeClr val="accent1"/>
-          </a:effectRef>
-          <a:fontRef idx="minor">
-            <a:schemeClr val="tx1"/>
-          </a:fontRef>
-        </p:style>
-      </p:cxnSp>
-      <p:cxnSp>
-        <p:nvCxnSpPr>
-          <p:cNvPr id="1396" name="Straight Arrow Connector 1395">
-            <a:extLst>
-              <a:ext uri="{FF2B5EF4-FFF2-40B4-BE49-F238E27FC236}">
-                <a16:creationId xmlns:a16="http://schemas.microsoft.com/office/drawing/2014/main" id="{FB49238E-5257-976D-E57D-BB06D8E3ECD5}"/>
-              </a:ext>
-            </a:extLst>
-          </p:cNvPr>
-          <p:cNvCxnSpPr>
-            <a:cxnSpLocks/>
-          </p:cNvCxnSpPr>
-          <p:nvPr/>
-        </p:nvCxnSpPr>
-        <p:spPr>
-          <a:xfrm>
-            <a:off x="6472468" y="9012799"/>
-            <a:ext cx="489460" cy="2910"/>
-          </a:xfrm>
-          <a:prstGeom prst="straightConnector1">
-            <a:avLst/>
-          </a:prstGeom>
-          <a:ln w="38100">
-            <a:solidFill>
-              <a:schemeClr val="tx1"/>
-            </a:solidFill>
-            <a:tailEnd type="triangle"/>
-          </a:ln>
-        </p:spPr>
-        <p:style>
-          <a:lnRef idx="1">
-            <a:schemeClr val="accent1"/>
-          </a:lnRef>
-          <a:fillRef idx="0">
-            <a:schemeClr val="accent1"/>
-          </a:fillRef>
-          <a:effectRef idx="0">
-            <a:schemeClr val="accent1"/>
-          </a:effectRef>
-          <a:fontRef idx="minor">
-            <a:schemeClr val="tx1"/>
-          </a:fontRef>
-        </p:style>
-      </p:cxnSp>
-      <p:sp>
-        <p:nvSpPr>
-          <p:cNvPr id="1398" name="TextBox 1397">
-            <a:extLst>
-              <a:ext uri="{FF2B5EF4-FFF2-40B4-BE49-F238E27FC236}">
-                <a16:creationId xmlns:a16="http://schemas.microsoft.com/office/drawing/2014/main" id="{D9DE39CD-1B2B-459C-8FB4-C115D10F1403}"/>
-              </a:ext>
-            </a:extLst>
-          </p:cNvPr>
-          <p:cNvSpPr txBox="1"/>
-          <p:nvPr/>
-        </p:nvSpPr>
-        <p:spPr>
-          <a:xfrm>
-            <a:off x="8299113" y="10079662"/>
-            <a:ext cx="1222269" cy="523220"/>
-          </a:xfrm>
-          <a:prstGeom prst="rect">
-            <a:avLst/>
-          </a:prstGeom>
-          <a:noFill/>
-        </p:spPr>
-        <p:txBody>
-          <a:bodyPr wrap="square" rtlCol="0">
-            <a:spAutoFit/>
-          </a:bodyPr>
-          <a:lstStyle/>
-          <a:p>
-            <a:r>
-              <a:rPr lang="de-AT" sz="1400" dirty="0" err="1"/>
-              <a:t>Crosslinker</a:t>
-            </a:r>
-            <a:r>
-              <a:rPr lang="de-AT" sz="1400" dirty="0"/>
-              <a:t> </a:t>
-            </a:r>
-            <a:r>
-              <a:rPr lang="de-AT" sz="1400" dirty="0" err="1"/>
-              <a:t>Mass</a:t>
-            </a:r>
-            <a:r>
-              <a:rPr lang="de-AT" sz="1400" dirty="0"/>
-              <a:t> Diff.</a:t>
-            </a:r>
-            <a:endParaRPr lang="en-US" sz="1400" dirty="0"/>
-          </a:p>
-        </p:txBody>
-      </p:sp>
-      <p:sp>
-        <p:nvSpPr>
-          <p:cNvPr id="1399" name="TextBox 1398">
-            <a:extLst>
-              <a:ext uri="{FF2B5EF4-FFF2-40B4-BE49-F238E27FC236}">
-                <a16:creationId xmlns:a16="http://schemas.microsoft.com/office/drawing/2014/main" id="{B155C167-D0F7-8B85-F70D-3CF9622F0AEB}"/>
-              </a:ext>
-            </a:extLst>
-          </p:cNvPr>
-          <p:cNvSpPr txBox="1"/>
-          <p:nvPr/>
-        </p:nvSpPr>
-        <p:spPr>
-          <a:xfrm>
-            <a:off x="5582207" y="10306191"/>
-            <a:ext cx="3177245" cy="307777"/>
-          </a:xfrm>
-          <a:prstGeom prst="rect">
-            <a:avLst/>
-          </a:prstGeom>
-          <a:noFill/>
-        </p:spPr>
-        <p:txBody>
-          <a:bodyPr wrap="square" rtlCol="0">
-            <a:spAutoFit/>
-          </a:bodyPr>
-          <a:lstStyle/>
-          <a:p>
-            <a:pPr algn="l"/>
-            <a:r>
-              <a:rPr lang="de-AT" sz="1400" dirty="0"/>
-              <a:t>MS2</a:t>
-            </a:r>
-            <a:endParaRPr lang="de-AT" sz="1400" dirty="0">
-              <a:solidFill>
-                <a:srgbClr val="C00000"/>
-              </a:solidFill>
-            </a:endParaRPr>
-          </a:p>
-        </p:txBody>
-      </p:sp>
-      <p:sp>
-        <p:nvSpPr>
-          <p:cNvPr id="1400" name="TextBox 1399">
-            <a:extLst>
-              <a:ext uri="{FF2B5EF4-FFF2-40B4-BE49-F238E27FC236}">
-                <a16:creationId xmlns:a16="http://schemas.microsoft.com/office/drawing/2014/main" id="{E173C6A4-A099-1FA4-499A-356109671D07}"/>
-              </a:ext>
-            </a:extLst>
-          </p:cNvPr>
-          <p:cNvSpPr txBox="1"/>
-          <p:nvPr/>
-        </p:nvSpPr>
-        <p:spPr>
-          <a:xfrm>
-            <a:off x="1516394" y="10306191"/>
-            <a:ext cx="3177245" cy="307777"/>
-          </a:xfrm>
-          <a:prstGeom prst="rect">
-            <a:avLst/>
-          </a:prstGeom>
-          <a:noFill/>
-        </p:spPr>
-        <p:txBody>
-          <a:bodyPr wrap="square" rtlCol="0">
-            <a:spAutoFit/>
-          </a:bodyPr>
-          <a:lstStyle/>
-          <a:p>
-            <a:pPr algn="l"/>
-            <a:r>
-              <a:rPr lang="de-AT" sz="1400" dirty="0"/>
-              <a:t>MS1</a:t>
-            </a:r>
-            <a:endParaRPr lang="de-AT" sz="1400" dirty="0">
-              <a:solidFill>
-                <a:srgbClr val="C00000"/>
-              </a:solidFill>
-            </a:endParaRPr>
-          </a:p>
-        </p:txBody>
-      </p:sp>
-      <p:sp>
-        <p:nvSpPr>
-          <p:cNvPr id="2" name="TextBox 1">
-            <a:extLst>
-              <a:ext uri="{FF2B5EF4-FFF2-40B4-BE49-F238E27FC236}">
-                <a16:creationId xmlns:a16="http://schemas.microsoft.com/office/drawing/2014/main" id="{D4E9C8F9-3028-2B1F-013A-4FB96F1B2DDC}"/>
-              </a:ext>
-            </a:extLst>
-          </p:cNvPr>
-          <p:cNvSpPr txBox="1"/>
-          <p:nvPr/>
-        </p:nvSpPr>
-        <p:spPr>
-          <a:xfrm rot="16200000">
-            <a:off x="519868" y="11021303"/>
-            <a:ext cx="1733789" cy="307777"/>
-          </a:xfrm>
-          <a:prstGeom prst="rect">
-            <a:avLst/>
-          </a:prstGeom>
-          <a:noFill/>
-        </p:spPr>
-        <p:txBody>
-          <a:bodyPr wrap="square" rtlCol="0">
-            <a:spAutoFit/>
-          </a:bodyPr>
-          <a:lstStyle/>
-          <a:p>
-            <a:r>
-              <a:rPr lang="de-AT" sz="1400" dirty="0" err="1"/>
-              <a:t>Intensity</a:t>
-            </a:r>
-            <a:endParaRPr lang="en-US" sz="1400" dirty="0"/>
-          </a:p>
-        </p:txBody>
-      </p:sp>
-      <p:sp>
-        <p:nvSpPr>
-          <p:cNvPr id="6" name="TextBox 5">
-            <a:extLst>
-              <a:ext uri="{FF2B5EF4-FFF2-40B4-BE49-F238E27FC236}">
-                <a16:creationId xmlns:a16="http://schemas.microsoft.com/office/drawing/2014/main" id="{A820257B-F925-1A6F-3E60-1F04826B70C9}"/>
-              </a:ext>
-            </a:extLst>
-          </p:cNvPr>
-          <p:cNvSpPr txBox="1"/>
-          <p:nvPr/>
-        </p:nvSpPr>
-        <p:spPr>
-          <a:xfrm rot="16200000">
-            <a:off x="4586079" y="11028681"/>
-            <a:ext cx="1733789" cy="307777"/>
-          </a:xfrm>
-          <a:prstGeom prst="rect">
-            <a:avLst/>
-          </a:prstGeom>
-          <a:noFill/>
-        </p:spPr>
-        <p:txBody>
-          <a:bodyPr wrap="square" rtlCol="0">
-            <a:spAutoFit/>
-          </a:bodyPr>
-          <a:lstStyle/>
-          <a:p>
-            <a:r>
-              <a:rPr lang="de-AT" sz="1400" dirty="0" err="1"/>
-              <a:t>Intensity</a:t>
-            </a:r>
-            <a:endParaRPr lang="en-US" sz="1400" dirty="0"/>
-          </a:p>
-        </p:txBody>
-      </p:sp>
-      <p:sp>
-        <p:nvSpPr>
-          <p:cNvPr id="7" name="TextBox 6">
-            <a:extLst>
-              <a:ext uri="{FF2B5EF4-FFF2-40B4-BE49-F238E27FC236}">
-                <a16:creationId xmlns:a16="http://schemas.microsoft.com/office/drawing/2014/main" id="{F5408CDB-C0DA-B593-2FB9-2EFFE557302F}"/>
-              </a:ext>
-            </a:extLst>
-          </p:cNvPr>
-          <p:cNvSpPr txBox="1"/>
-          <p:nvPr/>
-        </p:nvSpPr>
-        <p:spPr>
-          <a:xfrm>
-            <a:off x="1499396" y="12050296"/>
-            <a:ext cx="3746160" cy="307777"/>
-          </a:xfrm>
-          <a:prstGeom prst="rect">
-            <a:avLst/>
-          </a:prstGeom>
-          <a:noFill/>
-        </p:spPr>
-        <p:txBody>
-          <a:bodyPr wrap="square" rtlCol="0">
-            <a:spAutoFit/>
-          </a:bodyPr>
-          <a:lstStyle/>
-          <a:p>
-            <a:r>
-              <a:rPr lang="de-AT" sz="1400" dirty="0"/>
-              <a:t>m/z</a:t>
-            </a:r>
-            <a:endParaRPr lang="en-US" sz="1400" dirty="0"/>
-          </a:p>
-        </p:txBody>
-      </p:sp>
-      <p:sp>
-        <p:nvSpPr>
-          <p:cNvPr id="8" name="TextBox 7">
-            <a:extLst>
-              <a:ext uri="{FF2B5EF4-FFF2-40B4-BE49-F238E27FC236}">
-                <a16:creationId xmlns:a16="http://schemas.microsoft.com/office/drawing/2014/main" id="{17AFC012-1081-009A-A889-A7EE79CDDE98}"/>
-              </a:ext>
-            </a:extLst>
-          </p:cNvPr>
-          <p:cNvSpPr txBox="1"/>
-          <p:nvPr/>
-        </p:nvSpPr>
-        <p:spPr>
-          <a:xfrm>
-            <a:off x="5588397" y="12051586"/>
-            <a:ext cx="3746160" cy="307777"/>
-          </a:xfrm>
-          <a:prstGeom prst="rect">
-            <a:avLst/>
-          </a:prstGeom>
-          <a:noFill/>
-        </p:spPr>
-        <p:txBody>
-          <a:bodyPr wrap="square" rtlCol="0">
-            <a:spAutoFit/>
-          </a:bodyPr>
-          <a:lstStyle/>
-          <a:p>
-            <a:r>
-              <a:rPr lang="de-AT" sz="1400" dirty="0"/>
-              <a:t>m/z</a:t>
-            </a:r>
-            <a:endParaRPr lang="en-US" sz="1400" dirty="0"/>
-          </a:p>
-        </p:txBody>
-      </p:sp>
-      <p:sp>
-        <p:nvSpPr>
-          <p:cNvPr id="13" name="TextBox 12">
-            <a:extLst>
-              <a:ext uri="{FF2B5EF4-FFF2-40B4-BE49-F238E27FC236}">
-                <a16:creationId xmlns:a16="http://schemas.microsoft.com/office/drawing/2014/main" id="{8A64D3D8-6ECE-1273-F186-E3CAD04C9F5C}"/>
-              </a:ext>
-            </a:extLst>
-          </p:cNvPr>
-          <p:cNvSpPr txBox="1"/>
-          <p:nvPr/>
-        </p:nvSpPr>
-        <p:spPr>
-          <a:xfrm>
-            <a:off x="1218647" y="8355480"/>
-            <a:ext cx="1351269" cy="307777"/>
-          </a:xfrm>
-          <a:prstGeom prst="rect">
-            <a:avLst/>
-          </a:prstGeom>
-          <a:noFill/>
-        </p:spPr>
-        <p:txBody>
-          <a:bodyPr wrap="square" rtlCol="0">
-            <a:spAutoFit/>
-          </a:bodyPr>
-          <a:lstStyle/>
-          <a:p>
-            <a:r>
-              <a:rPr lang="de-AT" sz="1400" dirty="0">
-                <a:solidFill>
-                  <a:srgbClr val="1168B2"/>
-                </a:solidFill>
-              </a:rPr>
-              <a:t>Protein A</a:t>
-            </a:r>
-            <a:endParaRPr lang="en-US" sz="1400" dirty="0">
-              <a:solidFill>
-                <a:srgbClr val="1168B2"/>
-              </a:solidFill>
-            </a:endParaRPr>
-          </a:p>
-        </p:txBody>
-      </p:sp>
-      <p:sp>
-        <p:nvSpPr>
-          <p:cNvPr id="16" name="TextBox 15">
-            <a:extLst>
-              <a:ext uri="{FF2B5EF4-FFF2-40B4-BE49-F238E27FC236}">
-                <a16:creationId xmlns:a16="http://schemas.microsoft.com/office/drawing/2014/main" id="{CC127A0F-5457-E9FD-8138-6CE6AA469A3D}"/>
-              </a:ext>
-            </a:extLst>
-          </p:cNvPr>
-          <p:cNvSpPr txBox="1"/>
-          <p:nvPr/>
-        </p:nvSpPr>
-        <p:spPr>
-          <a:xfrm>
-            <a:off x="2467227" y="8761558"/>
-            <a:ext cx="1781366" cy="307777"/>
-          </a:xfrm>
-          <a:prstGeom prst="rect">
-            <a:avLst/>
-          </a:prstGeom>
-          <a:noFill/>
-        </p:spPr>
-        <p:txBody>
-          <a:bodyPr wrap="square" rtlCol="0">
-            <a:spAutoFit/>
-          </a:bodyPr>
-          <a:lstStyle/>
-          <a:p>
-            <a:r>
-              <a:rPr lang="de-AT" sz="1400" dirty="0" err="1"/>
-              <a:t>Crosslinker</a:t>
-            </a:r>
-            <a:endParaRPr lang="en-US" sz="1400" dirty="0"/>
-          </a:p>
-        </p:txBody>
-      </p:sp>
-      <p:sp>
-        <p:nvSpPr>
-          <p:cNvPr id="19" name="TextBox 18">
-            <a:extLst>
-              <a:ext uri="{FF2B5EF4-FFF2-40B4-BE49-F238E27FC236}">
-                <a16:creationId xmlns:a16="http://schemas.microsoft.com/office/drawing/2014/main" id="{6B49EB6A-2B55-2B42-5EAB-F78326CEF1C5}"/>
-              </a:ext>
-            </a:extLst>
-          </p:cNvPr>
-          <p:cNvSpPr txBox="1"/>
-          <p:nvPr/>
-        </p:nvSpPr>
-        <p:spPr>
-          <a:xfrm>
-            <a:off x="3835758" y="9399772"/>
-            <a:ext cx="1253127" cy="307777"/>
-          </a:xfrm>
-          <a:prstGeom prst="rect">
-            <a:avLst/>
-          </a:prstGeom>
-          <a:noFill/>
-        </p:spPr>
-        <p:txBody>
-          <a:bodyPr wrap="square" rtlCol="0">
-            <a:spAutoFit/>
-          </a:bodyPr>
-          <a:lstStyle/>
-          <a:p>
-            <a:r>
-              <a:rPr lang="de-AT" sz="1400" dirty="0">
-                <a:solidFill>
-                  <a:srgbClr val="E71224"/>
-                </a:solidFill>
-              </a:rPr>
-              <a:t>Protein B</a:t>
-            </a:r>
-            <a:endParaRPr lang="en-US" sz="1400" dirty="0">
-              <a:solidFill>
-                <a:srgbClr val="E71224"/>
-              </a:solidFill>
-            </a:endParaRPr>
-          </a:p>
-        </p:txBody>
-      </p:sp>
-      <p:sp>
-        <p:nvSpPr>
-          <p:cNvPr id="22" name="TextBox 21">
-            <a:extLst>
-              <a:ext uri="{FF2B5EF4-FFF2-40B4-BE49-F238E27FC236}">
-                <a16:creationId xmlns:a16="http://schemas.microsoft.com/office/drawing/2014/main" id="{1708F240-9548-4D51-A3D9-63DBEDEFB045}"/>
-              </a:ext>
-            </a:extLst>
-          </p:cNvPr>
-          <p:cNvSpPr txBox="1"/>
-          <p:nvPr/>
-        </p:nvSpPr>
-        <p:spPr>
-          <a:xfrm>
-            <a:off x="5260271" y="9484223"/>
-            <a:ext cx="952662" cy="307777"/>
-          </a:xfrm>
-          <a:prstGeom prst="rect">
-            <a:avLst/>
-          </a:prstGeom>
-          <a:noFill/>
-        </p:spPr>
-        <p:txBody>
-          <a:bodyPr wrap="square" rtlCol="0">
-            <a:spAutoFit/>
-          </a:bodyPr>
-          <a:lstStyle/>
-          <a:p>
-            <a:r>
-              <a:rPr lang="el-GR" sz="1400" dirty="0">
-                <a:solidFill>
-                  <a:srgbClr val="1168B2"/>
-                </a:solidFill>
-              </a:rPr>
-              <a:t>α</a:t>
-            </a:r>
-            <a:r>
-              <a:rPr lang="de-AT" sz="1400" dirty="0">
-                <a:solidFill>
-                  <a:srgbClr val="1168B2"/>
-                </a:solidFill>
-              </a:rPr>
-              <a:t> Peptide</a:t>
-            </a:r>
-            <a:endParaRPr lang="en-US" sz="1400" dirty="0"/>
-          </a:p>
-        </p:txBody>
-      </p:sp>
-      <p:sp>
-        <p:nvSpPr>
-          <p:cNvPr id="23" name="TextBox 22">
-            <a:extLst>
-              <a:ext uri="{FF2B5EF4-FFF2-40B4-BE49-F238E27FC236}">
-                <a16:creationId xmlns:a16="http://schemas.microsoft.com/office/drawing/2014/main" id="{D5D28BE9-5C5A-6E70-3147-DF2EFFAAE02C}"/>
-              </a:ext>
-            </a:extLst>
-          </p:cNvPr>
-          <p:cNvSpPr txBox="1"/>
-          <p:nvPr/>
-        </p:nvSpPr>
-        <p:spPr>
-          <a:xfrm>
-            <a:off x="5791135" y="8259760"/>
-            <a:ext cx="1042467" cy="307777"/>
-          </a:xfrm>
-          <a:prstGeom prst="rect">
-            <a:avLst/>
-          </a:prstGeom>
-          <a:noFill/>
-        </p:spPr>
-        <p:txBody>
-          <a:bodyPr wrap="square" rtlCol="0">
-            <a:spAutoFit/>
-          </a:bodyPr>
-          <a:lstStyle/>
-          <a:p>
-            <a:r>
-              <a:rPr lang="el-GR" sz="1400" dirty="0">
-                <a:solidFill>
-                  <a:srgbClr val="C00000"/>
-                </a:solidFill>
-              </a:rPr>
-              <a:t>β</a:t>
-            </a:r>
-            <a:r>
-              <a:rPr lang="de-AT" sz="1400" dirty="0">
-                <a:solidFill>
-                  <a:srgbClr val="C00000"/>
-                </a:solidFill>
-              </a:rPr>
-              <a:t> Peptide</a:t>
-            </a:r>
-            <a:endParaRPr lang="en-US" sz="1400" dirty="0"/>
-          </a:p>
-        </p:txBody>
-      </p:sp>
-      <p:sp>
-        <p:nvSpPr>
-          <p:cNvPr id="24" name="TextBox 23">
-            <a:extLst>
-              <a:ext uri="{FF2B5EF4-FFF2-40B4-BE49-F238E27FC236}">
-                <a16:creationId xmlns:a16="http://schemas.microsoft.com/office/drawing/2014/main" id="{F9DD7840-DB17-78D9-F551-00C3628FD39D}"/>
-              </a:ext>
-            </a:extLst>
-          </p:cNvPr>
-          <p:cNvSpPr txBox="1"/>
-          <p:nvPr/>
-        </p:nvSpPr>
-        <p:spPr>
-          <a:xfrm>
-            <a:off x="3851009" y="10713222"/>
-            <a:ext cx="1323006" cy="307777"/>
-          </a:xfrm>
-          <a:prstGeom prst="rect">
-            <a:avLst/>
-          </a:prstGeom>
-          <a:noFill/>
-        </p:spPr>
-        <p:txBody>
-          <a:bodyPr wrap="square" rtlCol="0">
-            <a:spAutoFit/>
-          </a:bodyPr>
-          <a:lstStyle/>
-          <a:p>
-            <a:pPr algn="l"/>
-            <a:r>
-              <a:rPr lang="el-GR" sz="1400" dirty="0">
-                <a:solidFill>
-                  <a:srgbClr val="C00000"/>
-                </a:solidFill>
-              </a:rPr>
-              <a:t>β</a:t>
-            </a:r>
-            <a:r>
-              <a:rPr lang="de-AT" sz="1400" dirty="0">
-                <a:solidFill>
-                  <a:srgbClr val="C00000"/>
-                </a:solidFill>
-              </a:rPr>
-              <a:t> Peptide</a:t>
-            </a:r>
-            <a:endParaRPr lang="en-US" sz="1400" dirty="0"/>
-          </a:p>
-        </p:txBody>
-      </p:sp>
-      <p:sp>
-        <p:nvSpPr>
-          <p:cNvPr id="25" name="TextBox 24">
-            <a:extLst>
-              <a:ext uri="{FF2B5EF4-FFF2-40B4-BE49-F238E27FC236}">
-                <a16:creationId xmlns:a16="http://schemas.microsoft.com/office/drawing/2014/main" id="{0D4435F3-B840-C8CD-E0F4-13192A12119C}"/>
-              </a:ext>
-            </a:extLst>
-          </p:cNvPr>
-          <p:cNvSpPr txBox="1"/>
-          <p:nvPr/>
-        </p:nvSpPr>
-        <p:spPr>
-          <a:xfrm>
-            <a:off x="3864461" y="10432084"/>
-            <a:ext cx="1177677" cy="307777"/>
-          </a:xfrm>
-          <a:prstGeom prst="rect">
-            <a:avLst/>
-          </a:prstGeom>
-          <a:noFill/>
-        </p:spPr>
-        <p:txBody>
-          <a:bodyPr wrap="square" rtlCol="0">
-            <a:spAutoFit/>
-          </a:bodyPr>
-          <a:lstStyle/>
-          <a:p>
-            <a:pPr algn="l"/>
-            <a:r>
-              <a:rPr lang="de-AT" sz="1400" dirty="0" err="1"/>
-              <a:t>Crosslinker</a:t>
-            </a:r>
-            <a:endParaRPr lang="en-US" sz="1400" dirty="0"/>
-          </a:p>
-        </p:txBody>
-      </p:sp>
-      <p:sp>
-        <p:nvSpPr>
-          <p:cNvPr id="27" name="TextBox 26">
-            <a:extLst>
-              <a:ext uri="{FF2B5EF4-FFF2-40B4-BE49-F238E27FC236}">
-                <a16:creationId xmlns:a16="http://schemas.microsoft.com/office/drawing/2014/main" id="{FE48C154-D375-118D-1A71-6F8C35C65E63}"/>
-              </a:ext>
-            </a:extLst>
-          </p:cNvPr>
-          <p:cNvSpPr txBox="1"/>
-          <p:nvPr/>
-        </p:nvSpPr>
-        <p:spPr>
-          <a:xfrm>
-            <a:off x="3852351" y="10148198"/>
-            <a:ext cx="1253127" cy="307777"/>
-          </a:xfrm>
-          <a:prstGeom prst="rect">
-            <a:avLst/>
-          </a:prstGeom>
-          <a:noFill/>
-        </p:spPr>
-        <p:txBody>
-          <a:bodyPr wrap="square" rtlCol="0">
-            <a:spAutoFit/>
-          </a:bodyPr>
-          <a:lstStyle/>
-          <a:p>
-            <a:pPr algn="l"/>
-            <a:r>
-              <a:rPr lang="el-GR" sz="1400" dirty="0">
-                <a:solidFill>
-                  <a:srgbClr val="1168B2"/>
-                </a:solidFill>
-              </a:rPr>
-              <a:t>α</a:t>
-            </a:r>
-            <a:r>
-              <a:rPr lang="de-AT" sz="1400" dirty="0">
-                <a:solidFill>
-                  <a:srgbClr val="1168B2"/>
-                </a:solidFill>
-              </a:rPr>
-              <a:t> Peptide</a:t>
-            </a:r>
-            <a:endParaRPr lang="en-US" sz="1400" dirty="0"/>
-          </a:p>
-        </p:txBody>
-      </p:sp>
       <p:pic>
         <p:nvPicPr>
-          <p:cNvPr id="31" name="Graphic 30">
-            <a:extLst>
-              <a:ext uri="{FF2B5EF4-FFF2-40B4-BE49-F238E27FC236}">
-                <a16:creationId xmlns:a16="http://schemas.microsoft.com/office/drawing/2014/main" id="{FFE71FA0-C1EC-6D5E-4D05-7E197EAA4C19}"/>
-              </a:ext>
-            </a:extLst>
-          </p:cNvPr>
-          <p:cNvPicPr>
-            <a:picLocks noChangeAspect="1"/>
-          </p:cNvPicPr>
-          <p:nvPr/>
-        </p:nvPicPr>
-        <p:blipFill>
-          <a:blip r:embed="rId95">
-            <a:extLst>
-              <a:ext uri="{28A0092B-C50C-407E-A947-70E740481C1C}">
-                <a14:useLocalDpi xmlns:a14="http://schemas.microsoft.com/office/drawing/2010/main" val="0"/>
-              </a:ext>
-              <a:ext uri="{96DAC541-7B7A-43D3-8B79-37D633B846F1}">
-                <asvg:svgBlip xmlns:asvg="http://schemas.microsoft.com/office/drawing/2016/SVG/main" r:embed="rId96"/>
-              </a:ext>
-            </a:extLst>
-          </a:blip>
-          <a:srcRect/>
-          <a:stretch/>
-        </p:blipFill>
-        <p:spPr>
-          <a:xfrm>
-            <a:off x="1230420" y="21224239"/>
-            <a:ext cx="15983991" cy="9128812"/>
-          </a:xfrm>
-          <a:prstGeom prst="rect">
-            <a:avLst/>
-          </a:prstGeom>
-        </p:spPr>
-      </p:pic>
-      <p:pic>
-        <p:nvPicPr>
-          <p:cNvPr id="34" name="Picture 33">
-            <a:extLst>
-              <a:ext uri="{FF2B5EF4-FFF2-40B4-BE49-F238E27FC236}">
-                <a16:creationId xmlns:a16="http://schemas.microsoft.com/office/drawing/2014/main" id="{F25098F7-B68F-B0BC-C88C-22A53BB1967B}"/>
-              </a:ext>
-            </a:extLst>
-          </p:cNvPr>
-          <p:cNvPicPr>
-            <a:picLocks noChangeAspect="1"/>
-          </p:cNvPicPr>
-          <p:nvPr/>
-        </p:nvPicPr>
-        <p:blipFill>
-          <a:blip r:embed="rId97">
-            <a:extLst>
-              <a:ext uri="{28A0092B-C50C-407E-A947-70E740481C1C}">
-                <a14:useLocalDpi xmlns:a14="http://schemas.microsoft.com/office/drawing/2010/main" val="0"/>
-              </a:ext>
-            </a:extLst>
-          </a:blip>
-          <a:srcRect/>
-          <a:stretch/>
-        </p:blipFill>
-        <p:spPr>
-          <a:xfrm>
-            <a:off x="17972477" y="29612035"/>
-            <a:ext cx="11347637" cy="6702671"/>
-          </a:xfrm>
-          <a:prstGeom prst="rect">
-            <a:avLst/>
-          </a:prstGeom>
-        </p:spPr>
-      </p:pic>
-      <p:pic>
-        <p:nvPicPr>
-          <p:cNvPr id="906" name="Picture 905" descr="A diagram of a graph&#10;&#10;Description automatically generated">
+          <p:cNvPr id="906" name="Picture 905">
             <a:extLst>
               <a:ext uri="{FF2B5EF4-FFF2-40B4-BE49-F238E27FC236}">
                 <a16:creationId xmlns:a16="http://schemas.microsoft.com/office/drawing/2014/main" id="{594F5060-4C6D-95C5-788F-5744218DBF80}"/>
@@ -11067,21 +5301,20 @@
           <p:nvPr/>
         </p:nvPicPr>
         <p:blipFill>
-          <a:blip r:embed="rId98">
+          <a:blip r:embed="rId14">
             <a:extLst>
               <a:ext uri="{28A0092B-C50C-407E-A947-70E740481C1C}">
                 <a14:useLocalDpi xmlns:a14="http://schemas.microsoft.com/office/drawing/2010/main" val="0"/>
               </a:ext>
             </a:extLst>
           </a:blip>
-          <a:stretch>
-            <a:fillRect/>
-          </a:stretch>
+          <a:srcRect/>
+          <a:stretch/>
         </p:blipFill>
         <p:spPr>
           <a:xfrm>
-            <a:off x="17972477" y="16309267"/>
-            <a:ext cx="11501499" cy="11590086"/>
+            <a:off x="11676988" y="8195057"/>
+            <a:ext cx="17682554" cy="9946435"/>
           </a:xfrm>
           <a:prstGeom prst="rect">
             <a:avLst/>
@@ -11102,7 +5335,7 @@
         </p:nvSpPr>
         <p:spPr>
           <a:xfrm>
-            <a:off x="9712171" y="12583135"/>
+            <a:off x="1277937" y="11586745"/>
             <a:ext cx="11368575" cy="830997"/>
           </a:xfrm>
           <a:prstGeom prst="rect">
@@ -11124,7 +5357,7 @@
                 <a:ea typeface="Calibri" panose="020F0502020204030204" pitchFamily="34" charset="0"/>
                 <a:cs typeface="Times New Roman" panose="02020603050405020304" pitchFamily="18" charset="0"/>
               </a:rPr>
-              <a:t>MS Annika 2.0</a:t>
+              <a:t>Non-cleavable crosslink identification</a:t>
             </a:r>
             <a:endParaRPr lang="de-AT" sz="4800" dirty="0">
               <a:effectLst/>
@@ -11149,8 +5382,8 @@
         </p:nvSpPr>
         <p:spPr>
           <a:xfrm>
-            <a:off x="9711502" y="13358416"/>
-            <a:ext cx="11377135" cy="2780248"/>
+            <a:off x="1277268" y="12362026"/>
+            <a:ext cx="10096481" cy="4072910"/>
           </a:xfrm>
           <a:prstGeom prst="rect">
             <a:avLst/>
@@ -11173,7 +5406,7 @@
                 <a:latin typeface="+mj-lt"/>
                 <a:cs typeface="Times New Roman" panose="02020603050405020304" pitchFamily="18" charset="0"/>
               </a:rPr>
-              <a:t>is an updated and improved version that additionally to MS2-only supports processing of data from MS2-MS3-based approaches and identification of peptides from MS3 spectra using the algorithm depicted in Figure 3. [3] MS Annika 2.0 is available free of charge for Proteome Discoverer 2.5, 3.0 and 3.1 at:</a:t>
+              <a:t>MS Annika 3.0 is an updated and improved version that additionally to cleavable crosslinkers supports identification of cross-linked peptides from non-cleavable reagents using a sparse matrix multiplication-based search algorithm as depicted in Figure 3. This algorithm can efficiently handle beyond human proteome-wide studies on commodity hardware. MS Annika 3.0 is available free of charge for Proteome Discoverer 3.1 at:</a:t>
             </a:r>
           </a:p>
           <a:p>
@@ -11186,7 +5419,7 @@
               <a:rPr lang="en-US" sz="2800" dirty="0">
                 <a:latin typeface="+mj-lt"/>
                 <a:cs typeface="Times New Roman" panose="02020603050405020304" pitchFamily="18" charset="0"/>
-                <a:hlinkClick r:id="rId99"/>
+                <a:hlinkClick r:id="rId15"/>
               </a:rPr>
               <a:t>https://ms.imp.ac.at/?action=ms-annika</a:t>
             </a:r>
@@ -11206,46 +5439,104 @@
       </p:sp>
       <p:pic>
         <p:nvPicPr>
-          <p:cNvPr id="32" name="Picture 31" descr="A screenshot of a diagram&#10;&#10;Description automatically generated">
+          <p:cNvPr id="9" name="Picture 2">
             <a:extLst>
               <a:ext uri="{FF2B5EF4-FFF2-40B4-BE49-F238E27FC236}">
-                <a16:creationId xmlns:a16="http://schemas.microsoft.com/office/drawing/2014/main" id="{FA134683-6CE4-B486-A3C7-2F23E12098A1}"/>
+                <a16:creationId xmlns:a16="http://schemas.microsoft.com/office/drawing/2014/main" id="{0718B353-983C-4B6B-75F5-6DFF6099023B}"/>
               </a:ext>
             </a:extLst>
           </p:cNvPr>
           <p:cNvPicPr>
-            <a:picLocks noChangeAspect="1"/>
+            <a:picLocks noChangeAspect="1" noChangeArrowheads="1"/>
           </p:cNvPicPr>
           <p:nvPr/>
         </p:nvPicPr>
         <p:blipFill>
-          <a:blip r:embed="rId100">
+          <a:blip r:embed="rId16">
             <a:extLst>
               <a:ext uri="{28A0092B-C50C-407E-A947-70E740481C1C}">
                 <a14:useLocalDpi xmlns:a14="http://schemas.microsoft.com/office/drawing/2010/main" val="0"/>
               </a:ext>
             </a:extLst>
           </a:blip>
+          <a:srcRect/>
           <a:stretch>
             <a:fillRect/>
           </a:stretch>
         </p:blipFill>
-        <p:spPr>
+        <p:spPr bwMode="auto">
           <a:xfrm>
-            <a:off x="1278216" y="31125504"/>
-            <a:ext cx="12037657" cy="5678507"/>
+            <a:off x="1255132" y="22950799"/>
+            <a:ext cx="10417703" cy="6945136"/>
           </a:xfrm>
           <a:prstGeom prst="rect">
             <a:avLst/>
           </a:prstGeom>
+          <a:noFill/>
+          <a:extLst>
+            <a:ext uri="{909E8E84-426E-40DD-AFC4-6F175D3DCCD1}">
+              <a14:hiddenFill xmlns:a14="http://schemas.microsoft.com/office/drawing/2010/main">
+                <a:solidFill>
+                  <a:srgbClr val="FFFFFF"/>
+                </a:solidFill>
+              </a14:hiddenFill>
+            </a:ext>
+          </a:extLst>
         </p:spPr>
       </p:pic>
-      <p:sp>
-        <p:nvSpPr>
-          <p:cNvPr id="35" name="TextBox 34">
+      <p:pic>
+        <p:nvPicPr>
+          <p:cNvPr id="1028" name="Picture 4">
             <a:extLst>
               <a:ext uri="{FF2B5EF4-FFF2-40B4-BE49-F238E27FC236}">
-                <a16:creationId xmlns:a16="http://schemas.microsoft.com/office/drawing/2014/main" id="{22BDD497-1E22-3305-5056-97DDBC43D102}"/>
+                <a16:creationId xmlns:a16="http://schemas.microsoft.com/office/drawing/2014/main" id="{782B9962-33E2-B778-5D0A-5C9BF58C0036}"/>
+              </a:ext>
+            </a:extLst>
+          </p:cNvPr>
+          <p:cNvPicPr>
+            <a:picLocks noChangeAspect="1" noChangeArrowheads="1"/>
+          </p:cNvPicPr>
+          <p:nvPr/>
+        </p:nvPicPr>
+        <p:blipFill>
+          <a:blip r:embed="rId17">
+            <a:extLst>
+              <a:ext uri="{28A0092B-C50C-407E-A947-70E740481C1C}">
+                <a14:useLocalDpi xmlns:a14="http://schemas.microsoft.com/office/drawing/2010/main" val="0"/>
+              </a:ext>
+            </a:extLst>
+          </a:blip>
+          <a:srcRect/>
+          <a:stretch>
+            <a:fillRect/>
+          </a:stretch>
+        </p:blipFill>
+        <p:spPr bwMode="auto">
+          <a:xfrm>
+            <a:off x="11670940" y="27912338"/>
+            <a:ext cx="12463355" cy="8308903"/>
+          </a:xfrm>
+          <a:prstGeom prst="rect">
+            <a:avLst/>
+          </a:prstGeom>
+          <a:noFill/>
+          <a:extLst>
+            <a:ext uri="{909E8E84-426E-40DD-AFC4-6F175D3DCCD1}">
+              <a14:hiddenFill xmlns:a14="http://schemas.microsoft.com/office/drawing/2010/main">
+                <a:solidFill>
+                  <a:srgbClr val="FFFFFF"/>
+                </a:solidFill>
+              </a14:hiddenFill>
+            </a:ext>
+          </a:extLst>
+        </p:spPr>
+      </p:pic>
+      <p:sp>
+        <p:nvSpPr>
+          <p:cNvPr id="10" name="TextBox 9">
+            <a:extLst>
+              <a:ext uri="{FF2B5EF4-FFF2-40B4-BE49-F238E27FC236}">
+                <a16:creationId xmlns:a16="http://schemas.microsoft.com/office/drawing/2014/main" id="{A1D8EC74-7AFC-9737-6EDB-B6FF98B6AF17}"/>
               </a:ext>
             </a:extLst>
           </p:cNvPr>
@@ -11254,8 +5545,8 @@
         </p:nvSpPr>
         <p:spPr>
           <a:xfrm>
-            <a:off x="1230420" y="36600395"/>
-            <a:ext cx="15995766" cy="769441"/>
+            <a:off x="1277937" y="16445684"/>
+            <a:ext cx="11368575" cy="830997"/>
           </a:xfrm>
           <a:prstGeom prst="rect">
             <a:avLst/>
@@ -11268,60 +5559,226 @@
           </a:bodyPr>
           <a:lstStyle/>
           <a:p>
-            <a:pPr algn="just"/>
-            <a:r>
-              <a:rPr lang="en-GB" sz="2200" i="1" dirty="0"/>
-              <a:t>Figure 5: A – Overlaps of the identified crosslinks by the different search engines. B – Overlap of the crosslinks identified by MS Annika 2.0 and the crosslinks reported in </a:t>
-            </a:r>
-            <a:r>
-              <a:rPr lang="en-GB" sz="2200" i="1"/>
-              <a:t>the NSP7-NSP8 dataset </a:t>
-            </a:r>
-            <a:r>
-              <a:rPr lang="en-GB" sz="2200" i="1" dirty="0"/>
-              <a:t>publication. [7]</a:t>
-            </a:r>
-            <a:endParaRPr lang="de-AT" sz="2200" dirty="0"/>
-          </a:p>
-        </p:txBody>
-      </p:sp>
-      <p:cxnSp>
-        <p:nvCxnSpPr>
-          <p:cNvPr id="37" name="Straight Arrow Connector 36">
+            <a:pPr algn="l"/>
+            <a:r>
+              <a:rPr lang="en-US" sz="4800" dirty="0">
+                <a:effectLst/>
+                <a:latin typeface="+mj-lt"/>
+                <a:ea typeface="Calibri" panose="020F0502020204030204" pitchFamily="34" charset="0"/>
+                <a:cs typeface="Times New Roman" panose="02020603050405020304" pitchFamily="18" charset="0"/>
+              </a:rPr>
+              <a:t>Results</a:t>
+            </a:r>
+            <a:endParaRPr lang="de-AT" sz="4800" dirty="0">
+              <a:effectLst/>
+              <a:latin typeface="+mj-lt"/>
+              <a:ea typeface="Calibri" panose="020F0502020204030204" pitchFamily="34" charset="0"/>
+              <a:cs typeface="Times New Roman" panose="02020603050405020304" pitchFamily="18" charset="0"/>
+            </a:endParaRPr>
+          </a:p>
+        </p:txBody>
+      </p:sp>
+      <p:sp>
+        <p:nvSpPr>
+          <p:cNvPr id="30" name="TextBox 29">
             <a:extLst>
               <a:ext uri="{FF2B5EF4-FFF2-40B4-BE49-F238E27FC236}">
-                <a16:creationId xmlns:a16="http://schemas.microsoft.com/office/drawing/2014/main" id="{9C929F17-2012-CA6E-FF75-AE9B3BFC953E}"/>
+                <a16:creationId xmlns:a16="http://schemas.microsoft.com/office/drawing/2014/main" id="{07816D46-B047-D7FA-E2E6-CA93136503EE}"/>
               </a:ext>
             </a:extLst>
           </p:cNvPr>
-          <p:cNvCxnSpPr>
-            <a:cxnSpLocks/>
-          </p:cNvCxnSpPr>
+          <p:cNvSpPr txBox="1"/>
           <p:nvPr/>
-        </p:nvCxnSpPr>
+        </p:nvSpPr>
+        <p:spPr>
+          <a:xfrm>
+            <a:off x="1262755" y="17231001"/>
+            <a:ext cx="10110993" cy="5262979"/>
+          </a:xfrm>
+          <a:prstGeom prst="rect">
+            <a:avLst/>
+          </a:prstGeom>
+          <a:noFill/>
+        </p:spPr>
+        <p:txBody>
+          <a:bodyPr wrap="square" rtlCol="0">
+            <a:spAutoFit/>
+          </a:bodyPr>
+          <a:lstStyle/>
+          <a:p>
+            <a:pPr algn="just"/>
+            <a:r>
+              <a:rPr lang="en-GB" sz="2800" dirty="0">
+                <a:latin typeface="+mj-lt"/>
+                <a:cs typeface="Times New Roman" panose="02020603050405020304" pitchFamily="18" charset="0"/>
+              </a:rPr>
+              <a:t>We compared MS Annika 3.0 to other commonly used cross-linking search engines and show that MS Annika is on par or better in terms of crosslink identifications while providing a more robust false discovery rate (FDR) estimation, reporting 75% less false positives than competing tools on average. Most importantly we could show that MS Annika is able to accurately identify more than 430 unique crosslinks at 1% estimated FDR from an experiment with </a:t>
+            </a:r>
+            <a:r>
+              <a:rPr lang="en-GB" sz="2800" i="1" dirty="0">
+                <a:latin typeface="+mj-lt"/>
+                <a:cs typeface="Times New Roman" panose="02020603050405020304" pitchFamily="18" charset="0"/>
+              </a:rPr>
+              <a:t>C. elegans </a:t>
+            </a:r>
+            <a:r>
+              <a:rPr lang="en-GB" sz="2800" dirty="0">
+                <a:latin typeface="+mj-lt"/>
+                <a:cs typeface="Times New Roman" panose="02020603050405020304" pitchFamily="18" charset="0"/>
+              </a:rPr>
+              <a:t>nuclei, using the full C. elegans proteome of over 26 000 proteins for search, which allowed us to </a:t>
+            </a:r>
+            <a:r>
+              <a:rPr lang="en-US" sz="2800" dirty="0">
+                <a:latin typeface="+mj-lt"/>
+                <a:cs typeface="Times New Roman" panose="02020603050405020304" pitchFamily="18" charset="0"/>
+              </a:rPr>
+              <a:t>conclude a comprehensive structural analysis of the Box C/D complex, enhancing our understanding of its assembly and functional dynamics.</a:t>
+            </a:r>
+          </a:p>
+        </p:txBody>
+      </p:sp>
+      <p:pic>
+        <p:nvPicPr>
+          <p:cNvPr id="1030" name="Picture 6">
+            <a:extLst>
+              <a:ext uri="{FF2B5EF4-FFF2-40B4-BE49-F238E27FC236}">
+                <a16:creationId xmlns:a16="http://schemas.microsoft.com/office/drawing/2014/main" id="{67E3703B-6DAB-7F89-46ED-57FB6622273E}"/>
+              </a:ext>
+            </a:extLst>
+          </p:cNvPr>
+          <p:cNvPicPr>
+            <a:picLocks noChangeAspect="1" noChangeArrowheads="1"/>
+          </p:cNvPicPr>
+          <p:nvPr/>
+        </p:nvPicPr>
+        <p:blipFill>
+          <a:blip r:embed="rId18">
+            <a:extLst>
+              <a:ext uri="{28A0092B-C50C-407E-A947-70E740481C1C}">
+                <a14:useLocalDpi xmlns:a14="http://schemas.microsoft.com/office/drawing/2010/main" val="0"/>
+              </a:ext>
+            </a:extLst>
+          </a:blip>
+          <a:srcRect/>
+          <a:stretch>
+            <a:fillRect/>
+          </a:stretch>
+        </p:blipFill>
         <p:spPr bwMode="auto">
           <a:xfrm>
-            <a:off x="14099357" y="33984367"/>
-            <a:ext cx="4486487" cy="0"/>
+            <a:off x="17167541" y="19918310"/>
+            <a:ext cx="12192000" cy="6858000"/>
           </a:xfrm>
-          <a:prstGeom prst="straightConnector1">
+          <a:prstGeom prst="rect">
             <a:avLst/>
           </a:prstGeom>
-          <a:solidFill>
-            <a:schemeClr val="accent1"/>
-          </a:solidFill>
-          <a:ln w="57150" cap="flat" cmpd="sng" algn="ctr">
-            <a:solidFill>
-              <a:srgbClr val="8EA0F5"/>
-            </a:solidFill>
-            <a:prstDash val="solid"/>
-            <a:round/>
-            <a:headEnd type="none" w="med" len="med"/>
-            <a:tailEnd type="triangle"/>
-          </a:ln>
-          <a:effectLst/>
+          <a:noFill/>
+          <a:extLst>
+            <a:ext uri="{909E8E84-426E-40DD-AFC4-6F175D3DCCD1}">
+              <a14:hiddenFill xmlns:a14="http://schemas.microsoft.com/office/drawing/2010/main">
+                <a:solidFill>
+                  <a:srgbClr val="FFFFFF"/>
+                </a:solidFill>
+              </a14:hiddenFill>
+            </a:ext>
+          </a:extLst>
         </p:spPr>
-      </p:cxnSp>
+      </p:pic>
+      <p:pic>
+        <p:nvPicPr>
+          <p:cNvPr id="1032" name="Picture 8">
+            <a:extLst>
+              <a:ext uri="{FF2B5EF4-FFF2-40B4-BE49-F238E27FC236}">
+                <a16:creationId xmlns:a16="http://schemas.microsoft.com/office/drawing/2014/main" id="{21CBD91E-9AB6-AABB-ED9C-018A0F1CC344}"/>
+              </a:ext>
+            </a:extLst>
+          </p:cNvPr>
+          <p:cNvPicPr>
+            <a:picLocks noChangeAspect="1" noChangeArrowheads="1"/>
+          </p:cNvPicPr>
+          <p:nvPr/>
+        </p:nvPicPr>
+        <p:blipFill>
+          <a:blip r:embed="rId19">
+            <a:extLst>
+              <a:ext uri="{28A0092B-C50C-407E-A947-70E740481C1C}">
+                <a14:useLocalDpi xmlns:a14="http://schemas.microsoft.com/office/drawing/2010/main" val="0"/>
+              </a:ext>
+            </a:extLst>
+          </a:blip>
+          <a:srcRect/>
+          <a:stretch>
+            <a:fillRect/>
+          </a:stretch>
+        </p:blipFill>
+        <p:spPr bwMode="auto">
+          <a:xfrm>
+            <a:off x="11676988" y="19912602"/>
+            <a:ext cx="5486400" cy="6858000"/>
+          </a:xfrm>
+          <a:prstGeom prst="rect">
+            <a:avLst/>
+          </a:prstGeom>
+          <a:noFill/>
+          <a:extLst>
+            <a:ext uri="{909E8E84-426E-40DD-AFC4-6F175D3DCCD1}">
+              <a14:hiddenFill xmlns:a14="http://schemas.microsoft.com/office/drawing/2010/main">
+                <a:solidFill>
+                  <a:srgbClr val="FFFFFF"/>
+                </a:solidFill>
+              </a14:hiddenFill>
+            </a:ext>
+          </a:extLst>
+        </p:spPr>
+      </p:pic>
+      <p:pic>
+        <p:nvPicPr>
+          <p:cNvPr id="1034" name="Picture 10">
+            <a:extLst>
+              <a:ext uri="{FF2B5EF4-FFF2-40B4-BE49-F238E27FC236}">
+                <a16:creationId xmlns:a16="http://schemas.microsoft.com/office/drawing/2014/main" id="{36F1BB8D-1A0D-2A2B-D5BD-23274355F6F2}"/>
+              </a:ext>
+            </a:extLst>
+          </p:cNvPr>
+          <p:cNvPicPr>
+            <a:picLocks noChangeAspect="1" noChangeArrowheads="1"/>
+          </p:cNvPicPr>
+          <p:nvPr/>
+        </p:nvPicPr>
+        <p:blipFill>
+          <a:blip r:embed="rId20">
+            <a:extLst>
+              <a:ext uri="{28A0092B-C50C-407E-A947-70E740481C1C}">
+                <a14:useLocalDpi xmlns:a14="http://schemas.microsoft.com/office/drawing/2010/main" val="0"/>
+              </a:ext>
+            </a:extLst>
+          </a:blip>
+          <a:srcRect/>
+          <a:stretch>
+            <a:fillRect/>
+          </a:stretch>
+        </p:blipFill>
+        <p:spPr bwMode="auto">
+          <a:xfrm>
+            <a:off x="1069975" y="29865967"/>
+            <a:ext cx="10600965" cy="7067310"/>
+          </a:xfrm>
+          <a:prstGeom prst="rect">
+            <a:avLst/>
+          </a:prstGeom>
+          <a:noFill/>
+          <a:extLst>
+            <a:ext uri="{909E8E84-426E-40DD-AFC4-6F175D3DCCD1}">
+              <a14:hiddenFill xmlns:a14="http://schemas.microsoft.com/office/drawing/2010/main">
+                <a:solidFill>
+                  <a:srgbClr val="FFFFFF"/>
+                </a:solidFill>
+              </a14:hiddenFill>
+            </a:ext>
+          </a:extLst>
+        </p:spPr>
+      </p:pic>
     </p:spTree>
   </p:cSld>
   <p:clrMapOvr>

--- a/poster.pptx
+++ b/poster.pptx
@@ -4740,10 +4740,10 @@
         </p:nvGrpSpPr>
         <p:grpSpPr>
           <a:xfrm>
-            <a:off x="1255132" y="38700065"/>
-            <a:ext cx="20929917" cy="3018386"/>
+            <a:off x="1255132" y="38700058"/>
+            <a:ext cx="20929917" cy="2033501"/>
             <a:chOff x="1255132" y="37484980"/>
-            <a:chExt cx="20123743" cy="3018378"/>
+            <a:chExt cx="20123743" cy="2033496"/>
           </a:xfrm>
         </p:grpSpPr>
         <p:sp>
@@ -4791,7 +4791,7 @@
           <p:spPr>
             <a:xfrm>
               <a:off x="1277937" y="38195040"/>
-              <a:ext cx="20100938" cy="2308318"/>
+              <a:ext cx="20100938" cy="1323436"/>
             </a:xfrm>
             <a:prstGeom prst="rect">
               <a:avLst/>
@@ -4826,7 +4826,7 @@
               </a:r>
               <a:r>
                 <a:rPr lang="en-US" sz="1600" dirty="0"/>
-                <a:t>, K. (2021) Cleavable Cross-Linkers and Mass Spectrometry for the Ultimate Task of Profiling Protein-Protein Interaction Networks in Vivo. J. Proteome Res., 20, 78 – 93.  </a:t>
+                <a:t>, K. (2021) Cleavable Cross-Linkers and Mass Spectrometry for the Ultimate Task of Profiling Protein-Protein Interaction Networks in Vivo. J. Proteome Res., 20, 78 – 93  </a:t>
               </a:r>
               <a:br>
                 <a:rPr lang="en-US" sz="1600" dirty="0"/>
@@ -4865,7 +4865,7 @@
               </a:r>
               <a:r>
                 <a:rPr lang="en-US" sz="1600" dirty="0"/>
-                <a:t>, K. &amp; Dorfer, V. (2021) MS Annika: A New Cross-Linking Search Engine. J. Proteome Res., 20, 2560 – 2569.</a:t>
+                <a:t>, K. &amp; Dorfer, V. (2021) MS Annika: A New Cross-Linking Search Engine. J. Proteome Res., 20, 2560 – 2569</a:t>
               </a:r>
               <a:br>
                 <a:rPr lang="en-US" sz="1600" dirty="0"/>
@@ -4895,69 +4895,23 @@
               </a:br>
               <a:r>
                 <a:rPr lang="en-US" sz="1600" dirty="0"/>
-                <a:t>[4] Liu, F., </a:t>
+                <a:t>[4] Dorfer, V., Pichler, P., Stranzl, T., </a:t>
               </a:r>
               <a:r>
                 <a:rPr lang="en-US" sz="1600" dirty="0" err="1"/>
-                <a:t>Lössl</a:t>
+                <a:t>Stadlmann</a:t>
               </a:r>
               <a:r>
                 <a:rPr lang="en-US" sz="1600" dirty="0"/>
-                <a:t>, P., Scheltema, R., Viner, R. &amp; Heck, A. J. R. (2017) Optimized fragmentation schemes and data analysis strategies for proteome-wide cross-link identification. Nature Communications, 8, 15473. </a:t>
-              </a:r>
-              <a:br>
-                <a:rPr lang="en-US" sz="1600" dirty="0"/>
-              </a:br>
-              <a:r>
-                <a:rPr lang="en-US" sz="1600" dirty="0"/>
-                <a:t>[5] </a:t>
+                <a:t>, J., </a:t>
               </a:r>
               <a:r>
                 <a:rPr lang="en-US" sz="1600" dirty="0" err="1"/>
-                <a:t>Yugandhar</a:t>
+                <a:t>Taus</a:t>
               </a:r>
               <a:r>
                 <a:rPr lang="en-US" sz="1600" dirty="0"/>
-                <a:t>, K., Wang, T.-Y., Leung, A. K.-Y., et al. (2020) </a:t>
-              </a:r>
-              <a:r>
-                <a:rPr lang="en-US" sz="1600" dirty="0" err="1"/>
-                <a:t>MaXLinker</a:t>
-              </a:r>
-              <a:r>
-                <a:rPr lang="en-US" sz="1600" dirty="0"/>
-                <a:t>: Proteome-wide Cross-link Identifications with High Specificity and Sensitivity. Molecular &amp; Cellular Proteomics, 19, 554 – 568.</a:t>
-              </a:r>
-              <a:br>
-                <a:rPr lang="en-US" sz="1600" dirty="0"/>
-              </a:br>
-              <a:r>
-                <a:rPr lang="en-US" sz="1600" dirty="0"/>
-                <a:t>[6] </a:t>
-              </a:r>
-              <a:r>
-                <a:rPr lang="en-US" sz="1600" dirty="0" err="1"/>
-                <a:t>Matzinger</a:t>
-              </a:r>
-              <a:r>
-                <a:rPr lang="en-US" sz="1600" dirty="0"/>
-                <a:t>, M., </a:t>
-              </a:r>
-              <a:r>
-                <a:rPr lang="en-US" sz="1600" dirty="0" err="1"/>
-                <a:t>Vasiu</a:t>
-              </a:r>
-              <a:r>
-                <a:rPr lang="en-US" sz="1600" dirty="0"/>
-                <a:t>, A., </a:t>
-              </a:r>
-              <a:r>
-                <a:rPr lang="en-US" sz="1600" dirty="0" err="1"/>
-                <a:t>Madalinski</a:t>
-              </a:r>
-              <a:r>
-                <a:rPr lang="en-US" sz="1600" dirty="0"/>
-                <a:t>, M., Müller, F., Stanek, F. &amp; </a:t>
+                <a:t>, T., Winkler, S. &amp; </a:t>
               </a:r>
               <a:r>
                 <a:rPr lang="en-US" sz="1600" dirty="0" err="1"/>
@@ -4965,36 +4919,22 @@
               </a:r>
               <a:r>
                 <a:rPr lang="en-US" sz="1600" dirty="0"/>
-                <a:t>, K. (2022) Mimicked synthetic ribosomal protein complex for benchmarking crosslinking mass spectrometry workflows. </a:t>
+                <a:t>, K. (2014) MS Amanda, a Universal Identification Algorithm Optimized for High Accuracy Tandem Mass Spectra, J. Proteome Res., 13, 3679 – 3684 </a:t>
               </a:r>
               <a:br>
                 <a:rPr lang="en-US" sz="1600" dirty="0"/>
               </a:br>
               <a:r>
                 <a:rPr lang="en-US" sz="1600" dirty="0"/>
-                <a:t>     Natura Communications, 13, 3975.</a:t>
-              </a:r>
-              <a:br>
-                <a:rPr lang="en-US" sz="1600" dirty="0"/>
-              </a:br>
-              <a:r>
-                <a:rPr lang="en-US" sz="1600" dirty="0"/>
-                <a:t>[7] </a:t>
+                <a:t>[5] Dorfer, V., Strobl, M., Winkler, S. &amp; </a:t>
               </a:r>
               <a:r>
                 <a:rPr lang="en-US" sz="1600" dirty="0" err="1"/>
-                <a:t>Courouble</a:t>
+                <a:t>Mechtler</a:t>
               </a:r>
               <a:r>
                 <a:rPr lang="en-US" sz="1600" dirty="0"/>
-                <a:t>, V., Dey, S. K., Yadav, R. et al. (2021) Revealing the Structural Plasticity of SARS-CoV‑2 nsp7 and nsp8 Using </a:t>
-              </a:r>
-              <a:br>
-                <a:rPr lang="en-US" sz="1600" dirty="0"/>
-              </a:br>
-              <a:r>
-                <a:rPr lang="en-US" sz="1600" dirty="0"/>
-                <a:t>     Structural Proteomics. Journal of the American Society for Mass Spectrometry, 32, 1618 – 1630.</a:t>
+                <a:t>, K. (2021) MS Amanda 2.0: Advancements in the standalone implementation. Rapid Communications in Mass Spectrometry, 35, e9088</a:t>
               </a:r>
             </a:p>
           </p:txBody>
@@ -5125,7 +5065,7 @@
             <a:pPr algn="just"/>
             <a:r>
               <a:rPr lang="en-US" sz="2200" i="1" dirty="0"/>
-              <a:t>Figure 3: Schematic overview of the algorithm for identification of non-cleavable crosslinks in MS Annika 3.0. Mass spectra and peptides arising from the in-silico digestion of the protein database are encoded as sparse vectors and subsequently scored by matrix multiplication. The highest scoring hits are considered for the identification of potential alpha peptides with our in-house developed peptide search engine MS Amanda. Identified alpha peptides are used to find complimentary beta peptides and ultimately alpha and beta peptides matching the mass spectrum's precursor mass are combined to crosslinks.</a:t>
+              <a:t>Figure 3: Schematic overview of the algorithm for identification of non-cleavable crosslinks in MS Annika 3.0. Mass spectra and peptides arising from the in-silico digestion of the protein database are encoded as sparse vectors and subsequently scored by matrix multiplication. The highest scoring hits are considered for the identification of potential alpha peptides with our in-house developed peptide search engine MS Amanda [4][5]. Identified alpha peptides are used to find complimentary beta peptides and ultimately alpha and beta peptides matching the mass spectrum's precursor mass are combined to crosslinks.</a:t>
             </a:r>
           </a:p>
         </p:txBody>
@@ -5454,20 +5394,18 @@
         <p:blipFill>
           <a:blip r:embed="rId16">
             <a:extLst>
-              <a:ext uri="{28A0092B-C50C-407E-A947-70E740481C1C}">
-                <a14:useLocalDpi xmlns:a14="http://schemas.microsoft.com/office/drawing/2010/main" val="0"/>
+              <a:ext uri="{96DAC541-7B7A-43D3-8B79-37D633B846F1}">
+                <asvg:svgBlip xmlns:asvg="http://schemas.microsoft.com/office/drawing/2016/SVG/main" r:embed="rId17"/>
               </a:ext>
             </a:extLst>
           </a:blip>
           <a:srcRect/>
-          <a:stretch>
-            <a:fillRect/>
-          </a:stretch>
+          <a:stretch/>
         </p:blipFill>
         <p:spPr bwMode="auto">
           <a:xfrm>
-            <a:off x="1255132" y="22950799"/>
-            <a:ext cx="10417703" cy="6945136"/>
+            <a:off x="1277268" y="22573380"/>
+            <a:ext cx="9571884" cy="7178913"/>
           </a:xfrm>
           <a:prstGeom prst="rect">
             <a:avLst/>
@@ -5499,22 +5437,20 @@
           <p:nvPr/>
         </p:nvPicPr>
         <p:blipFill>
-          <a:blip r:embed="rId17">
+          <a:blip r:embed="rId18">
             <a:extLst>
-              <a:ext uri="{28A0092B-C50C-407E-A947-70E740481C1C}">
-                <a14:useLocalDpi xmlns:a14="http://schemas.microsoft.com/office/drawing/2010/main" val="0"/>
+              <a:ext uri="{96DAC541-7B7A-43D3-8B79-37D633B846F1}">
+                <asvg:svgBlip xmlns:asvg="http://schemas.microsoft.com/office/drawing/2016/SVG/main" r:embed="rId19"/>
               </a:ext>
             </a:extLst>
           </a:blip>
           <a:srcRect/>
-          <a:stretch>
-            <a:fillRect/>
-          </a:stretch>
+          <a:stretch/>
         </p:blipFill>
         <p:spPr bwMode="auto">
           <a:xfrm>
-            <a:off x="11670940" y="27912338"/>
-            <a:ext cx="12463355" cy="8308903"/>
+            <a:off x="11670940" y="28245136"/>
+            <a:ext cx="12070815" cy="8037151"/>
           </a:xfrm>
           <a:prstGeom prst="rect">
             <a:avLst/>
@@ -5653,7 +5589,7 @@
           <p:nvPr/>
         </p:nvPicPr>
         <p:blipFill>
-          <a:blip r:embed="rId18">
+          <a:blip r:embed="rId20">
             <a:extLst>
               <a:ext uri="{28A0092B-C50C-407E-A947-70E740481C1C}">
                 <a14:useLocalDpi xmlns:a14="http://schemas.microsoft.com/office/drawing/2010/main" val="0"/>
@@ -5700,7 +5636,7 @@
           <p:nvPr/>
         </p:nvPicPr>
         <p:blipFill>
-          <a:blip r:embed="rId19">
+          <a:blip r:embed="rId21">
             <a:extLst>
               <a:ext uri="{28A0092B-C50C-407E-A947-70E740481C1C}">
                 <a14:useLocalDpi xmlns:a14="http://schemas.microsoft.com/office/drawing/2010/main" val="0"/>
@@ -5747,22 +5683,20 @@
           <p:nvPr/>
         </p:nvPicPr>
         <p:blipFill>
-          <a:blip r:embed="rId20">
+          <a:blip r:embed="rId22">
             <a:extLst>
-              <a:ext uri="{28A0092B-C50C-407E-A947-70E740481C1C}">
-                <a14:useLocalDpi xmlns:a14="http://schemas.microsoft.com/office/drawing/2010/main" val="0"/>
+              <a:ext uri="{96DAC541-7B7A-43D3-8B79-37D633B846F1}">
+                <asvg:svgBlip xmlns:asvg="http://schemas.microsoft.com/office/drawing/2016/SVG/main" r:embed="rId23"/>
               </a:ext>
             </a:extLst>
           </a:blip>
           <a:srcRect/>
-          <a:stretch>
-            <a:fillRect/>
-          </a:stretch>
+          <a:stretch/>
         </p:blipFill>
         <p:spPr bwMode="auto">
           <a:xfrm>
-            <a:off x="1069975" y="29865967"/>
-            <a:ext cx="10600965" cy="7067310"/>
+            <a:off x="1277268" y="29752292"/>
+            <a:ext cx="9571884" cy="7178913"/>
           </a:xfrm>
           <a:prstGeom prst="rect">
             <a:avLst/>
@@ -5779,6 +5713,915 @@
           </a:extLst>
         </p:spPr>
       </p:pic>
+      <p:sp>
+        <p:nvSpPr>
+          <p:cNvPr id="2" name="TextBox 1">
+            <a:extLst>
+              <a:ext uri="{FF2B5EF4-FFF2-40B4-BE49-F238E27FC236}">
+                <a16:creationId xmlns:a16="http://schemas.microsoft.com/office/drawing/2014/main" id="{FC5109FA-365B-FBE1-3E13-37B3A544DB8E}"/>
+              </a:ext>
+            </a:extLst>
+          </p:cNvPr>
+          <p:cNvSpPr txBox="1"/>
+          <p:nvPr/>
+        </p:nvSpPr>
+        <p:spPr>
+          <a:xfrm>
+            <a:off x="11670940" y="26984975"/>
+            <a:ext cx="17688601" cy="1107996"/>
+          </a:xfrm>
+          <a:prstGeom prst="rect">
+            <a:avLst/>
+          </a:prstGeom>
+          <a:noFill/>
+        </p:spPr>
+        <p:txBody>
+          <a:bodyPr wrap="square" rtlCol="0">
+            <a:spAutoFit/>
+          </a:bodyPr>
+          <a:lstStyle/>
+          <a:p>
+            <a:pPr algn="just"/>
+            <a:r>
+              <a:rPr lang="de-AT" sz="2200" i="1" dirty="0"/>
+              <a:t>Figure 4: Encoding </a:t>
+            </a:r>
+            <a:r>
+              <a:rPr lang="de-AT" sz="2200" i="1" dirty="0" err="1"/>
+              <a:t>of</a:t>
+            </a:r>
+            <a:r>
+              <a:rPr lang="de-AT" sz="2200" i="1" dirty="0"/>
+              <a:t> </a:t>
+            </a:r>
+            <a:r>
+              <a:rPr lang="de-AT" sz="2200" i="1" dirty="0" err="1"/>
+              <a:t>peptides</a:t>
+            </a:r>
+            <a:r>
+              <a:rPr lang="de-AT" sz="2200" i="1" dirty="0"/>
+              <a:t> and </a:t>
+            </a:r>
+            <a:r>
+              <a:rPr lang="de-AT" sz="2200" i="1" dirty="0" err="1"/>
+              <a:t>mass</a:t>
+            </a:r>
+            <a:r>
+              <a:rPr lang="de-AT" sz="2200" i="1" dirty="0"/>
+              <a:t> </a:t>
+            </a:r>
+            <a:r>
+              <a:rPr lang="de-AT" sz="2200" i="1" dirty="0" err="1"/>
+              <a:t>spectra</a:t>
+            </a:r>
+            <a:r>
+              <a:rPr lang="de-AT" sz="2200" i="1" dirty="0"/>
+              <a:t> </a:t>
+            </a:r>
+            <a:r>
+              <a:rPr lang="de-AT" sz="2200" i="1" dirty="0" err="1"/>
+              <a:t>as</a:t>
+            </a:r>
+            <a:r>
+              <a:rPr lang="de-AT" sz="2200" i="1" dirty="0"/>
+              <a:t> </a:t>
+            </a:r>
+            <a:r>
+              <a:rPr lang="de-AT" sz="2200" i="1" dirty="0" err="1"/>
+              <a:t>sparse</a:t>
+            </a:r>
+            <a:r>
+              <a:rPr lang="de-AT" sz="2200" i="1" dirty="0"/>
+              <a:t> </a:t>
+            </a:r>
+            <a:r>
+              <a:rPr lang="de-AT" sz="2200" i="1" dirty="0" err="1"/>
+              <a:t>vectors</a:t>
+            </a:r>
+            <a:r>
+              <a:rPr lang="de-AT" sz="2200" i="1" dirty="0"/>
+              <a:t>. Peptide </a:t>
+            </a:r>
+            <a:r>
+              <a:rPr lang="de-AT" sz="2200" i="1" dirty="0" err="1"/>
+              <a:t>encoding</a:t>
+            </a:r>
+            <a:r>
+              <a:rPr lang="de-AT" sz="2200" i="1" dirty="0"/>
+              <a:t>: </a:t>
+            </a:r>
+            <a:r>
+              <a:rPr lang="de-AT" sz="2200" i="1" dirty="0" err="1"/>
+              <a:t>theoretical</a:t>
+            </a:r>
+            <a:r>
+              <a:rPr lang="de-AT" sz="2200" i="1" dirty="0"/>
+              <a:t> </a:t>
+            </a:r>
+            <a:r>
+              <a:rPr lang="de-AT" sz="2200" i="1" dirty="0" err="1"/>
+              <a:t>ions</a:t>
+            </a:r>
+            <a:r>
+              <a:rPr lang="de-AT" sz="2200" i="1" dirty="0"/>
+              <a:t> </a:t>
+            </a:r>
+            <a:r>
+              <a:rPr lang="de-AT" sz="2200" i="1" dirty="0" err="1"/>
+              <a:t>of</a:t>
+            </a:r>
+            <a:r>
+              <a:rPr lang="de-AT" sz="2200" i="1" dirty="0"/>
+              <a:t> </a:t>
+            </a:r>
+            <a:r>
+              <a:rPr lang="de-AT" sz="2200" i="1" dirty="0" err="1"/>
+              <a:t>the</a:t>
+            </a:r>
+            <a:r>
+              <a:rPr lang="de-AT" sz="2200" i="1" dirty="0"/>
+              <a:t> </a:t>
+            </a:r>
+            <a:r>
+              <a:rPr lang="de-AT" sz="2200" i="1" dirty="0" err="1"/>
+              <a:t>peptide</a:t>
+            </a:r>
+            <a:r>
+              <a:rPr lang="de-AT" sz="2200" i="1" dirty="0"/>
+              <a:t> </a:t>
+            </a:r>
+            <a:r>
+              <a:rPr lang="de-AT" sz="2200" i="1" dirty="0" err="1"/>
+              <a:t>are</a:t>
+            </a:r>
+            <a:r>
+              <a:rPr lang="de-AT" sz="2200" i="1" dirty="0"/>
+              <a:t> </a:t>
+            </a:r>
+            <a:r>
+              <a:rPr lang="de-AT" sz="2200" i="1" dirty="0" err="1"/>
+              <a:t>calculated</a:t>
+            </a:r>
+            <a:r>
+              <a:rPr lang="de-AT" sz="2200" i="1" dirty="0"/>
+              <a:t> and </a:t>
+            </a:r>
+            <a:r>
+              <a:rPr lang="de-AT" sz="2200" i="1" dirty="0" err="1"/>
+              <a:t>the</a:t>
+            </a:r>
+            <a:r>
+              <a:rPr lang="de-AT" sz="2200" i="1" dirty="0"/>
+              <a:t> </a:t>
+            </a:r>
+            <a:r>
+              <a:rPr lang="de-AT" sz="2200" i="1" dirty="0" err="1"/>
+              <a:t>resulting</a:t>
+            </a:r>
+            <a:r>
+              <a:rPr lang="de-AT" sz="2200" i="1" dirty="0"/>
+              <a:t> m/z </a:t>
+            </a:r>
+            <a:r>
+              <a:rPr lang="de-AT" sz="2200" i="1" dirty="0" err="1"/>
+              <a:t>values</a:t>
+            </a:r>
+            <a:r>
+              <a:rPr lang="de-AT" sz="2200" i="1" dirty="0"/>
+              <a:t> </a:t>
+            </a:r>
+            <a:r>
+              <a:rPr lang="de-AT" sz="2200" i="1" dirty="0" err="1"/>
+              <a:t>are</a:t>
+            </a:r>
+            <a:r>
+              <a:rPr lang="de-AT" sz="2200" i="1" dirty="0"/>
+              <a:t> </a:t>
+            </a:r>
+            <a:r>
+              <a:rPr lang="de-AT" sz="2200" i="1" dirty="0" err="1"/>
+              <a:t>binned</a:t>
+            </a:r>
+            <a:r>
+              <a:rPr lang="de-AT" sz="2200" i="1" dirty="0"/>
+              <a:t> in 0.01 Da </a:t>
+            </a:r>
+            <a:r>
+              <a:rPr lang="de-AT" sz="2200" i="1" dirty="0" err="1"/>
+              <a:t>windows</a:t>
+            </a:r>
+            <a:r>
+              <a:rPr lang="de-AT" sz="2200" i="1" dirty="0"/>
+              <a:t> </a:t>
+            </a:r>
+            <a:r>
+              <a:rPr lang="de-AT" sz="2200" i="1" dirty="0" err="1"/>
+              <a:t>to</a:t>
+            </a:r>
+            <a:r>
+              <a:rPr lang="de-AT" sz="2200" i="1" dirty="0"/>
+              <a:t> </a:t>
+            </a:r>
+            <a:r>
+              <a:rPr lang="de-AT" sz="2200" i="1" dirty="0" err="1"/>
+              <a:t>vector</a:t>
+            </a:r>
+            <a:r>
+              <a:rPr lang="de-AT" sz="2200" i="1" dirty="0"/>
+              <a:t> </a:t>
+            </a:r>
+            <a:r>
+              <a:rPr lang="de-AT" sz="2200" i="1" dirty="0" err="1"/>
+              <a:t>indices</a:t>
+            </a:r>
+            <a:r>
+              <a:rPr lang="de-AT" sz="2200" i="1" dirty="0"/>
+              <a:t> </a:t>
+            </a:r>
+            <a:r>
+              <a:rPr lang="de-AT" sz="2200" i="1" dirty="0" err="1"/>
+              <a:t>representing</a:t>
+            </a:r>
+            <a:r>
+              <a:rPr lang="de-AT" sz="2200" i="1" dirty="0"/>
+              <a:t> </a:t>
+            </a:r>
+            <a:r>
+              <a:rPr lang="de-AT" sz="2200" i="1" dirty="0" err="1"/>
+              <a:t>each</a:t>
+            </a:r>
+            <a:r>
+              <a:rPr lang="de-AT" sz="2200" i="1" dirty="0"/>
+              <a:t> </a:t>
+            </a:r>
+            <a:r>
+              <a:rPr lang="de-AT" sz="2200" i="1" dirty="0" err="1"/>
+              <a:t>ion</a:t>
+            </a:r>
+            <a:r>
+              <a:rPr lang="de-AT" sz="2200" i="1" dirty="0"/>
+              <a:t>. </a:t>
+            </a:r>
+            <a:r>
+              <a:rPr lang="de-AT" sz="2200" i="1" dirty="0" err="1"/>
+              <a:t>Mass</a:t>
+            </a:r>
+            <a:r>
+              <a:rPr lang="de-AT" sz="2200" i="1" dirty="0"/>
+              <a:t> </a:t>
+            </a:r>
+            <a:r>
+              <a:rPr lang="de-AT" sz="2200" i="1" dirty="0" err="1"/>
+              <a:t>spectrum</a:t>
+            </a:r>
+            <a:r>
+              <a:rPr lang="de-AT" sz="2200" i="1" dirty="0"/>
+              <a:t> </a:t>
+            </a:r>
+            <a:r>
+              <a:rPr lang="de-AT" sz="2200" i="1" dirty="0" err="1"/>
+              <a:t>encoding</a:t>
+            </a:r>
+            <a:r>
+              <a:rPr lang="de-AT" sz="2200" i="1" dirty="0"/>
+              <a:t>: </a:t>
+            </a:r>
+            <a:r>
+              <a:rPr lang="de-AT" sz="2200" i="1" dirty="0" err="1"/>
+              <a:t>peaks</a:t>
+            </a:r>
+            <a:r>
+              <a:rPr lang="de-AT" sz="2200" i="1" dirty="0"/>
+              <a:t> </a:t>
+            </a:r>
+            <a:r>
+              <a:rPr lang="de-AT" sz="2200" i="1" dirty="0" err="1"/>
+              <a:t>are</a:t>
+            </a:r>
+            <a:r>
+              <a:rPr lang="de-AT" sz="2200" i="1" dirty="0"/>
+              <a:t> </a:t>
+            </a:r>
+            <a:r>
+              <a:rPr lang="de-AT" sz="2200" i="1" dirty="0" err="1"/>
+              <a:t>binned</a:t>
+            </a:r>
+            <a:r>
+              <a:rPr lang="de-AT" sz="2200" i="1" dirty="0"/>
+              <a:t> </a:t>
+            </a:r>
+            <a:r>
+              <a:rPr lang="de-AT" sz="2200" i="1" dirty="0" err="1"/>
+              <a:t>using</a:t>
+            </a:r>
+            <a:r>
+              <a:rPr lang="de-AT" sz="2200" i="1" dirty="0"/>
+              <a:t> 0.01 Da </a:t>
+            </a:r>
+            <a:r>
+              <a:rPr lang="de-AT" sz="2200" i="1" dirty="0" err="1"/>
+              <a:t>windows</a:t>
+            </a:r>
+            <a:r>
+              <a:rPr lang="de-AT" sz="2200" i="1" dirty="0"/>
+              <a:t>, but </a:t>
+            </a:r>
+            <a:r>
+              <a:rPr lang="de-AT" sz="2200" i="1" dirty="0" err="1"/>
+              <a:t>every</a:t>
+            </a:r>
+            <a:r>
+              <a:rPr lang="de-AT" sz="2200" i="1" dirty="0"/>
+              <a:t> </a:t>
+            </a:r>
+            <a:r>
+              <a:rPr lang="de-AT" sz="2200" i="1" dirty="0" err="1"/>
+              <a:t>peak</a:t>
+            </a:r>
+            <a:r>
+              <a:rPr lang="de-AT" sz="2200" i="1" dirty="0"/>
+              <a:t> </a:t>
+            </a:r>
+            <a:r>
+              <a:rPr lang="de-AT" sz="2200" i="1" dirty="0" err="1"/>
+              <a:t>is</a:t>
+            </a:r>
+            <a:r>
+              <a:rPr lang="de-AT" sz="2200" i="1" dirty="0"/>
+              <a:t> </a:t>
+            </a:r>
+            <a:r>
+              <a:rPr lang="de-AT" sz="2200" i="1" dirty="0" err="1"/>
+              <a:t>modelled</a:t>
+            </a:r>
+            <a:r>
+              <a:rPr lang="de-AT" sz="2200" i="1" dirty="0"/>
+              <a:t> </a:t>
+            </a:r>
+            <a:r>
+              <a:rPr lang="de-AT" sz="2200" i="1" dirty="0" err="1"/>
+              <a:t>as</a:t>
+            </a:r>
+            <a:r>
+              <a:rPr lang="de-AT" sz="2200" i="1" dirty="0"/>
+              <a:t> </a:t>
+            </a:r>
+            <a:r>
+              <a:rPr lang="de-AT" sz="2200" i="1" dirty="0" err="1"/>
+              <a:t>gaussian</a:t>
+            </a:r>
+            <a:r>
+              <a:rPr lang="de-AT" sz="2200" i="1" dirty="0"/>
+              <a:t> </a:t>
+            </a:r>
+            <a:r>
+              <a:rPr lang="de-AT" sz="2200" i="1" dirty="0" err="1"/>
+              <a:t>distribution</a:t>
+            </a:r>
+            <a:r>
+              <a:rPr lang="de-AT" sz="2200" i="1" dirty="0"/>
+              <a:t> </a:t>
+            </a:r>
+            <a:r>
+              <a:rPr lang="de-AT" sz="2200" i="1" dirty="0" err="1"/>
+              <a:t>that</a:t>
+            </a:r>
+            <a:r>
+              <a:rPr lang="de-AT" sz="2200" i="1" dirty="0"/>
+              <a:t> </a:t>
+            </a:r>
+            <a:r>
+              <a:rPr lang="de-AT" sz="2200" i="1" dirty="0" err="1"/>
+              <a:t>incorporates</a:t>
+            </a:r>
+            <a:r>
+              <a:rPr lang="de-AT" sz="2200" i="1" dirty="0"/>
+              <a:t> </a:t>
+            </a:r>
+            <a:r>
+              <a:rPr lang="de-AT" sz="2200" i="1" dirty="0" err="1"/>
+              <a:t>instrument</a:t>
+            </a:r>
+            <a:r>
+              <a:rPr lang="de-AT" sz="2200" i="1" dirty="0"/>
+              <a:t> </a:t>
+            </a:r>
+            <a:r>
+              <a:rPr lang="de-AT" sz="2200" i="1" dirty="0" err="1"/>
+              <a:t>tolerance</a:t>
+            </a:r>
+            <a:r>
+              <a:rPr lang="de-AT" sz="2200" i="1" dirty="0"/>
+              <a:t>.</a:t>
+            </a:r>
+            <a:endParaRPr lang="en-US" sz="2200" i="1" dirty="0"/>
+          </a:p>
+        </p:txBody>
+      </p:sp>
+      <p:sp>
+        <p:nvSpPr>
+          <p:cNvPr id="7" name="TextBox 6">
+            <a:extLst>
+              <a:ext uri="{FF2B5EF4-FFF2-40B4-BE49-F238E27FC236}">
+                <a16:creationId xmlns:a16="http://schemas.microsoft.com/office/drawing/2014/main" id="{34325D2C-316A-0CC4-F250-0E759FB351DB}"/>
+              </a:ext>
+            </a:extLst>
+          </p:cNvPr>
+          <p:cNvSpPr txBox="1"/>
+          <p:nvPr/>
+        </p:nvSpPr>
+        <p:spPr>
+          <a:xfrm>
+            <a:off x="1255131" y="36815400"/>
+            <a:ext cx="9594021" cy="430887"/>
+          </a:xfrm>
+          <a:prstGeom prst="rect">
+            <a:avLst/>
+          </a:prstGeom>
+          <a:noFill/>
+        </p:spPr>
+        <p:txBody>
+          <a:bodyPr wrap="square" rtlCol="0">
+            <a:spAutoFit/>
+          </a:bodyPr>
+          <a:lstStyle/>
+          <a:p>
+            <a:pPr algn="just"/>
+            <a:r>
+              <a:rPr lang="de-AT" sz="2200" i="1" dirty="0"/>
+              <a:t>Figure 5: </a:t>
+            </a:r>
+            <a:r>
+              <a:rPr lang="de-AT" sz="2200" i="1" dirty="0" err="1"/>
+              <a:t>Comparison</a:t>
+            </a:r>
+            <a:r>
+              <a:rPr lang="de-AT" sz="2200" i="1" dirty="0"/>
+              <a:t> </a:t>
+            </a:r>
+            <a:r>
+              <a:rPr lang="de-AT" sz="2200" i="1" dirty="0" err="1"/>
+              <a:t>of</a:t>
+            </a:r>
+            <a:r>
+              <a:rPr lang="de-AT" sz="2200" i="1" dirty="0"/>
+              <a:t> MS Annika </a:t>
+            </a:r>
+            <a:r>
+              <a:rPr lang="de-AT" sz="2200" i="1" dirty="0" err="1"/>
+              <a:t>against</a:t>
+            </a:r>
+            <a:r>
+              <a:rPr lang="de-AT" sz="2200" i="1" dirty="0"/>
+              <a:t> </a:t>
+            </a:r>
+            <a:r>
+              <a:rPr lang="de-AT" sz="2200" i="1" dirty="0" err="1"/>
+              <a:t>other</a:t>
+            </a:r>
+            <a:r>
+              <a:rPr lang="de-AT" sz="2200" i="1" dirty="0"/>
+              <a:t> </a:t>
+            </a:r>
+            <a:r>
+              <a:rPr lang="de-AT" sz="2200" i="1" dirty="0" err="1"/>
+              <a:t>crosslink</a:t>
+            </a:r>
+            <a:r>
+              <a:rPr lang="de-AT" sz="2200" i="1" dirty="0"/>
+              <a:t> </a:t>
+            </a:r>
+            <a:r>
+              <a:rPr lang="de-AT" sz="2200" i="1" dirty="0" err="1"/>
+              <a:t>search</a:t>
+            </a:r>
+            <a:r>
+              <a:rPr lang="de-AT" sz="2200" i="1" dirty="0"/>
+              <a:t> </a:t>
+            </a:r>
+            <a:r>
+              <a:rPr lang="de-AT" sz="2200" i="1" dirty="0" err="1"/>
+              <a:t>engines</a:t>
+            </a:r>
+            <a:r>
+              <a:rPr lang="de-AT" sz="2200" i="1" dirty="0"/>
+              <a:t>.</a:t>
+            </a:r>
+            <a:endParaRPr lang="en-US" sz="2200" i="1" dirty="0"/>
+          </a:p>
+        </p:txBody>
+      </p:sp>
+      <p:pic>
+        <p:nvPicPr>
+          <p:cNvPr id="13" name="Picture 12">
+            <a:extLst>
+              <a:ext uri="{FF2B5EF4-FFF2-40B4-BE49-F238E27FC236}">
+                <a16:creationId xmlns:a16="http://schemas.microsoft.com/office/drawing/2014/main" id="{0AE9691B-DB83-B4A7-C0E6-975F0365B423}"/>
+              </a:ext>
+            </a:extLst>
+          </p:cNvPr>
+          <p:cNvPicPr>
+            <a:picLocks noChangeAspect="1"/>
+          </p:cNvPicPr>
+          <p:nvPr/>
+        </p:nvPicPr>
+        <p:blipFill>
+          <a:blip r:embed="rId24"/>
+          <a:stretch>
+            <a:fillRect/>
+          </a:stretch>
+        </p:blipFill>
+        <p:spPr>
+          <a:xfrm>
+            <a:off x="23701875" y="29406566"/>
+            <a:ext cx="5657146" cy="5714289"/>
+          </a:xfrm>
+          <a:prstGeom prst="rect">
+            <a:avLst/>
+          </a:prstGeom>
+        </p:spPr>
+      </p:pic>
+      <p:sp>
+        <p:nvSpPr>
+          <p:cNvPr id="14" name="TextBox 13">
+            <a:extLst>
+              <a:ext uri="{FF2B5EF4-FFF2-40B4-BE49-F238E27FC236}">
+                <a16:creationId xmlns:a16="http://schemas.microsoft.com/office/drawing/2014/main" id="{BAC854B6-35B4-7134-3DA9-0B65067C675E}"/>
+              </a:ext>
+            </a:extLst>
+          </p:cNvPr>
+          <p:cNvSpPr txBox="1"/>
+          <p:nvPr/>
+        </p:nvSpPr>
+        <p:spPr>
+          <a:xfrm>
+            <a:off x="11670940" y="36178494"/>
+            <a:ext cx="12070815" cy="1107996"/>
+          </a:xfrm>
+          <a:prstGeom prst="rect">
+            <a:avLst/>
+          </a:prstGeom>
+          <a:noFill/>
+        </p:spPr>
+        <p:txBody>
+          <a:bodyPr wrap="square" rtlCol="0">
+            <a:spAutoFit/>
+          </a:bodyPr>
+          <a:lstStyle/>
+          <a:p>
+            <a:pPr algn="just"/>
+            <a:r>
+              <a:rPr lang="de-AT" sz="2200" i="1" dirty="0"/>
+              <a:t>Figure 6: </a:t>
+            </a:r>
+            <a:r>
+              <a:rPr lang="de-AT" sz="2200" i="1" dirty="0" err="1"/>
+              <a:t>Identification</a:t>
+            </a:r>
+            <a:r>
+              <a:rPr lang="de-AT" sz="2200" i="1" dirty="0"/>
+              <a:t> </a:t>
+            </a:r>
+            <a:r>
+              <a:rPr lang="de-AT" sz="2200" i="1" dirty="0" err="1"/>
+              <a:t>of</a:t>
+            </a:r>
+            <a:r>
+              <a:rPr lang="de-AT" sz="2200" i="1" dirty="0"/>
+              <a:t> </a:t>
+            </a:r>
+            <a:r>
+              <a:rPr lang="de-AT" sz="2200" i="1" dirty="0" err="1"/>
+              <a:t>crosslinks</a:t>
+            </a:r>
+            <a:r>
+              <a:rPr lang="de-AT" sz="2200" i="1" dirty="0"/>
+              <a:t> in </a:t>
+            </a:r>
+            <a:r>
+              <a:rPr lang="de-AT" sz="2200" i="1" dirty="0" err="1"/>
+              <a:t>the</a:t>
+            </a:r>
+            <a:r>
+              <a:rPr lang="de-AT" sz="2200" i="1" dirty="0"/>
+              <a:t> C. </a:t>
+            </a:r>
+            <a:r>
+              <a:rPr lang="de-AT" sz="2200" i="1" dirty="0" err="1"/>
+              <a:t>elegans</a:t>
+            </a:r>
+            <a:r>
+              <a:rPr lang="de-AT" sz="2200" i="1" dirty="0"/>
+              <a:t> </a:t>
+            </a:r>
+            <a:r>
+              <a:rPr lang="de-AT" sz="2200" i="1" dirty="0" err="1"/>
+              <a:t>nuclei</a:t>
+            </a:r>
+            <a:r>
+              <a:rPr lang="de-AT" sz="2200" i="1" dirty="0"/>
+              <a:t> </a:t>
+            </a:r>
+            <a:r>
+              <a:rPr lang="de-AT" sz="2200" i="1" dirty="0" err="1"/>
+              <a:t>using</a:t>
+            </a:r>
+            <a:r>
+              <a:rPr lang="de-AT" sz="2200" i="1" dirty="0"/>
+              <a:t> a </a:t>
+            </a:r>
+            <a:r>
+              <a:rPr lang="de-AT" sz="2200" i="1" dirty="0" err="1"/>
+              <a:t>proteome-wide</a:t>
+            </a:r>
+            <a:r>
+              <a:rPr lang="de-AT" sz="2200" i="1" dirty="0"/>
+              <a:t> non-</a:t>
+            </a:r>
+            <a:r>
+              <a:rPr lang="de-AT" sz="2200" i="1" dirty="0" err="1"/>
+              <a:t>cleavable</a:t>
+            </a:r>
+            <a:r>
+              <a:rPr lang="de-AT" sz="2200" i="1" dirty="0"/>
+              <a:t> </a:t>
+            </a:r>
+            <a:r>
+              <a:rPr lang="de-AT" sz="2200" i="1" dirty="0" err="1"/>
+              <a:t>crosslink</a:t>
+            </a:r>
+            <a:r>
+              <a:rPr lang="de-AT" sz="2200" i="1" dirty="0"/>
+              <a:t> </a:t>
+            </a:r>
+            <a:r>
+              <a:rPr lang="de-AT" sz="2200" i="1" dirty="0" err="1"/>
+              <a:t>search</a:t>
+            </a:r>
+            <a:r>
+              <a:rPr lang="de-AT" sz="2200" i="1" dirty="0"/>
+              <a:t> </a:t>
+            </a:r>
+            <a:r>
+              <a:rPr lang="de-AT" sz="2200" i="1" dirty="0" err="1"/>
+              <a:t>with</a:t>
+            </a:r>
+            <a:r>
+              <a:rPr lang="de-AT" sz="2200" i="1" dirty="0"/>
+              <a:t> </a:t>
+            </a:r>
+            <a:r>
+              <a:rPr lang="de-AT" sz="2200" i="1" dirty="0" err="1"/>
+              <a:t>more</a:t>
+            </a:r>
+            <a:r>
+              <a:rPr lang="de-AT" sz="2200" i="1" dirty="0"/>
+              <a:t> </a:t>
+            </a:r>
+            <a:r>
+              <a:rPr lang="de-AT" sz="2200" i="1" dirty="0" err="1"/>
+              <a:t>than</a:t>
+            </a:r>
+            <a:r>
+              <a:rPr lang="de-AT" sz="2200" i="1" dirty="0"/>
+              <a:t> 26 000 </a:t>
+            </a:r>
+            <a:r>
+              <a:rPr lang="de-AT" sz="2200" i="1" dirty="0" err="1"/>
+              <a:t>proteins</a:t>
+            </a:r>
+            <a:r>
+              <a:rPr lang="de-AT" sz="2200" i="1" dirty="0"/>
+              <a:t> in MS Annika 3.0 in </a:t>
+            </a:r>
+            <a:r>
+              <a:rPr lang="de-AT" sz="2200" i="1" dirty="0" err="1"/>
+              <a:t>comparison</a:t>
+            </a:r>
+            <a:r>
+              <a:rPr lang="de-AT" sz="2200" i="1" dirty="0"/>
+              <a:t> </a:t>
+            </a:r>
+            <a:r>
+              <a:rPr lang="de-AT" sz="2200" i="1" dirty="0" err="1"/>
+              <a:t>to</a:t>
+            </a:r>
+            <a:r>
+              <a:rPr lang="de-AT" sz="2200" i="1" dirty="0"/>
+              <a:t> </a:t>
+            </a:r>
+            <a:r>
+              <a:rPr lang="de-AT" sz="2200" i="1" dirty="0" err="1"/>
+              <a:t>the</a:t>
+            </a:r>
+            <a:r>
+              <a:rPr lang="de-AT" sz="2200" i="1" dirty="0"/>
+              <a:t> same </a:t>
+            </a:r>
+            <a:r>
+              <a:rPr lang="de-AT" sz="2200" i="1" dirty="0" err="1"/>
+              <a:t>search</a:t>
+            </a:r>
+            <a:r>
+              <a:rPr lang="de-AT" sz="2200" i="1" dirty="0"/>
+              <a:t> </a:t>
+            </a:r>
+            <a:r>
+              <a:rPr lang="de-AT" sz="2200" i="1" dirty="0" err="1"/>
+              <a:t>using</a:t>
+            </a:r>
+            <a:r>
+              <a:rPr lang="de-AT" sz="2200" i="1" dirty="0"/>
+              <a:t> a </a:t>
+            </a:r>
+            <a:r>
+              <a:rPr lang="de-AT" sz="2200" i="1" dirty="0" err="1"/>
+              <a:t>filtered</a:t>
+            </a:r>
+            <a:r>
+              <a:rPr lang="de-AT" sz="2200" i="1" dirty="0"/>
+              <a:t> </a:t>
+            </a:r>
+            <a:r>
+              <a:rPr lang="de-AT" sz="2200" i="1" dirty="0" err="1"/>
+              <a:t>database</a:t>
+            </a:r>
+            <a:r>
+              <a:rPr lang="de-AT" sz="2200" i="1" dirty="0"/>
+              <a:t> </a:t>
+            </a:r>
+            <a:r>
+              <a:rPr lang="de-AT" sz="2200" i="1" dirty="0" err="1"/>
+              <a:t>only</a:t>
+            </a:r>
+            <a:r>
+              <a:rPr lang="de-AT" sz="2200" i="1" dirty="0"/>
+              <a:t> </a:t>
+            </a:r>
+            <a:r>
+              <a:rPr lang="de-AT" sz="2200" i="1" dirty="0" err="1"/>
+              <a:t>containing</a:t>
+            </a:r>
+            <a:r>
+              <a:rPr lang="de-AT" sz="2200" i="1" dirty="0"/>
+              <a:t> </a:t>
+            </a:r>
+            <a:r>
+              <a:rPr lang="de-AT" sz="2200" i="1" dirty="0" err="1"/>
+              <a:t>the</a:t>
+            </a:r>
+            <a:r>
+              <a:rPr lang="de-AT" sz="2200" i="1" dirty="0"/>
+              <a:t> </a:t>
+            </a:r>
+            <a:r>
+              <a:rPr lang="de-AT" sz="2200" i="1" dirty="0" err="1"/>
+              <a:t>most</a:t>
+            </a:r>
+            <a:r>
+              <a:rPr lang="de-AT" sz="2200" i="1" dirty="0"/>
+              <a:t> abundant </a:t>
+            </a:r>
+            <a:r>
+              <a:rPr lang="de-AT" sz="2200" i="1" dirty="0" err="1"/>
+              <a:t>proteins</a:t>
+            </a:r>
+            <a:r>
+              <a:rPr lang="de-AT" sz="2200" i="1" dirty="0"/>
+              <a:t>.</a:t>
+            </a:r>
+            <a:endParaRPr lang="en-US" sz="2200" i="1" dirty="0"/>
+          </a:p>
+        </p:txBody>
+      </p:sp>
+      <p:sp>
+        <p:nvSpPr>
+          <p:cNvPr id="15" name="TextBox 14">
+            <a:extLst>
+              <a:ext uri="{FF2B5EF4-FFF2-40B4-BE49-F238E27FC236}">
+                <a16:creationId xmlns:a16="http://schemas.microsoft.com/office/drawing/2014/main" id="{20BEF84C-F5E1-E3E9-C15E-5FDC937471CC}"/>
+              </a:ext>
+            </a:extLst>
+          </p:cNvPr>
+          <p:cNvSpPr txBox="1"/>
+          <p:nvPr/>
+        </p:nvSpPr>
+        <p:spPr>
+          <a:xfrm>
+            <a:off x="24141137" y="36174495"/>
+            <a:ext cx="5217884" cy="1107996"/>
+          </a:xfrm>
+          <a:prstGeom prst="rect">
+            <a:avLst/>
+          </a:prstGeom>
+          <a:noFill/>
+        </p:spPr>
+        <p:txBody>
+          <a:bodyPr wrap="square" rtlCol="0">
+            <a:spAutoFit/>
+          </a:bodyPr>
+          <a:lstStyle/>
+          <a:p>
+            <a:pPr algn="just"/>
+            <a:r>
+              <a:rPr lang="de-AT" sz="2200" i="1" dirty="0"/>
+              <a:t>Figure 7: </a:t>
+            </a:r>
+            <a:r>
+              <a:rPr lang="de-AT" sz="2200" i="1" dirty="0" err="1"/>
+              <a:t>Structural</a:t>
+            </a:r>
+            <a:r>
+              <a:rPr lang="de-AT" sz="2200" i="1" dirty="0"/>
+              <a:t> </a:t>
+            </a:r>
+            <a:r>
+              <a:rPr lang="de-AT" sz="2200" i="1" dirty="0" err="1"/>
+              <a:t>analysis</a:t>
+            </a:r>
+            <a:r>
+              <a:rPr lang="de-AT" sz="2200" i="1" dirty="0"/>
+              <a:t> </a:t>
+            </a:r>
+            <a:r>
+              <a:rPr lang="de-AT" sz="2200" i="1" dirty="0" err="1"/>
+              <a:t>of</a:t>
+            </a:r>
+            <a:r>
+              <a:rPr lang="de-AT" sz="2200" i="1" dirty="0"/>
+              <a:t> </a:t>
+            </a:r>
+            <a:r>
+              <a:rPr lang="de-AT" sz="2200" i="1" dirty="0" err="1"/>
+              <a:t>the</a:t>
+            </a:r>
+            <a:r>
+              <a:rPr lang="de-AT" sz="2200" i="1" dirty="0"/>
+              <a:t> Box C/D RNP </a:t>
+            </a:r>
+            <a:r>
+              <a:rPr lang="de-AT" sz="2200" i="1" dirty="0" err="1"/>
+              <a:t>complex</a:t>
+            </a:r>
+            <a:r>
+              <a:rPr lang="de-AT" sz="2200" i="1" dirty="0"/>
+              <a:t> </a:t>
+            </a:r>
+            <a:r>
+              <a:rPr lang="de-AT" sz="2200" i="1" dirty="0" err="1"/>
+              <a:t>using</a:t>
+            </a:r>
+            <a:r>
+              <a:rPr lang="de-AT" sz="2200" i="1" dirty="0"/>
+              <a:t> </a:t>
+            </a:r>
+            <a:r>
+              <a:rPr lang="de-AT" sz="2200" i="1" dirty="0" err="1"/>
+              <a:t>the</a:t>
+            </a:r>
+            <a:r>
+              <a:rPr lang="de-AT" sz="2200" i="1" dirty="0"/>
+              <a:t> </a:t>
+            </a:r>
+            <a:r>
+              <a:rPr lang="de-AT" sz="2200" i="1" dirty="0" err="1"/>
+              <a:t>identified</a:t>
+            </a:r>
+            <a:br>
+              <a:rPr lang="de-AT" sz="2200" i="1" dirty="0"/>
+            </a:br>
+            <a:r>
+              <a:rPr lang="de-AT" sz="2200" i="1" dirty="0"/>
+              <a:t>C. </a:t>
+            </a:r>
+            <a:r>
+              <a:rPr lang="de-AT" sz="2200" i="1" dirty="0" err="1"/>
+              <a:t>elegans</a:t>
+            </a:r>
+            <a:r>
+              <a:rPr lang="de-AT" sz="2200" i="1" dirty="0"/>
+              <a:t> </a:t>
+            </a:r>
+            <a:r>
+              <a:rPr lang="de-AT" sz="2200" i="1" dirty="0" err="1"/>
+              <a:t>nuclei</a:t>
+            </a:r>
+            <a:r>
+              <a:rPr lang="de-AT" sz="2200" i="1" dirty="0"/>
+              <a:t> </a:t>
+            </a:r>
+            <a:r>
+              <a:rPr lang="de-AT" sz="2200" i="1" dirty="0" err="1"/>
+              <a:t>crosslinks</a:t>
+            </a:r>
+            <a:r>
+              <a:rPr lang="de-AT" sz="2200" i="1" dirty="0"/>
+              <a:t>.</a:t>
+            </a:r>
+            <a:endParaRPr lang="en-US" sz="2200" i="1" dirty="0"/>
+          </a:p>
+        </p:txBody>
+      </p:sp>
     </p:spTree>
   </p:cSld>
   <p:clrMapOvr>

--- a/poster.pptx
+++ b/poster.pptx
@@ -6211,36 +6211,6 @@
           </a:p>
         </p:txBody>
       </p:sp>
-      <p:pic>
-        <p:nvPicPr>
-          <p:cNvPr id="13" name="Picture 12">
-            <a:extLst>
-              <a:ext uri="{FF2B5EF4-FFF2-40B4-BE49-F238E27FC236}">
-                <a16:creationId xmlns:a16="http://schemas.microsoft.com/office/drawing/2014/main" id="{0AE9691B-DB83-B4A7-C0E6-975F0365B423}"/>
-              </a:ext>
-            </a:extLst>
-          </p:cNvPr>
-          <p:cNvPicPr>
-            <a:picLocks noChangeAspect="1"/>
-          </p:cNvPicPr>
-          <p:nvPr/>
-        </p:nvPicPr>
-        <p:blipFill>
-          <a:blip r:embed="rId24"/>
-          <a:stretch>
-            <a:fillRect/>
-          </a:stretch>
-        </p:blipFill>
-        <p:spPr>
-          <a:xfrm>
-            <a:off x="23701875" y="29406566"/>
-            <a:ext cx="5657146" cy="5714289"/>
-          </a:xfrm>
-          <a:prstGeom prst="rect">
-            <a:avLst/>
-          </a:prstGeom>
-        </p:spPr>
-      </p:pic>
       <p:sp>
         <p:nvSpPr>
           <p:cNvPr id="14" name="TextBox 13">
@@ -6509,7 +6479,7 @@
         <p:spPr>
           <a:xfrm>
             <a:off x="24141137" y="36174495"/>
-            <a:ext cx="5217884" cy="1107996"/>
+            <a:ext cx="5400690" cy="1107996"/>
           </a:xfrm>
           <a:prstGeom prst="rect">
             <a:avLst/>
@@ -6537,7 +6507,7 @@
             </a:r>
             <a:r>
               <a:rPr lang="de-AT" sz="2200" i="1" dirty="0" err="1"/>
-              <a:t>analysis</a:t>
+              <a:t>prediction</a:t>
             </a:r>
             <a:r>
               <a:rPr lang="de-AT" sz="2200" i="1" dirty="0"/>
@@ -6573,11 +6543,27 @@
             </a:r>
             <a:r>
               <a:rPr lang="de-AT" sz="2200" i="1" dirty="0"/>
+              <a:t> AlphaLink2 and </a:t>
+            </a:r>
+            <a:r>
+              <a:rPr lang="de-AT" sz="2200" i="1" dirty="0" err="1"/>
+              <a:t>the</a:t>
+            </a:r>
+            <a:r>
+              <a:rPr lang="de-AT" sz="2200" i="1" dirty="0"/>
               <a:t> </a:t>
             </a:r>
             <a:r>
               <a:rPr lang="de-AT" sz="2200" i="1" dirty="0" err="1"/>
-              <a:t>the</a:t>
+              <a:t>identified</a:t>
+            </a:r>
+            <a:r>
+              <a:rPr lang="de-AT" sz="2200" i="1" dirty="0"/>
+              <a:t> C. </a:t>
+            </a:r>
+            <a:r>
+              <a:rPr lang="de-AT" sz="2200" i="1" dirty="0" err="1"/>
+              <a:t>elegans</a:t>
             </a:r>
             <a:r>
               <a:rPr lang="de-AT" sz="2200" i="1" dirty="0"/>
@@ -6585,18 +6571,7 @@
             </a:r>
             <a:r>
               <a:rPr lang="de-AT" sz="2200" i="1" dirty="0" err="1"/>
-              <a:t>identified</a:t>
-            </a:r>
-            <a:br>
-              <a:rPr lang="de-AT" sz="2200" i="1" dirty="0"/>
-            </a:br>
-            <a:r>
-              <a:rPr lang="de-AT" sz="2200" i="1" dirty="0"/>
-              <a:t>C. </a:t>
-            </a:r>
-            <a:r>
-              <a:rPr lang="de-AT" sz="2200" i="1" dirty="0" err="1"/>
-              <a:t>elegans</a:t>
+              <a:t>nuclei</a:t>
             </a:r>
             <a:r>
               <a:rPr lang="de-AT" sz="2200" i="1" dirty="0"/>
@@ -6604,14 +6579,6 @@
             </a:r>
             <a:r>
               <a:rPr lang="de-AT" sz="2200" i="1" dirty="0" err="1"/>
-              <a:t>nuclei</a:t>
-            </a:r>
-            <a:r>
-              <a:rPr lang="de-AT" sz="2200" i="1" dirty="0"/>
-              <a:t> </a:t>
-            </a:r>
-            <a:r>
-              <a:rPr lang="de-AT" sz="2200" i="1" dirty="0" err="1"/>
               <a:t>crosslinks</a:t>
             </a:r>
             <a:r>
@@ -6622,6 +6589,42 @@
           </a:p>
         </p:txBody>
       </p:sp>
+      <p:pic>
+        <p:nvPicPr>
+          <p:cNvPr id="8" name="Picture 7" descr="A screenshot of a cell phone&#10;&#10;Description automatically generated">
+            <a:extLst>
+              <a:ext uri="{FF2B5EF4-FFF2-40B4-BE49-F238E27FC236}">
+                <a16:creationId xmlns:a16="http://schemas.microsoft.com/office/drawing/2014/main" id="{5045423D-CD5B-00D2-44AB-3BEEE7472B0E}"/>
+              </a:ext>
+            </a:extLst>
+          </p:cNvPr>
+          <p:cNvPicPr>
+            <a:picLocks noChangeAspect="1"/>
+          </p:cNvPicPr>
+          <p:nvPr/>
+        </p:nvPicPr>
+        <p:blipFill>
+          <a:blip r:embed="rId24" cstate="print">
+            <a:extLst>
+              <a:ext uri="{28A0092B-C50C-407E-A947-70E740481C1C}">
+                <a14:useLocalDpi xmlns:a14="http://schemas.microsoft.com/office/drawing/2010/main" val="0"/>
+              </a:ext>
+            </a:extLst>
+          </a:blip>
+          <a:stretch>
+            <a:fillRect/>
+          </a:stretch>
+        </p:blipFill>
+        <p:spPr>
+          <a:xfrm>
+            <a:off x="23741755" y="29228637"/>
+            <a:ext cx="5800072" cy="6063792"/>
+          </a:xfrm>
+          <a:prstGeom prst="rect">
+            <a:avLst/>
+          </a:prstGeom>
+        </p:spPr>
+      </p:pic>
     </p:spTree>
   </p:cSld>
   <p:clrMapOvr>

--- a/poster.pptx
+++ b/poster.pptx
@@ -4978,7 +4978,7 @@
                 <a:latin typeface="+mj-lt"/>
                 <a:cs typeface="Times New Roman" panose="02020603050405020304" pitchFamily="18" charset="0"/>
               </a:rPr>
-              <a:t>has emerged as a prominent tool for identification of protein-protein interactions and for gaining insight into the structures of proteins.  [1] We previously published MS Annika, a cross-linking search engine which can accurately identify cross-linked peptides in MS2 and MS3 spectra from a variety of different MS-cleavable crosslinkers. [2][3]</a:t>
+              <a:t>has emerged as a prominent tool for identification of protein-protein interactions and for gaining insight into the structures of proteins. [1] We previously published MS Annika, a cross-linking search engine which can accurately identify cross-linked peptides in MS2 and MS3 spectra from a variety of different MS-cleavable crosslinkers. [2][3]</a:t>
             </a:r>
             <a:endParaRPr lang="de-AT" sz="2800" dirty="0">
               <a:latin typeface="+mj-lt"/>

--- a/poster.pptx
+++ b/poster.pptx
@@ -3783,11 +3783,8 @@
           <p:nvPr/>
         </p:nvPicPr>
         <p:blipFill>
-          <a:blip r:embed="rId3" cstate="print">
+          <a:blip r:embed="rId3">
             <a:extLst>
-              <a:ext uri="{28A0092B-C50C-407E-A947-70E740481C1C}">
-                <a14:useLocalDpi xmlns:a14="http://schemas.microsoft.com/office/drawing/2010/main" val="0"/>
-              </a:ext>
               <a:ext uri="{96DAC541-7B7A-43D3-8B79-37D633B846F1}">
                 <asvg:svgBlip xmlns:asvg="http://schemas.microsoft.com/office/drawing/2016/SVG/main" r:embed="rId4"/>
               </a:ext>
@@ -4099,7 +4096,7 @@
               </a:spcBef>
             </a:pPr>
             <a:r>
-              <a:rPr lang="en-US" sz="3200" b="1" dirty="0">
+              <a:rPr lang="en-US" sz="3200" b="1" u="sng" dirty="0">
                 <a:solidFill>
                   <a:schemeClr val="tx2"/>
                 </a:solidFill>
@@ -4107,7 +4104,7 @@
               <a:t>Micha J. Birklbauer</a:t>
             </a:r>
             <a:r>
-              <a:rPr lang="en-US" sz="3200" b="1" baseline="30000" dirty="0">
+              <a:rPr lang="en-US" sz="3200" b="1" u="sng" baseline="30000" dirty="0">
                 <a:solidFill>
                   <a:schemeClr val="tx2"/>
                 </a:solidFill>
@@ -4145,6 +4142,22 @@
                 </a:solidFill>
               </a:rPr>
               <a:t>2</a:t>
+            </a:r>
+            <a:r>
+              <a:rPr lang="en-US" sz="3200" b="1" dirty="0">
+                <a:solidFill>
+                  <a:schemeClr val="tx2"/>
+                </a:solidFill>
+              </a:rPr>
+              <a:t>, Sowmya S. Geetha</a:t>
+            </a:r>
+            <a:r>
+              <a:rPr lang="en-US" sz="3200" b="1" baseline="30000" dirty="0">
+                <a:solidFill>
+                  <a:schemeClr val="tx2"/>
+                </a:solidFill>
+              </a:rPr>
+              <a:t>3,4,5</a:t>
             </a:r>
             <a:r>
               <a:rPr lang="en-US" sz="3200" b="1" dirty="0">
@@ -4191,7 +4204,7 @@
                   <a:schemeClr val="tx2"/>
                 </a:solidFill>
               </a:rPr>
-              <a:t>2,3,4</a:t>
+              <a:t>2,6,7</a:t>
             </a:r>
             <a:r>
               <a:rPr lang="en-US" sz="3200" b="1" dirty="0">
@@ -4225,7 +4238,7 @@
               </a:spcBef>
             </a:pPr>
             <a:r>
-              <a:rPr lang="en-US" sz="3200" i="1" dirty="0">
+              <a:rPr lang="en-US" sz="1800" i="1" dirty="0">
                 <a:solidFill>
                   <a:schemeClr val="tx2"/>
                 </a:solidFill>
@@ -4243,7 +4256,7 @@
               </a:spcBef>
             </a:pPr>
             <a:r>
-              <a:rPr lang="en-US" sz="3200" i="1" dirty="0">
+              <a:rPr lang="en-US" sz="1800" i="1" dirty="0">
                 <a:solidFill>
                   <a:schemeClr val="tx2"/>
                 </a:solidFill>
@@ -4251,7 +4264,7 @@
               <a:t>2 Institute of Molecular Pathology (IMP), Vienna </a:t>
             </a:r>
             <a:r>
-              <a:rPr lang="en-US" sz="3200" i="1" dirty="0" err="1">
+              <a:rPr lang="en-US" sz="1800" i="1" dirty="0" err="1">
                 <a:solidFill>
                   <a:schemeClr val="tx2"/>
                 </a:solidFill>
@@ -4259,7 +4272,7 @@
               <a:t>BioCenter</a:t>
             </a:r>
             <a:r>
-              <a:rPr lang="en-US" sz="3200" i="1" dirty="0">
+              <a:rPr lang="en-US" sz="1800" i="1" dirty="0">
                 <a:solidFill>
                   <a:schemeClr val="tx2"/>
                 </a:solidFill>
@@ -4277,15 +4290,15 @@
               </a:spcBef>
             </a:pPr>
             <a:r>
-              <a:rPr lang="en-US" sz="3200" i="1" dirty="0">
+              <a:rPr lang="en-US" sz="1800" i="1" dirty="0">
                 <a:solidFill>
                   <a:schemeClr val="tx2"/>
                 </a:solidFill>
               </a:rPr>
-              <a:t>3 Institute of Molecular Biotechnology (IMBA), Austrian Academy of Sciences, Vienna </a:t>
-            </a:r>
-            <a:r>
-              <a:rPr lang="en-US" sz="3200" i="1" dirty="0" err="1">
+              <a:t>3 Max Perutz Labs (MPL), Vienna </a:t>
+            </a:r>
+            <a:r>
+              <a:rPr lang="en-US" sz="1800" i="1" dirty="0" err="1">
                 <a:solidFill>
                   <a:schemeClr val="tx2"/>
                 </a:solidFill>
@@ -4293,7 +4306,7 @@
               <a:t>BioCenter</a:t>
             </a:r>
             <a:r>
-              <a:rPr lang="en-US" sz="3200" i="1" dirty="0">
+              <a:rPr lang="en-US" sz="1800" i="1" dirty="0">
                 <a:solidFill>
                   <a:schemeClr val="tx2"/>
                 </a:solidFill>
@@ -4311,15 +4324,33 @@
               </a:spcBef>
             </a:pPr>
             <a:r>
-              <a:rPr lang="en-US" sz="3200" i="1" dirty="0">
+              <a:rPr lang="en-US" sz="1800" i="1" dirty="0">
                 <a:solidFill>
                   <a:schemeClr val="tx2"/>
                 </a:solidFill>
               </a:rPr>
-              <a:t>4 Gregor Mendel Institute (GMI), Austrian Academy of Sciences, Vienna </a:t>
-            </a:r>
-            <a:r>
-              <a:rPr lang="en-US" sz="3200" i="1" dirty="0" err="1">
+              <a:t>4 Max Perutz Labs (MPL), Department of Chromosome Biology, University of Vienna, Vienna</a:t>
+            </a:r>
+          </a:p>
+          <a:p>
+            <a:pPr marL="514350" indent="-514350" defTabSz="3987800">
+              <a:lnSpc>
+                <a:spcPct val="120000"/>
+              </a:lnSpc>
+              <a:spcBef>
+                <a:spcPts val="0"/>
+              </a:spcBef>
+            </a:pPr>
+            <a:r>
+              <a:rPr lang="en-US" sz="1800" i="1" dirty="0">
+                <a:solidFill>
+                  <a:schemeClr val="tx2"/>
+                </a:solidFill>
+              </a:rPr>
+              <a:t>5 Vienna </a:t>
+            </a:r>
+            <a:r>
+              <a:rPr lang="en-US" sz="1800" i="1" dirty="0" err="1">
                 <a:solidFill>
                   <a:schemeClr val="tx2"/>
                 </a:solidFill>
@@ -4327,7 +4358,91 @@
               <a:t>BioCenter</a:t>
             </a:r>
             <a:r>
-              <a:rPr lang="en-US" sz="3200" i="1" dirty="0">
+              <a:rPr lang="en-US" sz="1800" i="1" dirty="0">
+                <a:solidFill>
+                  <a:schemeClr val="tx2"/>
+                </a:solidFill>
+              </a:rPr>
+              <a:t> PhD Program, a Doctoral School of the University of Vienna and the Medical University of Vienna, Vienna </a:t>
+            </a:r>
+            <a:r>
+              <a:rPr lang="en-US" sz="1800" i="1" dirty="0" err="1">
+                <a:solidFill>
+                  <a:schemeClr val="tx2"/>
+                </a:solidFill>
+              </a:rPr>
+              <a:t>BioCenter</a:t>
+            </a:r>
+            <a:r>
+              <a:rPr lang="en-US" sz="1800" i="1" dirty="0">
+                <a:solidFill>
+                  <a:schemeClr val="tx2"/>
+                </a:solidFill>
+              </a:rPr>
+              <a:t> (VBC), Vienna</a:t>
+            </a:r>
+          </a:p>
+          <a:p>
+            <a:pPr marL="514350" indent="-514350" defTabSz="3987800">
+              <a:lnSpc>
+                <a:spcPct val="120000"/>
+              </a:lnSpc>
+              <a:spcBef>
+                <a:spcPts val="0"/>
+              </a:spcBef>
+            </a:pPr>
+            <a:r>
+              <a:rPr lang="en-US" sz="1800" i="1" dirty="0">
+                <a:solidFill>
+                  <a:schemeClr val="tx2"/>
+                </a:solidFill>
+              </a:rPr>
+              <a:t>6 Institute of Molecular Biotechnology (IMBA), Austrian Academy of Sciences, Vienna </a:t>
+            </a:r>
+            <a:r>
+              <a:rPr lang="en-US" sz="1800" i="1" dirty="0" err="1">
+                <a:solidFill>
+                  <a:schemeClr val="tx2"/>
+                </a:solidFill>
+              </a:rPr>
+              <a:t>BioCenter</a:t>
+            </a:r>
+            <a:r>
+              <a:rPr lang="en-US" sz="1800" i="1" dirty="0">
+                <a:solidFill>
+                  <a:schemeClr val="tx2"/>
+                </a:solidFill>
+              </a:rPr>
+              <a:t> (VBC), Vienna</a:t>
+            </a:r>
+          </a:p>
+          <a:p>
+            <a:pPr marL="514350" indent="-514350" defTabSz="3987800">
+              <a:lnSpc>
+                <a:spcPct val="120000"/>
+              </a:lnSpc>
+              <a:spcBef>
+                <a:spcPts val="0"/>
+              </a:spcBef>
+            </a:pPr>
+            <a:r>
+              <a:rPr lang="en-US" sz="1800" i="1" dirty="0">
+                <a:solidFill>
+                  <a:schemeClr val="tx2"/>
+                </a:solidFill>
+              </a:rPr>
+              <a:t>7 Gregor Mendel Institute (GMI), Austrian Academy of Sciences, Vienna </a:t>
+            </a:r>
+            <a:r>
+              <a:rPr lang="en-US" sz="1800" i="1" dirty="0" err="1">
+                <a:solidFill>
+                  <a:schemeClr val="tx2"/>
+                </a:solidFill>
+              </a:rPr>
+              <a:t>BioCenter</a:t>
+            </a:r>
+            <a:r>
+              <a:rPr lang="en-US" sz="1800" i="1" dirty="0">
                 <a:solidFill>
                   <a:schemeClr val="tx2"/>
                 </a:solidFill>
@@ -5065,7 +5180,7 @@
             <a:pPr algn="just"/>
             <a:r>
               <a:rPr lang="en-US" sz="2200" i="1" dirty="0"/>
-              <a:t>Figure 3: Schematic overview of the algorithm for identification of non-cleavable crosslinks in MS Annika 3.0. Mass spectra and peptides arising from the in-silico digestion of the protein database are encoded as sparse vectors and subsequently scored by matrix multiplication. The highest scoring hits are considered for the identification of potential alpha peptides with our in-house developed peptide search engine MS Amanda [4][5]. Identified alpha peptides are used to find complimentary beta peptides and ultimately alpha and beta peptides matching the mass spectrum's precursor mass are combined to crosslinks.</a:t>
+              <a:t>Figure 1: Schematic overview of the algorithm for identification of non-cleavable crosslinks in MS Annika 3.0. Mass spectra and peptides arising from the in-silico digestion of the protein database are encoded as sparse vectors (as shown in Figure 2) and subsequently scored by matrix multiplication. The highest scoring hits are considered for the identification of potential alpha peptides with our in-house developed peptide search engine MS Amanda [4][5]. Identified alpha peptides are used to find complimentary beta peptides and ultimately alpha and beta peptides matching the mass spectrum's precursor mass are combined to crosslinks.</a:t>
             </a:r>
           </a:p>
         </p:txBody>
@@ -5346,7 +5461,35 @@
                 <a:latin typeface="+mj-lt"/>
                 <a:cs typeface="Times New Roman" panose="02020603050405020304" pitchFamily="18" charset="0"/>
               </a:rPr>
-              <a:t>MS Annika 3.0 is an updated and improved version that additionally to cleavable crosslinkers supports identification of cross-linked peptides from non-cleavable reagents using a sparse matrix multiplication-based search algorithm as depicted in Figure 3. This algorithm can efficiently handle beyond human proteome-wide studies on commodity hardware. MS Annika 3.0 is available free of charge for Proteome Discoverer 3.1 at:</a:t>
+              <a:t>MS Annika 3.0 is an updated and improved version - that additionally to cleavable crosslinkers - supports identification of cross-linked peptides from non-cleavable reagents using a sparse matrix multiplication-based search algorithm as depicted in </a:t>
+            </a:r>
+            <a:r>
+              <a:rPr lang="en-US" sz="2800" b="1" dirty="0">
+                <a:latin typeface="+mj-lt"/>
+                <a:cs typeface="Times New Roman" panose="02020603050405020304" pitchFamily="18" charset="0"/>
+              </a:rPr>
+              <a:t>Figure 1</a:t>
+            </a:r>
+            <a:r>
+              <a:rPr lang="en-US" sz="2800" dirty="0">
+                <a:latin typeface="+mj-lt"/>
+                <a:cs typeface="Times New Roman" panose="02020603050405020304" pitchFamily="18" charset="0"/>
+              </a:rPr>
+              <a:t> and </a:t>
+            </a:r>
+            <a:r>
+              <a:rPr lang="en-US" sz="2800" b="1" dirty="0">
+                <a:latin typeface="+mj-lt"/>
+                <a:cs typeface="Times New Roman" panose="02020603050405020304" pitchFamily="18" charset="0"/>
+              </a:rPr>
+              <a:t>2</a:t>
+            </a:r>
+            <a:r>
+              <a:rPr lang="en-US" sz="2800" dirty="0">
+                <a:latin typeface="+mj-lt"/>
+                <a:cs typeface="Times New Roman" panose="02020603050405020304" pitchFamily="18" charset="0"/>
+              </a:rPr>
+              <a:t>. This algorithm can efficiently handle beyond human proteome-wide studies on commodity hardware. MS Annika 3.0 is available free of charge for Proteome Discoverer 3.1 at:</a:t>
             </a:r>
           </a:p>
           <a:p>
@@ -5404,8 +5547,8 @@
         </p:blipFill>
         <p:spPr bwMode="auto">
           <a:xfrm>
-            <a:off x="1277268" y="22573380"/>
-            <a:ext cx="9571884" cy="7178913"/>
+            <a:off x="1277268" y="23131104"/>
+            <a:ext cx="9182121" cy="6886591"/>
           </a:xfrm>
           <a:prstGeom prst="rect">
             <a:avLst/>
@@ -5529,7 +5672,7 @@
         <p:spPr>
           <a:xfrm>
             <a:off x="1262755" y="17231001"/>
-            <a:ext cx="10110993" cy="5262979"/>
+            <a:ext cx="10110993" cy="5693866"/>
           </a:xfrm>
           <a:prstGeom prst="rect">
             <a:avLst/>
@@ -5548,7 +5691,21 @@
                 <a:latin typeface="+mj-lt"/>
                 <a:cs typeface="Times New Roman" panose="02020603050405020304" pitchFamily="18" charset="0"/>
               </a:rPr>
-              <a:t>We compared MS Annika 3.0 to other commonly used cross-linking search engines and show that MS Annika is on par or better in terms of crosslink identifications while providing a more robust false discovery rate (FDR) estimation, reporting 75% less false positives than competing tools on average. Most importantly we could show that MS Annika is able to accurately identify more than 430 unique crosslinks at 1% estimated FDR from an experiment with </a:t>
+              <a:t>We compared MS Annika 3.0 to other commonly used cross-linking search engines and show that MS Annika is on par or better in terms of crosslink identifications while providing a more robust false discovery rate (FDR) estimation, reporting 75% less false positives than competing tools on average (</a:t>
+            </a:r>
+            <a:r>
+              <a:rPr lang="en-GB" sz="2800" b="1" dirty="0">
+                <a:latin typeface="+mj-lt"/>
+                <a:cs typeface="Times New Roman" panose="02020603050405020304" pitchFamily="18" charset="0"/>
+              </a:rPr>
+              <a:t>Figure 3</a:t>
+            </a:r>
+            <a:r>
+              <a:rPr lang="en-GB" sz="2800" dirty="0">
+                <a:latin typeface="+mj-lt"/>
+                <a:cs typeface="Times New Roman" panose="02020603050405020304" pitchFamily="18" charset="0"/>
+              </a:rPr>
+              <a:t>). Most importantly we could show that MS Annika is able to accurately identify more than 430 unique crosslinks at 1% estimated FDR from an experiment with </a:t>
             </a:r>
             <a:r>
               <a:rPr lang="en-GB" sz="2800" i="1" dirty="0">
@@ -5562,14 +5719,42 @@
                 <a:latin typeface="+mj-lt"/>
                 <a:cs typeface="Times New Roman" panose="02020603050405020304" pitchFamily="18" charset="0"/>
               </a:rPr>
-              <a:t>nuclei, using the full C. elegans proteome of over 26 000 proteins for search, which allowed us to </a:t>
+              <a:t>nuclei, using the full C. elegans proteome of over 26 000 proteins for search (</a:t>
+            </a:r>
+            <a:r>
+              <a:rPr lang="en-GB" sz="2800" b="1" dirty="0">
+                <a:latin typeface="+mj-lt"/>
+                <a:cs typeface="Times New Roman" panose="02020603050405020304" pitchFamily="18" charset="0"/>
+              </a:rPr>
+              <a:t>Figure 4</a:t>
+            </a:r>
+            <a:r>
+              <a:rPr lang="en-GB" sz="2800" dirty="0">
+                <a:latin typeface="+mj-lt"/>
+                <a:cs typeface="Times New Roman" panose="02020603050405020304" pitchFamily="18" charset="0"/>
+              </a:rPr>
+              <a:t>), which allowed us to </a:t>
             </a:r>
             <a:r>
               <a:rPr lang="en-US" sz="2800" dirty="0">
                 <a:latin typeface="+mj-lt"/>
                 <a:cs typeface="Times New Roman" panose="02020603050405020304" pitchFamily="18" charset="0"/>
               </a:rPr>
-              <a:t>conclude a comprehensive structural analysis of the Box C/D complex, enhancing our understanding of its assembly and functional dynamics.</a:t>
+              <a:t>conclude a comprehensive structural analysis of the Box C/D complex, enhancing our understanding of its assembly and functional dynamics (</a:t>
+            </a:r>
+            <a:r>
+              <a:rPr lang="en-US" sz="2800" b="1" dirty="0">
+                <a:latin typeface="+mj-lt"/>
+                <a:cs typeface="Times New Roman" panose="02020603050405020304" pitchFamily="18" charset="0"/>
+              </a:rPr>
+              <a:t>Figure 5</a:t>
+            </a:r>
+            <a:r>
+              <a:rPr lang="en-US" sz="2800" dirty="0">
+                <a:latin typeface="+mj-lt"/>
+                <a:cs typeface="Times New Roman" panose="02020603050405020304" pitchFamily="18" charset="0"/>
+              </a:rPr>
+              <a:t>).</a:t>
             </a:r>
           </a:p>
         </p:txBody>
@@ -5695,8 +5880,8 @@
         </p:blipFill>
         <p:spPr bwMode="auto">
           <a:xfrm>
-            <a:off x="1277268" y="29752292"/>
-            <a:ext cx="9571884" cy="7178913"/>
+            <a:off x="1277268" y="30044614"/>
+            <a:ext cx="9182121" cy="6886591"/>
           </a:xfrm>
           <a:prstGeom prst="rect">
             <a:avLst/>
@@ -5744,7 +5929,7 @@
             <a:pPr algn="just"/>
             <a:r>
               <a:rPr lang="de-AT" sz="2200" i="1" dirty="0"/>
-              <a:t>Figure 4: Encoding </a:t>
+              <a:t>Figure 2: Encoding </a:t>
             </a:r>
             <a:r>
               <a:rPr lang="de-AT" sz="2200" i="1" dirty="0" err="1"/>
@@ -6149,7 +6334,7 @@
             <a:pPr algn="just"/>
             <a:r>
               <a:rPr lang="de-AT" sz="2200" i="1" dirty="0"/>
-              <a:t>Figure 5: </a:t>
+              <a:t>Figure 3: </a:t>
             </a:r>
             <a:r>
               <a:rPr lang="de-AT" sz="2200" i="1" dirty="0" err="1"/>
@@ -6242,7 +6427,7 @@
             <a:pPr algn="just"/>
             <a:r>
               <a:rPr lang="de-AT" sz="2200" i="1" dirty="0"/>
-              <a:t>Figure 6: </a:t>
+              <a:t>Figure 4: </a:t>
             </a:r>
             <a:r>
               <a:rPr lang="de-AT" sz="2200" i="1" dirty="0" err="1"/>
@@ -6495,7 +6680,7 @@
             <a:pPr algn="just"/>
             <a:r>
               <a:rPr lang="de-AT" sz="2200" i="1" dirty="0"/>
-              <a:t>Figure 7: </a:t>
+              <a:t>Figure 5: </a:t>
             </a:r>
             <a:r>
               <a:rPr lang="de-AT" sz="2200" i="1" dirty="0" err="1"/>
